--- a/moteur de recommandations de films.pptx
+++ b/moteur de recommandations de films.pptx
@@ -235,7 +235,7 @@
             <a:fld id="{38237106-F2ED-405E-BC33-CC3CF426205F}" type="slidenum">
               <a:rPr lang="en-US" smtClean="0"/>
               <a:pPr/>
-              <a:t>‹N°›</a:t>
+              <a:t>‹#›</a:t>
             </a:fld>
             <a:endParaRPr lang="en-US"/>
           </a:p>
@@ -553,7 +553,7 @@
             <a:fld id="{38237106-F2ED-405E-BC33-CC3CF426205F}" type="slidenum">
               <a:rPr lang="en-US" smtClean="0"/>
               <a:pPr/>
-              <a:t>‹N°›</a:t>
+              <a:t>‹#›</a:t>
             </a:fld>
             <a:endParaRPr lang="en-US"/>
           </a:p>
@@ -730,7 +730,7 @@
             <a:fld id="{38237106-F2ED-405E-BC33-CC3CF426205F}" type="slidenum">
               <a:rPr lang="en-US" smtClean="0"/>
               <a:pPr/>
-              <a:t>‹N°›</a:t>
+              <a:t>‹#›</a:t>
             </a:fld>
             <a:endParaRPr lang="en-US"/>
           </a:p>
@@ -850,7 +850,7 @@
             <a:fld id="{38237106-F2ED-405E-BC33-CC3CF426205F}" type="slidenum">
               <a:rPr lang="en-US" smtClean="0"/>
               <a:pPr/>
-              <a:t>‹N°›</a:t>
+              <a:t>‹#›</a:t>
             </a:fld>
             <a:endParaRPr lang="en-US"/>
           </a:p>
@@ -1150,7 +1150,7 @@
             <a:fld id="{B1523C92-45F4-4C30-810D-4886C1BA6969}" type="slidenum">
               <a:rPr lang="en-US" smtClean="0"/>
               <a:pPr/>
-              <a:t>‹N°›</a:t>
+              <a:t>‹#›</a:t>
             </a:fld>
             <a:endParaRPr lang="en-US"/>
           </a:p>
@@ -1445,7 +1445,7 @@
             <a:fld id="{38237106-F2ED-405E-BC33-CC3CF426205F}" type="slidenum">
               <a:rPr lang="en-US" smtClean="0"/>
               <a:pPr/>
-              <a:t>‹N°›</a:t>
+              <a:t>‹#›</a:t>
             </a:fld>
             <a:endParaRPr lang="en-US"/>
           </a:p>
@@ -1875,7 +1875,7 @@
             <a:fld id="{38237106-F2ED-405E-BC33-CC3CF426205F}" type="slidenum">
               <a:rPr lang="en-US" smtClean="0"/>
               <a:pPr/>
-              <a:t>‹N°›</a:t>
+              <a:t>‹#›</a:t>
             </a:fld>
             <a:endParaRPr lang="en-US"/>
           </a:p>
@@ -1995,7 +1995,7 @@
             <a:fld id="{38237106-F2ED-405E-BC33-CC3CF426205F}" type="slidenum">
               <a:rPr lang="en-US" smtClean="0"/>
               <a:pPr/>
-              <a:t>‹N°›</a:t>
+              <a:t>‹#›</a:t>
             </a:fld>
             <a:endParaRPr lang="en-US"/>
           </a:p>
@@ -2087,7 +2087,7 @@
             <a:fld id="{38237106-F2ED-405E-BC33-CC3CF426205F}" type="slidenum">
               <a:rPr lang="en-US" smtClean="0"/>
               <a:pPr/>
-              <a:t>‹N°›</a:t>
+              <a:t>‹#›</a:t>
             </a:fld>
             <a:endParaRPr lang="en-US"/>
           </a:p>
@@ -2339,7 +2339,7 @@
             <a:fld id="{38237106-F2ED-405E-BC33-CC3CF426205F}" type="slidenum">
               <a:rPr lang="en-US" smtClean="0"/>
               <a:pPr/>
-              <a:t>‹N°›</a:t>
+              <a:t>‹#›</a:t>
             </a:fld>
             <a:endParaRPr lang="en-US"/>
           </a:p>
@@ -2857,7 +2857,7 @@
             <a:fld id="{38237106-F2ED-405E-BC33-CC3CF426205F}" type="slidenum">
               <a:rPr lang="en-US" smtClean="0"/>
               <a:pPr/>
-              <a:t>‹N°›</a:t>
+              <a:t>‹#›</a:t>
             </a:fld>
             <a:endParaRPr lang="en-US"/>
           </a:p>
@@ -3121,7 +3121,7 @@
             <a:fld id="{38237106-F2ED-405E-BC33-CC3CF426205F}" type="slidenum">
               <a:rPr lang="en-US" smtClean="0"/>
               <a:pPr/>
-              <a:t>‹N°›</a:t>
+              <a:t>‹#›</a:t>
             </a:fld>
             <a:endParaRPr lang="en-US" dirty="0"/>
           </a:p>
@@ -3559,6 +3559,9 @@
           </p:cNvSpPr>
           <p:nvPr>
             <p:ph type="subTitle" idx="1"/>
+            <p:custDataLst>
+              <p:tags r:id="rId1"/>
+            </p:custDataLst>
           </p:nvPr>
         </p:nvSpPr>
         <p:spPr/>
@@ -3586,6 +3589,9 @@
           </p:cNvSpPr>
           <p:nvPr>
             <p:ph type="ctrTitle"/>
+            <p:custDataLst>
+              <p:tags r:id="rId2"/>
+            </p:custDataLst>
           </p:nvPr>
         </p:nvSpPr>
         <p:spPr/>
@@ -3607,7 +3613,7 @@
     </p:spTree>
     <p:extLst>
       <p:ext uri="{BB962C8B-B14F-4D97-AF65-F5344CB8AC3E}">
-        <p14:creationId xmlns:p14="http://schemas.microsoft.com/office/powerpoint/2010/main" val="3468283249"/>
+        <p14:creationId xmlns:p14="http://schemas.microsoft.com/office/powerpoint/2010/main" xmlns="" val="3468283249"/>
       </p:ext>
     </p:extLst>
   </p:cSld>
@@ -3649,6 +3655,9 @@
           </p:cNvSpPr>
           <p:nvPr>
             <p:ph type="title"/>
+            <p:custDataLst>
+              <p:tags r:id="rId1"/>
+            </p:custDataLst>
           </p:nvPr>
         </p:nvSpPr>
         <p:spPr>
@@ -3677,7 +3686,11 @@
         <p:nvSpPr>
           <p:cNvPr id="7" name="ZoneTexte 6"/>
           <p:cNvSpPr txBox="1"/>
-          <p:nvPr/>
+          <p:nvPr>
+            <p:custDataLst>
+              <p:tags r:id="rId2"/>
+            </p:custDataLst>
+          </p:nvPr>
         </p:nvSpPr>
         <p:spPr>
           <a:xfrm>
@@ -3701,7 +3714,11 @@
             </a:pPr>
             <a:r>
               <a:rPr lang="fr-FR" dirty="0"/>
-              <a:t>Légère tendance: beaucoup de FBL </a:t>
+              <a:t>Légère tendance: </a:t>
+            </a:r>
+            <a:r>
+              <a:rPr lang="fr-FR" dirty="0" smtClean="0"/>
+              <a:t>FBL élevé </a:t>
             </a:r>
             <a:r>
               <a:rPr lang="fr-FR" dirty="0">
@@ -3710,16 +3727,22 @@
               <a:t> </a:t>
             </a:r>
             <a:r>
-              <a:rPr lang="fr-FR" dirty="0" err="1">
+              <a:rPr lang="fr-FR" dirty="0" err="1" smtClean="0">
                 <a:sym typeface="Wingdings" pitchFamily="2" charset="2"/>
               </a:rPr>
-              <a:t>imbd_core</a:t>
+              <a:t>imbd_score</a:t>
+            </a:r>
+            <a:r>
+              <a:rPr lang="fr-FR" dirty="0" smtClean="0">
+                <a:sym typeface="Wingdings" pitchFamily="2" charset="2"/>
+              </a:rPr>
+              <a:t> </a:t>
             </a:r>
             <a:r>
               <a:rPr lang="fr-FR" dirty="0">
                 <a:sym typeface="Wingdings" pitchFamily="2" charset="2"/>
               </a:rPr>
-              <a:t> haut, la réciproque n’est pas vrai </a:t>
+              <a:t>haut, la réciproque n’est pas vrai </a:t>
             </a:r>
           </a:p>
           <a:p>
@@ -3755,13 +3778,17 @@
           <p:cNvPicPr>
             <a:picLocks noChangeAspect="1" noChangeArrowheads="1"/>
           </p:cNvPicPr>
-          <p:nvPr/>
+          <p:nvPr>
+            <p:custDataLst>
+              <p:tags r:id="rId3"/>
+            </p:custDataLst>
+          </p:nvPr>
         </p:nvPicPr>
         <p:blipFill>
-          <a:blip r:embed="rId2">
+          <a:blip r:embed="rId6" cstate="print">
             <a:extLst>
               <a:ext uri="{28A0092B-C50C-407E-A947-70E740481C1C}">
-                <a14:useLocalDpi xmlns:a14="http://schemas.microsoft.com/office/drawing/2010/main" val="0"/>
+                <a14:useLocalDpi xmlns:a14="http://schemas.microsoft.com/office/drawing/2010/main" xmlns="" val="0"/>
               </a:ext>
             </a:extLst>
           </a:blip>
@@ -3785,14 +3812,14 @@
           <a:effectLst/>
           <a:extLst>
             <a:ext uri="{909E8E84-426E-40DD-AFC4-6F175D3DCCD1}">
-              <a14:hiddenFill xmlns:a14="http://schemas.microsoft.com/office/drawing/2010/main">
+              <a14:hiddenFill xmlns:a14="http://schemas.microsoft.com/office/drawing/2010/main" xmlns="">
                 <a:solidFill>
                   <a:schemeClr val="accent1"/>
                 </a:solidFill>
               </a14:hiddenFill>
             </a:ext>
             <a:ext uri="{91240B29-F687-4F45-9708-019B960494DF}">
-              <a14:hiddenLine xmlns:a14="http://schemas.microsoft.com/office/drawing/2010/main" w="9525">
+              <a14:hiddenLine xmlns:a14="http://schemas.microsoft.com/office/drawing/2010/main" xmlns="" w="9525">
                 <a:solidFill>
                   <a:schemeClr val="tx1"/>
                 </a:solidFill>
@@ -3802,7 +3829,7 @@
               </a14:hiddenLine>
             </a:ext>
             <a:ext uri="{AF507438-7753-43E0-B8FC-AC1667EBCBE1}">
-              <a14:hiddenEffects xmlns:a14="http://schemas.microsoft.com/office/drawing/2010/main">
+              <a14:hiddenEffects xmlns:a14="http://schemas.microsoft.com/office/drawing/2010/main" xmlns="">
                 <a:effectLst>
                   <a:outerShdw dist="35921" dir="2700000" algn="ctr" rotWithShape="0">
                     <a:schemeClr val="bg2"/>
@@ -3819,13 +3846,17 @@
           <p:cNvPicPr>
             <a:picLocks noChangeAspect="1" noChangeArrowheads="1"/>
           </p:cNvPicPr>
-          <p:nvPr/>
+          <p:nvPr>
+            <p:custDataLst>
+              <p:tags r:id="rId4"/>
+            </p:custDataLst>
+          </p:nvPr>
         </p:nvPicPr>
         <p:blipFill>
-          <a:blip r:embed="rId3">
+          <a:blip r:embed="rId7" cstate="print">
             <a:extLst>
               <a:ext uri="{28A0092B-C50C-407E-A947-70E740481C1C}">
-                <a14:useLocalDpi xmlns:a14="http://schemas.microsoft.com/office/drawing/2010/main" val="0"/>
+                <a14:useLocalDpi xmlns:a14="http://schemas.microsoft.com/office/drawing/2010/main" xmlns="" val="0"/>
               </a:ext>
             </a:extLst>
           </a:blip>
@@ -3849,14 +3880,14 @@
           <a:effectLst/>
           <a:extLst>
             <a:ext uri="{909E8E84-426E-40DD-AFC4-6F175D3DCCD1}">
-              <a14:hiddenFill xmlns:a14="http://schemas.microsoft.com/office/drawing/2010/main">
+              <a14:hiddenFill xmlns:a14="http://schemas.microsoft.com/office/drawing/2010/main" xmlns="">
                 <a:solidFill>
                   <a:schemeClr val="accent1"/>
                 </a:solidFill>
               </a14:hiddenFill>
             </a:ext>
             <a:ext uri="{91240B29-F687-4F45-9708-019B960494DF}">
-              <a14:hiddenLine xmlns:a14="http://schemas.microsoft.com/office/drawing/2010/main" w="9525">
+              <a14:hiddenLine xmlns:a14="http://schemas.microsoft.com/office/drawing/2010/main" xmlns="" w="9525">
                 <a:solidFill>
                   <a:schemeClr val="tx1"/>
                 </a:solidFill>
@@ -3866,7 +3897,7 @@
               </a14:hiddenLine>
             </a:ext>
             <a:ext uri="{AF507438-7753-43E0-B8FC-AC1667EBCBE1}">
-              <a14:hiddenEffects xmlns:a14="http://schemas.microsoft.com/office/drawing/2010/main">
+              <a14:hiddenEffects xmlns:a14="http://schemas.microsoft.com/office/drawing/2010/main" xmlns="">
                 <a:effectLst>
                   <a:outerShdw dist="35921" dir="2700000" algn="ctr" rotWithShape="0">
                     <a:schemeClr val="bg2"/>
@@ -3880,7 +3911,7 @@
     </p:spTree>
     <p:extLst>
       <p:ext uri="{BB962C8B-B14F-4D97-AF65-F5344CB8AC3E}">
-        <p14:creationId xmlns:p14="http://schemas.microsoft.com/office/powerpoint/2010/main" val="4043571853"/>
+        <p14:creationId xmlns:p14="http://schemas.microsoft.com/office/powerpoint/2010/main" xmlns="" val="4043571853"/>
       </p:ext>
     </p:extLst>
   </p:cSld>
@@ -3922,6 +3953,9 @@
           </p:cNvSpPr>
           <p:nvPr>
             <p:ph type="title"/>
+            <p:custDataLst>
+              <p:tags r:id="rId1"/>
+            </p:custDataLst>
           </p:nvPr>
         </p:nvSpPr>
         <p:spPr>
@@ -3949,6 +3983,9 @@
           </p:cNvSpPr>
           <p:nvPr>
             <p:ph sz="quarter" idx="13"/>
+            <p:custDataLst>
+              <p:tags r:id="rId2"/>
+            </p:custDataLst>
           </p:nvPr>
         </p:nvSpPr>
         <p:spPr/>
@@ -4102,7 +4139,7 @@
     </p:spTree>
     <p:extLst>
       <p:ext uri="{BB962C8B-B14F-4D97-AF65-F5344CB8AC3E}">
-        <p14:creationId xmlns:p14="http://schemas.microsoft.com/office/powerpoint/2010/main" val="2764281191"/>
+        <p14:creationId xmlns:p14="http://schemas.microsoft.com/office/powerpoint/2010/main" xmlns="" val="2764281191"/>
       </p:ext>
     </p:extLst>
   </p:cSld>
@@ -4144,6 +4181,9 @@
           </p:cNvSpPr>
           <p:nvPr>
             <p:ph type="title"/>
+            <p:custDataLst>
+              <p:tags r:id="rId1"/>
+            </p:custDataLst>
           </p:nvPr>
         </p:nvSpPr>
         <p:spPr>
@@ -4179,7 +4219,7 @@
     </p:spTree>
     <p:extLst>
       <p:ext uri="{BB962C8B-B14F-4D97-AF65-F5344CB8AC3E}">
-        <p14:creationId xmlns:p14="http://schemas.microsoft.com/office/powerpoint/2010/main" val="2134462054"/>
+        <p14:creationId xmlns:p14="http://schemas.microsoft.com/office/powerpoint/2010/main" xmlns="" val="2134462054"/>
       </p:ext>
     </p:extLst>
   </p:cSld>
@@ -4221,6 +4261,9 @@
           </p:cNvSpPr>
           <p:nvPr>
             <p:ph type="title"/>
+            <p:custDataLst>
+              <p:tags r:id="rId1"/>
+            </p:custDataLst>
           </p:nvPr>
         </p:nvSpPr>
         <p:spPr/>
@@ -4248,6 +4291,9 @@
           </p:cNvSpPr>
           <p:nvPr>
             <p:ph sz="quarter" idx="13"/>
+            <p:custDataLst>
+              <p:tags r:id="rId2"/>
+            </p:custDataLst>
           </p:nvPr>
         </p:nvSpPr>
         <p:spPr/>
@@ -4299,7 +4345,7 @@
     </p:spTree>
     <p:extLst>
       <p:ext uri="{BB962C8B-B14F-4D97-AF65-F5344CB8AC3E}">
-        <p14:creationId xmlns:p14="http://schemas.microsoft.com/office/powerpoint/2010/main" val="2364585716"/>
+        <p14:creationId xmlns:p14="http://schemas.microsoft.com/office/powerpoint/2010/main" xmlns="" val="2364585716"/>
       </p:ext>
     </p:extLst>
   </p:cSld>
@@ -4341,6 +4387,9 @@
           </p:cNvSpPr>
           <p:nvPr>
             <p:ph type="title"/>
+            <p:custDataLst>
+              <p:tags r:id="rId1"/>
+            </p:custDataLst>
           </p:nvPr>
         </p:nvSpPr>
         <p:spPr/>
@@ -4368,6 +4417,9 @@
           </p:cNvSpPr>
           <p:nvPr>
             <p:ph sz="quarter" idx="13"/>
+            <p:custDataLst>
+              <p:tags r:id="rId2"/>
+            </p:custDataLst>
           </p:nvPr>
         </p:nvSpPr>
         <p:spPr/>
@@ -4394,13 +4446,17 @@
           <p:cNvPicPr>
             <a:picLocks noChangeAspect="1" noChangeArrowheads="1"/>
           </p:cNvPicPr>
-          <p:nvPr/>
+          <p:nvPr>
+            <p:custDataLst>
+              <p:tags r:id="rId3"/>
+            </p:custDataLst>
+          </p:nvPr>
         </p:nvPicPr>
         <p:blipFill>
-          <a:blip r:embed="rId2">
+          <a:blip r:embed="rId7" cstate="print">
             <a:extLst>
               <a:ext uri="{28A0092B-C50C-407E-A947-70E740481C1C}">
-                <a14:useLocalDpi xmlns:a14="http://schemas.microsoft.com/office/drawing/2010/main" val="0"/>
+                <a14:useLocalDpi xmlns:a14="http://schemas.microsoft.com/office/drawing/2010/main" xmlns="" val="0"/>
               </a:ext>
             </a:extLst>
           </a:blip>
@@ -4424,14 +4480,14 @@
           <a:effectLst/>
           <a:extLst>
             <a:ext uri="{909E8E84-426E-40DD-AFC4-6F175D3DCCD1}">
-              <a14:hiddenFill xmlns:a14="http://schemas.microsoft.com/office/drawing/2010/main">
+              <a14:hiddenFill xmlns:a14="http://schemas.microsoft.com/office/drawing/2010/main" xmlns="">
                 <a:solidFill>
                   <a:schemeClr val="accent1"/>
                 </a:solidFill>
               </a14:hiddenFill>
             </a:ext>
             <a:ext uri="{91240B29-F687-4F45-9708-019B960494DF}">
-              <a14:hiddenLine xmlns:a14="http://schemas.microsoft.com/office/drawing/2010/main" w="9525">
+              <a14:hiddenLine xmlns:a14="http://schemas.microsoft.com/office/drawing/2010/main" xmlns="" w="9525">
                 <a:solidFill>
                   <a:schemeClr val="tx1"/>
                 </a:solidFill>
@@ -4441,7 +4497,7 @@
               </a14:hiddenLine>
             </a:ext>
             <a:ext uri="{AF507438-7753-43E0-B8FC-AC1667EBCBE1}">
-              <a14:hiddenEffects xmlns:a14="http://schemas.microsoft.com/office/drawing/2010/main">
+              <a14:hiddenEffects xmlns:a14="http://schemas.microsoft.com/office/drawing/2010/main" xmlns="">
                 <a:effectLst>
                   <a:outerShdw dist="35921" dir="2700000" algn="ctr" rotWithShape="0">
                     <a:schemeClr val="bg2"/>
@@ -4456,7 +4512,11 @@
         <p:nvSpPr>
           <p:cNvPr id="4" name="Accolade fermante 3"/>
           <p:cNvSpPr/>
-          <p:nvPr/>
+          <p:nvPr>
+            <p:custDataLst>
+              <p:tags r:id="rId4"/>
+            </p:custDataLst>
+          </p:nvPr>
         </p:nvSpPr>
         <p:spPr>
           <a:xfrm>
@@ -4497,7 +4557,11 @@
         <p:nvSpPr>
           <p:cNvPr id="5" name="ZoneTexte 4"/>
           <p:cNvSpPr txBox="1"/>
-          <p:nvPr/>
+          <p:nvPr>
+            <p:custDataLst>
+              <p:tags r:id="rId5"/>
+            </p:custDataLst>
+          </p:nvPr>
         </p:nvSpPr>
         <p:spPr>
           <a:xfrm>
@@ -4552,7 +4616,7 @@
     </p:spTree>
     <p:extLst>
       <p:ext uri="{BB962C8B-B14F-4D97-AF65-F5344CB8AC3E}">
-        <p14:creationId xmlns:p14="http://schemas.microsoft.com/office/powerpoint/2010/main" val="1134370508"/>
+        <p14:creationId xmlns:p14="http://schemas.microsoft.com/office/powerpoint/2010/main" xmlns="" val="1134370508"/>
       </p:ext>
     </p:extLst>
   </p:cSld>
@@ -4594,6 +4658,9 @@
           </p:cNvSpPr>
           <p:nvPr>
             <p:ph type="title"/>
+            <p:custDataLst>
+              <p:tags r:id="rId1"/>
+            </p:custDataLst>
           </p:nvPr>
         </p:nvSpPr>
         <p:spPr/>
@@ -4617,6 +4684,9 @@
           </p:cNvSpPr>
           <p:nvPr>
             <p:ph sz="quarter" idx="13"/>
+            <p:custDataLst>
+              <p:tags r:id="rId2"/>
+            </p:custDataLst>
           </p:nvPr>
         </p:nvSpPr>
         <p:spPr/>
@@ -4634,15 +4704,7 @@
             </a:r>
             <a:r>
               <a:rPr lang="fr-FR" dirty="0" smtClean="0"/>
-              <a:t> sur </a:t>
-            </a:r>
-            <a:r>
-              <a:rPr lang="fr-FR" dirty="0" smtClean="0"/>
-              <a:t>«</a:t>
-            </a:r>
-            <a:r>
-              <a:rPr lang="fr-FR" dirty="0" smtClean="0"/>
-              <a:t> international » :</a:t>
+              <a:t> sur « international » :</a:t>
             </a:r>
           </a:p>
           <a:p>
@@ -4667,13 +4729,17 @@
           <p:cNvPicPr>
             <a:picLocks noChangeAspect="1" noChangeArrowheads="1"/>
           </p:cNvPicPr>
-          <p:nvPr/>
+          <p:nvPr>
+            <p:custDataLst>
+              <p:tags r:id="rId3"/>
+            </p:custDataLst>
+          </p:nvPr>
         </p:nvPicPr>
         <p:blipFill>
-          <a:blip r:embed="rId2">
+          <a:blip r:embed="rId5" cstate="print">
             <a:extLst>
               <a:ext uri="{28A0092B-C50C-407E-A947-70E740481C1C}">
-                <a14:useLocalDpi xmlns:a14="http://schemas.microsoft.com/office/drawing/2010/main" val="0"/>
+                <a14:useLocalDpi xmlns:a14="http://schemas.microsoft.com/office/drawing/2010/main" xmlns="" val="0"/>
               </a:ext>
             </a:extLst>
           </a:blip>
@@ -4697,14 +4763,14 @@
           <a:effectLst/>
           <a:extLst>
             <a:ext uri="{909E8E84-426E-40DD-AFC4-6F175D3DCCD1}">
-              <a14:hiddenFill xmlns:a14="http://schemas.microsoft.com/office/drawing/2010/main">
+              <a14:hiddenFill xmlns:a14="http://schemas.microsoft.com/office/drawing/2010/main" xmlns="">
                 <a:solidFill>
                   <a:schemeClr val="accent1"/>
                 </a:solidFill>
               </a14:hiddenFill>
             </a:ext>
             <a:ext uri="{91240B29-F687-4F45-9708-019B960494DF}">
-              <a14:hiddenLine xmlns:a14="http://schemas.microsoft.com/office/drawing/2010/main" w="9525">
+              <a14:hiddenLine xmlns:a14="http://schemas.microsoft.com/office/drawing/2010/main" xmlns="" w="9525">
                 <a:solidFill>
                   <a:schemeClr val="tx1"/>
                 </a:solidFill>
@@ -4714,7 +4780,7 @@
               </a14:hiddenLine>
             </a:ext>
             <a:ext uri="{AF507438-7753-43E0-B8FC-AC1667EBCBE1}">
-              <a14:hiddenEffects xmlns:a14="http://schemas.microsoft.com/office/drawing/2010/main">
+              <a14:hiddenEffects xmlns:a14="http://schemas.microsoft.com/office/drawing/2010/main" xmlns="">
                 <a:effectLst>
                   <a:outerShdw dist="35921" dir="2700000" algn="ctr" rotWithShape="0">
                     <a:schemeClr val="bg2"/>
@@ -4728,7 +4794,7 @@
     </p:spTree>
     <p:extLst>
       <p:ext uri="{BB962C8B-B14F-4D97-AF65-F5344CB8AC3E}">
-        <p14:creationId xmlns:p14="http://schemas.microsoft.com/office/powerpoint/2010/main" val="3352962733"/>
+        <p14:creationId xmlns:p14="http://schemas.microsoft.com/office/powerpoint/2010/main" xmlns="" val="3352962733"/>
       </p:ext>
     </p:extLst>
   </p:cSld>
@@ -4768,13 +4834,17 @@
           <p:cNvPicPr>
             <a:picLocks noChangeAspect="1" noChangeArrowheads="1"/>
           </p:cNvPicPr>
-          <p:nvPr/>
+          <p:nvPr>
+            <p:custDataLst>
+              <p:tags r:id="rId1"/>
+            </p:custDataLst>
+          </p:nvPr>
         </p:nvPicPr>
         <p:blipFill>
-          <a:blip r:embed="rId2">
+          <a:blip r:embed="rId4" cstate="print">
             <a:extLst>
               <a:ext uri="{28A0092B-C50C-407E-A947-70E740481C1C}">
-                <a14:useLocalDpi xmlns:a14="http://schemas.microsoft.com/office/drawing/2010/main" val="0"/>
+                <a14:useLocalDpi xmlns:a14="http://schemas.microsoft.com/office/drawing/2010/main" xmlns="" val="0"/>
               </a:ext>
             </a:extLst>
           </a:blip>
@@ -4798,14 +4868,14 @@
           <a:effectLst/>
           <a:extLst>
             <a:ext uri="{909E8E84-426E-40DD-AFC4-6F175D3DCCD1}">
-              <a14:hiddenFill xmlns:a14="http://schemas.microsoft.com/office/drawing/2010/main">
+              <a14:hiddenFill xmlns:a14="http://schemas.microsoft.com/office/drawing/2010/main" xmlns="">
                 <a:solidFill>
                   <a:schemeClr val="accent1"/>
                 </a:solidFill>
               </a14:hiddenFill>
             </a:ext>
             <a:ext uri="{91240B29-F687-4F45-9708-019B960494DF}">
-              <a14:hiddenLine xmlns:a14="http://schemas.microsoft.com/office/drawing/2010/main" w="9525">
+              <a14:hiddenLine xmlns:a14="http://schemas.microsoft.com/office/drawing/2010/main" xmlns="" w="9525">
                 <a:solidFill>
                   <a:schemeClr val="tx1"/>
                 </a:solidFill>
@@ -4815,7 +4885,7 @@
               </a14:hiddenLine>
             </a:ext>
             <a:ext uri="{AF507438-7753-43E0-B8FC-AC1667EBCBE1}">
-              <a14:hiddenEffects xmlns:a14="http://schemas.microsoft.com/office/drawing/2010/main">
+              <a14:hiddenEffects xmlns:a14="http://schemas.microsoft.com/office/drawing/2010/main" xmlns="">
                 <a:effectLst>
                   <a:outerShdw dist="35921" dir="2700000" algn="ctr" rotWithShape="0">
                     <a:schemeClr val="bg2"/>
@@ -4830,7 +4900,11 @@
         <p:nvSpPr>
           <p:cNvPr id="2" name="ZoneTexte 1"/>
           <p:cNvSpPr txBox="1"/>
-          <p:nvPr/>
+          <p:nvPr>
+            <p:custDataLst>
+              <p:tags r:id="rId2"/>
+            </p:custDataLst>
+          </p:nvPr>
         </p:nvSpPr>
         <p:spPr>
           <a:xfrm>
@@ -4871,7 +4945,7 @@
     </p:spTree>
     <p:extLst>
       <p:ext uri="{BB962C8B-B14F-4D97-AF65-F5344CB8AC3E}">
-        <p14:creationId xmlns:p14="http://schemas.microsoft.com/office/powerpoint/2010/main" val="2816162945"/>
+        <p14:creationId xmlns:p14="http://schemas.microsoft.com/office/powerpoint/2010/main" xmlns="" val="2816162945"/>
       </p:ext>
     </p:extLst>
   </p:cSld>
@@ -4913,6 +4987,9 @@
           </p:cNvSpPr>
           <p:nvPr>
             <p:ph type="title"/>
+            <p:custDataLst>
+              <p:tags r:id="rId1"/>
+            </p:custDataLst>
           </p:nvPr>
         </p:nvSpPr>
         <p:spPr/>
@@ -4940,6 +5017,9 @@
           </p:cNvSpPr>
           <p:nvPr>
             <p:ph sz="quarter" idx="13"/>
+            <p:custDataLst>
+              <p:tags r:id="rId2"/>
+            </p:custDataLst>
           </p:nvPr>
         </p:nvSpPr>
         <p:spPr/>
@@ -4949,7 +5029,11 @@
           <a:p>
             <a:r>
               <a:rPr lang="fr-FR" dirty="0" smtClean="0"/>
-              <a:t>Afin de prendre en compte le réalisateur nous créons une variable « </a:t>
+              <a:t>Afin </a:t>
+            </a:r>
+            <a:r>
+              <a:rPr lang="fr-FR" dirty="0" smtClean="0"/>
+              <a:t>de prendre en compte le réalisateur, nous créons une variable « </a:t>
             </a:r>
             <a:r>
               <a:rPr lang="fr-FR" dirty="0" err="1" smtClean="0"/>
@@ -4957,24 +5041,9 @@
             </a:r>
             <a:r>
               <a:rPr lang="fr-FR" dirty="0" smtClean="0"/>
-              <a:t> » </a:t>
-            </a:r>
-            <a:r>
-              <a:rPr lang="fr-FR" dirty="0" smtClean="0"/>
-              <a:t>égal </a:t>
-            </a:r>
-            <a:r>
-              <a:rPr lang="fr-FR" dirty="0" smtClean="0"/>
-              <a:t>au nombre de </a:t>
-            </a:r>
-            <a:r>
-              <a:rPr lang="fr-FR" dirty="0" smtClean="0"/>
-              <a:t>films </a:t>
-            </a:r>
-            <a:r>
-              <a:rPr lang="fr-FR" dirty="0" smtClean="0"/>
-              <a:t>présent réalisé par ce directeurs</a:t>
-            </a:r>
+              <a:t> » égal au nombre de films présents réalisés par ce directeur</a:t>
+            </a:r>
+            <a:endParaRPr lang="fr-FR" dirty="0" smtClean="0"/>
           </a:p>
         </p:txBody>
       </p:sp>
@@ -4982,7 +5051,11 @@
         <p:nvSpPr>
           <p:cNvPr id="4" name="Flèche vers le bas 3"/>
           <p:cNvSpPr/>
-          <p:nvPr/>
+          <p:nvPr>
+            <p:custDataLst>
+              <p:tags r:id="rId3"/>
+            </p:custDataLst>
+          </p:nvPr>
         </p:nvSpPr>
         <p:spPr>
           <a:xfrm>
@@ -5022,7 +5095,11 @@
         <p:nvSpPr>
           <p:cNvPr id="5" name="ZoneTexte 4"/>
           <p:cNvSpPr txBox="1"/>
-          <p:nvPr/>
+          <p:nvPr>
+            <p:custDataLst>
+              <p:tags r:id="rId4"/>
+            </p:custDataLst>
+          </p:nvPr>
         </p:nvSpPr>
         <p:spPr>
           <a:xfrm>
@@ -5052,7 +5129,11 @@
         <p:nvSpPr>
           <p:cNvPr id="6" name="ZoneTexte 5"/>
           <p:cNvSpPr txBox="1"/>
-          <p:nvPr/>
+          <p:nvPr>
+            <p:custDataLst>
+              <p:tags r:id="rId5"/>
+            </p:custDataLst>
+          </p:nvPr>
         </p:nvSpPr>
         <p:spPr>
           <a:xfrm>
@@ -5092,7 +5173,11 @@
         <p:nvSpPr>
           <p:cNvPr id="7" name="ZoneTexte 6"/>
           <p:cNvSpPr txBox="1"/>
-          <p:nvPr/>
+          <p:nvPr>
+            <p:custDataLst>
+              <p:tags r:id="rId6"/>
+            </p:custDataLst>
+          </p:nvPr>
         </p:nvSpPr>
         <p:spPr>
           <a:xfrm>
@@ -5140,7 +5225,7 @@
     </p:spTree>
     <p:extLst>
       <p:ext uri="{BB962C8B-B14F-4D97-AF65-F5344CB8AC3E}">
-        <p14:creationId xmlns:p14="http://schemas.microsoft.com/office/powerpoint/2010/main" val="2938571504"/>
+        <p14:creationId xmlns:p14="http://schemas.microsoft.com/office/powerpoint/2010/main" xmlns="" val="2938571504"/>
       </p:ext>
     </p:extLst>
   </p:cSld>
@@ -5182,6 +5267,9 @@
           </p:cNvSpPr>
           <p:nvPr>
             <p:ph type="title"/>
+            <p:custDataLst>
+              <p:tags r:id="rId1"/>
+            </p:custDataLst>
           </p:nvPr>
         </p:nvSpPr>
         <p:spPr>
@@ -5212,7 +5300,7 @@
     </p:spTree>
     <p:extLst>
       <p:ext uri="{BB962C8B-B14F-4D97-AF65-F5344CB8AC3E}">
-        <p14:creationId xmlns:p14="http://schemas.microsoft.com/office/powerpoint/2010/main" val="3261211585"/>
+        <p14:creationId xmlns:p14="http://schemas.microsoft.com/office/powerpoint/2010/main" xmlns="" val="3261211585"/>
       </p:ext>
     </p:extLst>
   </p:cSld>
@@ -5254,6 +5342,9 @@
           </p:cNvSpPr>
           <p:nvPr>
             <p:ph type="title"/>
+            <p:custDataLst>
+              <p:tags r:id="rId1"/>
+            </p:custDataLst>
           </p:nvPr>
         </p:nvSpPr>
         <p:spPr/>
@@ -5275,13 +5366,17 @@
           <p:cNvPicPr>
             <a:picLocks noChangeAspect="1" noChangeArrowheads="1"/>
           </p:cNvPicPr>
-          <p:nvPr/>
+          <p:nvPr>
+            <p:custDataLst>
+              <p:tags r:id="rId2"/>
+            </p:custDataLst>
+          </p:nvPr>
         </p:nvPicPr>
         <p:blipFill>
-          <a:blip r:embed="rId2">
+          <a:blip r:embed="rId5" cstate="print">
             <a:extLst>
               <a:ext uri="{28A0092B-C50C-407E-A947-70E740481C1C}">
-                <a14:useLocalDpi xmlns:a14="http://schemas.microsoft.com/office/drawing/2010/main" val="0"/>
+                <a14:useLocalDpi xmlns:a14="http://schemas.microsoft.com/office/drawing/2010/main" xmlns="" val="0"/>
               </a:ext>
             </a:extLst>
           </a:blip>
@@ -5305,14 +5400,14 @@
           <a:effectLst/>
           <a:extLst>
             <a:ext uri="{909E8E84-426E-40DD-AFC4-6F175D3DCCD1}">
-              <a14:hiddenFill xmlns:a14="http://schemas.microsoft.com/office/drawing/2010/main">
+              <a14:hiddenFill xmlns:a14="http://schemas.microsoft.com/office/drawing/2010/main" xmlns="">
                 <a:solidFill>
                   <a:schemeClr val="accent1"/>
                 </a:solidFill>
               </a14:hiddenFill>
             </a:ext>
             <a:ext uri="{91240B29-F687-4F45-9708-019B960494DF}">
-              <a14:hiddenLine xmlns:a14="http://schemas.microsoft.com/office/drawing/2010/main" w="9525">
+              <a14:hiddenLine xmlns:a14="http://schemas.microsoft.com/office/drawing/2010/main" xmlns="" w="9525">
                 <a:solidFill>
                   <a:schemeClr val="tx1"/>
                 </a:solidFill>
@@ -5322,7 +5417,7 @@
               </a14:hiddenLine>
             </a:ext>
             <a:ext uri="{AF507438-7753-43E0-B8FC-AC1667EBCBE1}">
-              <a14:hiddenEffects xmlns:a14="http://schemas.microsoft.com/office/drawing/2010/main">
+              <a14:hiddenEffects xmlns:a14="http://schemas.microsoft.com/office/drawing/2010/main" xmlns="">
                 <a:effectLst>
                   <a:outerShdw dist="35921" dir="2700000" algn="ctr" rotWithShape="0">
                     <a:schemeClr val="bg2"/>
@@ -5337,7 +5432,11 @@
         <p:nvSpPr>
           <p:cNvPr id="3" name="ZoneTexte 2"/>
           <p:cNvSpPr txBox="1"/>
-          <p:nvPr/>
+          <p:nvPr>
+            <p:custDataLst>
+              <p:tags r:id="rId3"/>
+            </p:custDataLst>
+          </p:nvPr>
         </p:nvSpPr>
         <p:spPr>
           <a:xfrm>
@@ -5398,7 +5497,7 @@
     </p:spTree>
     <p:extLst>
       <p:ext uri="{BB962C8B-B14F-4D97-AF65-F5344CB8AC3E}">
-        <p14:creationId xmlns:p14="http://schemas.microsoft.com/office/powerpoint/2010/main" val="1609523828"/>
+        <p14:creationId xmlns:p14="http://schemas.microsoft.com/office/powerpoint/2010/main" xmlns="" val="1609523828"/>
       </p:ext>
     </p:extLst>
   </p:cSld>
@@ -5440,6 +5539,9 @@
           </p:cNvSpPr>
           <p:nvPr>
             <p:ph type="title"/>
+            <p:custDataLst>
+              <p:tags r:id="rId1"/>
+            </p:custDataLst>
           </p:nvPr>
         </p:nvSpPr>
         <p:spPr/>
@@ -5463,6 +5565,9 @@
           </p:cNvSpPr>
           <p:nvPr>
             <p:ph sz="quarter" idx="13"/>
+            <p:custDataLst>
+              <p:tags r:id="rId2"/>
+            </p:custDataLst>
           </p:nvPr>
         </p:nvSpPr>
         <p:spPr/>
@@ -5496,15 +5601,7 @@
             </a:r>
             <a:r>
               <a:rPr lang="fr-FR" sz="2400" dirty="0" smtClean="0"/>
-              <a:t>xploration </a:t>
-            </a:r>
-            <a:r>
-              <a:rPr lang="fr-FR" sz="2400" dirty="0" smtClean="0"/>
-              <a:t>et nettoyage </a:t>
-            </a:r>
-            <a:r>
-              <a:rPr lang="fr-FR" sz="2400" dirty="0" smtClean="0"/>
-              <a:t>des données</a:t>
+              <a:t>xploration et nettoyage des données</a:t>
             </a:r>
             <a:endParaRPr lang="fr-FR" sz="2400" dirty="0"/>
           </a:p>
@@ -5535,7 +5632,6 @@
               <a:rPr lang="fr-FR" sz="2400" dirty="0" smtClean="0"/>
               <a:t>Modélisation</a:t>
             </a:r>
-            <a:endParaRPr lang="fr-FR" sz="2400" dirty="0" smtClean="0"/>
           </a:p>
           <a:p>
             <a:pPr marL="525780" indent="-457200">
@@ -5553,7 +5649,7 @@
     </p:spTree>
     <p:extLst>
       <p:ext uri="{BB962C8B-B14F-4D97-AF65-F5344CB8AC3E}">
-        <p14:creationId xmlns:p14="http://schemas.microsoft.com/office/powerpoint/2010/main" val="3169358650"/>
+        <p14:creationId xmlns:p14="http://schemas.microsoft.com/office/powerpoint/2010/main" xmlns="" val="3169358650"/>
       </p:ext>
     </p:extLst>
   </p:cSld>
@@ -5595,6 +5691,9 @@
           </p:cNvSpPr>
           <p:nvPr>
             <p:ph type="title"/>
+            <p:custDataLst>
+              <p:tags r:id="rId1"/>
+            </p:custDataLst>
           </p:nvPr>
         </p:nvSpPr>
         <p:spPr/>
@@ -5616,13 +5715,17 @@
           <p:cNvPicPr>
             <a:picLocks noChangeAspect="1" noChangeArrowheads="1"/>
           </p:cNvPicPr>
-          <p:nvPr/>
+          <p:nvPr>
+            <p:custDataLst>
+              <p:tags r:id="rId2"/>
+            </p:custDataLst>
+          </p:nvPr>
         </p:nvPicPr>
         <p:blipFill>
-          <a:blip r:embed="rId2">
+          <a:blip r:embed="rId5" cstate="print">
             <a:extLst>
               <a:ext uri="{28A0092B-C50C-407E-A947-70E740481C1C}">
-                <a14:useLocalDpi xmlns:a14="http://schemas.microsoft.com/office/drawing/2010/main" val="0"/>
+                <a14:useLocalDpi xmlns:a14="http://schemas.microsoft.com/office/drawing/2010/main" xmlns="" val="0"/>
               </a:ext>
             </a:extLst>
           </a:blip>
@@ -5646,14 +5749,14 @@
           <a:effectLst/>
           <a:extLst>
             <a:ext uri="{909E8E84-426E-40DD-AFC4-6F175D3DCCD1}">
-              <a14:hiddenFill xmlns:a14="http://schemas.microsoft.com/office/drawing/2010/main">
+              <a14:hiddenFill xmlns:a14="http://schemas.microsoft.com/office/drawing/2010/main" xmlns="">
                 <a:solidFill>
                   <a:schemeClr val="accent1"/>
                 </a:solidFill>
               </a14:hiddenFill>
             </a:ext>
             <a:ext uri="{91240B29-F687-4F45-9708-019B960494DF}">
-              <a14:hiddenLine xmlns:a14="http://schemas.microsoft.com/office/drawing/2010/main" w="9525">
+              <a14:hiddenLine xmlns:a14="http://schemas.microsoft.com/office/drawing/2010/main" xmlns="" w="9525">
                 <a:solidFill>
                   <a:schemeClr val="tx1"/>
                 </a:solidFill>
@@ -5663,7 +5766,7 @@
               </a14:hiddenLine>
             </a:ext>
             <a:ext uri="{AF507438-7753-43E0-B8FC-AC1667EBCBE1}">
-              <a14:hiddenEffects xmlns:a14="http://schemas.microsoft.com/office/drawing/2010/main">
+              <a14:hiddenEffects xmlns:a14="http://schemas.microsoft.com/office/drawing/2010/main" xmlns="">
                 <a:effectLst>
                   <a:outerShdw dist="35921" dir="2700000" algn="ctr" rotWithShape="0">
                     <a:schemeClr val="bg2"/>
@@ -5680,13 +5783,17 @@
           <p:cNvPicPr>
             <a:picLocks noChangeAspect="1" noChangeArrowheads="1"/>
           </p:cNvPicPr>
-          <p:nvPr/>
+          <p:nvPr>
+            <p:custDataLst>
+              <p:tags r:id="rId3"/>
+            </p:custDataLst>
+          </p:nvPr>
         </p:nvPicPr>
         <p:blipFill>
-          <a:blip r:embed="rId3">
+          <a:blip r:embed="rId6" cstate="print">
             <a:extLst>
               <a:ext uri="{28A0092B-C50C-407E-A947-70E740481C1C}">
-                <a14:useLocalDpi xmlns:a14="http://schemas.microsoft.com/office/drawing/2010/main" val="0"/>
+                <a14:useLocalDpi xmlns:a14="http://schemas.microsoft.com/office/drawing/2010/main" xmlns="" val="0"/>
               </a:ext>
             </a:extLst>
           </a:blip>
@@ -5710,14 +5817,14 @@
           <a:effectLst/>
           <a:extLst>
             <a:ext uri="{909E8E84-426E-40DD-AFC4-6F175D3DCCD1}">
-              <a14:hiddenFill xmlns:a14="http://schemas.microsoft.com/office/drawing/2010/main">
+              <a14:hiddenFill xmlns:a14="http://schemas.microsoft.com/office/drawing/2010/main" xmlns="">
                 <a:solidFill>
                   <a:schemeClr val="accent1"/>
                 </a:solidFill>
               </a14:hiddenFill>
             </a:ext>
             <a:ext uri="{91240B29-F687-4F45-9708-019B960494DF}">
-              <a14:hiddenLine xmlns:a14="http://schemas.microsoft.com/office/drawing/2010/main" w="9525">
+              <a14:hiddenLine xmlns:a14="http://schemas.microsoft.com/office/drawing/2010/main" xmlns="" w="9525">
                 <a:solidFill>
                   <a:schemeClr val="tx1"/>
                 </a:solidFill>
@@ -5727,7 +5834,7 @@
               </a14:hiddenLine>
             </a:ext>
             <a:ext uri="{AF507438-7753-43E0-B8FC-AC1667EBCBE1}">
-              <a14:hiddenEffects xmlns:a14="http://schemas.microsoft.com/office/drawing/2010/main">
+              <a14:hiddenEffects xmlns:a14="http://schemas.microsoft.com/office/drawing/2010/main" xmlns="">
                 <a:effectLst>
                   <a:outerShdw dist="35921" dir="2700000" algn="ctr" rotWithShape="0">
                     <a:schemeClr val="bg2"/>
@@ -5741,7 +5848,7 @@
     </p:spTree>
     <p:extLst>
       <p:ext uri="{BB962C8B-B14F-4D97-AF65-F5344CB8AC3E}">
-        <p14:creationId xmlns:p14="http://schemas.microsoft.com/office/powerpoint/2010/main" val="180601871"/>
+        <p14:creationId xmlns:p14="http://schemas.microsoft.com/office/powerpoint/2010/main" xmlns="" val="180601871"/>
       </p:ext>
     </p:extLst>
   </p:cSld>
@@ -5783,6 +5890,9 @@
           </p:cNvSpPr>
           <p:nvPr>
             <p:ph type="title"/>
+            <p:custDataLst>
+              <p:tags r:id="rId1"/>
+            </p:custDataLst>
           </p:nvPr>
         </p:nvSpPr>
         <p:spPr>
@@ -5809,13 +5919,17 @@
           <p:cNvPicPr>
             <a:picLocks noChangeAspect="1" noChangeArrowheads="1"/>
           </p:cNvPicPr>
-          <p:nvPr/>
+          <p:nvPr>
+            <p:custDataLst>
+              <p:tags r:id="rId2"/>
+            </p:custDataLst>
+          </p:nvPr>
         </p:nvPicPr>
         <p:blipFill>
-          <a:blip r:embed="rId2">
+          <a:blip r:embed="rId5" cstate="print">
             <a:extLst>
               <a:ext uri="{28A0092B-C50C-407E-A947-70E740481C1C}">
-                <a14:useLocalDpi xmlns:a14="http://schemas.microsoft.com/office/drawing/2010/main" val="0"/>
+                <a14:useLocalDpi xmlns:a14="http://schemas.microsoft.com/office/drawing/2010/main" xmlns="" val="0"/>
               </a:ext>
             </a:extLst>
           </a:blip>
@@ -5839,14 +5953,14 @@
           <a:effectLst/>
           <a:extLst>
             <a:ext uri="{909E8E84-426E-40DD-AFC4-6F175D3DCCD1}">
-              <a14:hiddenFill xmlns:a14="http://schemas.microsoft.com/office/drawing/2010/main">
+              <a14:hiddenFill xmlns:a14="http://schemas.microsoft.com/office/drawing/2010/main" xmlns="">
                 <a:solidFill>
                   <a:schemeClr val="accent1"/>
                 </a:solidFill>
               </a14:hiddenFill>
             </a:ext>
             <a:ext uri="{91240B29-F687-4F45-9708-019B960494DF}">
-              <a14:hiddenLine xmlns:a14="http://schemas.microsoft.com/office/drawing/2010/main" w="9525">
+              <a14:hiddenLine xmlns:a14="http://schemas.microsoft.com/office/drawing/2010/main" xmlns="" w="9525">
                 <a:solidFill>
                   <a:schemeClr val="tx1"/>
                 </a:solidFill>
@@ -5856,7 +5970,7 @@
               </a14:hiddenLine>
             </a:ext>
             <a:ext uri="{AF507438-7753-43E0-B8FC-AC1667EBCBE1}">
-              <a14:hiddenEffects xmlns:a14="http://schemas.microsoft.com/office/drawing/2010/main">
+              <a14:hiddenEffects xmlns:a14="http://schemas.microsoft.com/office/drawing/2010/main" xmlns="">
                 <a:effectLst>
                   <a:outerShdw dist="35921" dir="2700000" algn="ctr" rotWithShape="0">
                     <a:schemeClr val="bg2"/>
@@ -5871,7 +5985,11 @@
         <p:nvSpPr>
           <p:cNvPr id="3" name="ZoneTexte 2"/>
           <p:cNvSpPr txBox="1"/>
-          <p:nvPr/>
+          <p:nvPr>
+            <p:custDataLst>
+              <p:tags r:id="rId3"/>
+            </p:custDataLst>
+          </p:nvPr>
         </p:nvSpPr>
         <p:spPr>
           <a:xfrm>
@@ -5953,7 +6071,7 @@
     </p:spTree>
     <p:extLst>
       <p:ext uri="{BB962C8B-B14F-4D97-AF65-F5344CB8AC3E}">
-        <p14:creationId xmlns:p14="http://schemas.microsoft.com/office/powerpoint/2010/main" val="3434015581"/>
+        <p14:creationId xmlns:p14="http://schemas.microsoft.com/office/powerpoint/2010/main" xmlns="" val="3434015581"/>
       </p:ext>
     </p:extLst>
   </p:cSld>
@@ -5995,6 +6113,9 @@
           </p:cNvSpPr>
           <p:nvPr>
             <p:ph type="title"/>
+            <p:custDataLst>
+              <p:tags r:id="rId1"/>
+            </p:custDataLst>
           </p:nvPr>
         </p:nvSpPr>
         <p:spPr>
@@ -6025,13 +6146,17 @@
           <p:cNvPicPr>
             <a:picLocks noChangeAspect="1" noChangeArrowheads="1"/>
           </p:cNvPicPr>
-          <p:nvPr/>
+          <p:nvPr>
+            <p:custDataLst>
+              <p:tags r:id="rId2"/>
+            </p:custDataLst>
+          </p:nvPr>
         </p:nvPicPr>
         <p:blipFill>
-          <a:blip r:embed="rId2">
+          <a:blip r:embed="rId5" cstate="print">
             <a:extLst>
               <a:ext uri="{28A0092B-C50C-407E-A947-70E740481C1C}">
-                <a14:useLocalDpi xmlns:a14="http://schemas.microsoft.com/office/drawing/2010/main" val="0"/>
+                <a14:useLocalDpi xmlns:a14="http://schemas.microsoft.com/office/drawing/2010/main" xmlns="" val="0"/>
               </a:ext>
             </a:extLst>
           </a:blip>
@@ -6055,14 +6180,14 @@
           <a:effectLst/>
           <a:extLst>
             <a:ext uri="{909E8E84-426E-40DD-AFC4-6F175D3DCCD1}">
-              <a14:hiddenFill xmlns:a14="http://schemas.microsoft.com/office/drawing/2010/main">
+              <a14:hiddenFill xmlns:a14="http://schemas.microsoft.com/office/drawing/2010/main" xmlns="">
                 <a:solidFill>
                   <a:schemeClr val="accent1"/>
                 </a:solidFill>
               </a14:hiddenFill>
             </a:ext>
             <a:ext uri="{91240B29-F687-4F45-9708-019B960494DF}">
-              <a14:hiddenLine xmlns:a14="http://schemas.microsoft.com/office/drawing/2010/main" w="9525">
+              <a14:hiddenLine xmlns:a14="http://schemas.microsoft.com/office/drawing/2010/main" xmlns="" w="9525">
                 <a:solidFill>
                   <a:schemeClr val="tx1"/>
                 </a:solidFill>
@@ -6072,7 +6197,7 @@
               </a14:hiddenLine>
             </a:ext>
             <a:ext uri="{AF507438-7753-43E0-B8FC-AC1667EBCBE1}">
-              <a14:hiddenEffects xmlns:a14="http://schemas.microsoft.com/office/drawing/2010/main">
+              <a14:hiddenEffects xmlns:a14="http://schemas.microsoft.com/office/drawing/2010/main" xmlns="">
                 <a:effectLst>
                   <a:outerShdw dist="35921" dir="2700000" algn="ctr" rotWithShape="0">
                     <a:schemeClr val="bg2"/>
@@ -6087,7 +6212,11 @@
         <p:nvSpPr>
           <p:cNvPr id="4" name="ZoneTexte 3"/>
           <p:cNvSpPr txBox="1"/>
-          <p:nvPr/>
+          <p:nvPr>
+            <p:custDataLst>
+              <p:tags r:id="rId3"/>
+            </p:custDataLst>
+          </p:nvPr>
         </p:nvSpPr>
         <p:spPr>
           <a:xfrm>
@@ -6113,17 +6242,8 @@
               <a:rPr lang="fr-FR" dirty="0" smtClean="0">
                 <a:sym typeface="Wingdings" pitchFamily="2" charset="2"/>
               </a:rPr>
-              <a:t> ~50 occurrences par groupe  en </a:t>
-            </a:r>
-            <a:r>
-              <a:rPr lang="fr-FR" dirty="0" smtClean="0">
-                <a:sym typeface="Wingdings" pitchFamily="2" charset="2"/>
-              </a:rPr>
-              <a:t>moyenne   </a:t>
-            </a:r>
-            <a:endParaRPr lang="fr-FR" dirty="0" smtClean="0">
-              <a:sym typeface="Wingdings" pitchFamily="2" charset="2"/>
-            </a:endParaRPr>
+              <a:t> ~50 occurrences par groupe  en moyenne   </a:t>
+            </a:r>
           </a:p>
           <a:p>
             <a:r>
@@ -6139,7 +6259,7 @@
     </p:spTree>
     <p:extLst>
       <p:ext uri="{BB962C8B-B14F-4D97-AF65-F5344CB8AC3E}">
-        <p14:creationId xmlns:p14="http://schemas.microsoft.com/office/powerpoint/2010/main" val="4254911022"/>
+        <p14:creationId xmlns:p14="http://schemas.microsoft.com/office/powerpoint/2010/main" xmlns="" val="4254911022"/>
       </p:ext>
     </p:extLst>
   </p:cSld>
@@ -6181,6 +6301,9 @@
           </p:cNvSpPr>
           <p:nvPr>
             <p:ph type="title"/>
+            <p:custDataLst>
+              <p:tags r:id="rId1"/>
+            </p:custDataLst>
           </p:nvPr>
         </p:nvSpPr>
         <p:spPr>
@@ -6216,6 +6339,9 @@
           </p:cNvSpPr>
           <p:nvPr>
             <p:ph sz="quarter" idx="13"/>
+            <p:custDataLst>
+              <p:tags r:id="rId2"/>
+            </p:custDataLst>
           </p:nvPr>
         </p:nvSpPr>
         <p:spPr/>
@@ -6257,7 +6383,7 @@
     </p:spTree>
     <p:extLst>
       <p:ext uri="{BB962C8B-B14F-4D97-AF65-F5344CB8AC3E}">
-        <p14:creationId xmlns:p14="http://schemas.microsoft.com/office/powerpoint/2010/main" val="299747357"/>
+        <p14:creationId xmlns:p14="http://schemas.microsoft.com/office/powerpoint/2010/main" xmlns="" val="299747357"/>
       </p:ext>
     </p:extLst>
   </p:cSld>
@@ -6299,6 +6425,9 @@
           </p:cNvSpPr>
           <p:nvPr>
             <p:ph type="title"/>
+            <p:custDataLst>
+              <p:tags r:id="rId1"/>
+            </p:custDataLst>
           </p:nvPr>
         </p:nvSpPr>
         <p:spPr>
@@ -6329,13 +6458,17 @@
           <p:cNvPicPr>
             <a:picLocks noChangeAspect="1" noChangeArrowheads="1"/>
           </p:cNvPicPr>
-          <p:nvPr/>
+          <p:nvPr>
+            <p:custDataLst>
+              <p:tags r:id="rId2"/>
+            </p:custDataLst>
+          </p:nvPr>
         </p:nvPicPr>
         <p:blipFill>
-          <a:blip r:embed="rId2">
+          <a:blip r:embed="rId4" cstate="print">
             <a:extLst>
               <a:ext uri="{28A0092B-C50C-407E-A947-70E740481C1C}">
-                <a14:useLocalDpi xmlns:a14="http://schemas.microsoft.com/office/drawing/2010/main" val="0"/>
+                <a14:useLocalDpi xmlns:a14="http://schemas.microsoft.com/office/drawing/2010/main" xmlns="" val="0"/>
               </a:ext>
             </a:extLst>
           </a:blip>
@@ -6359,14 +6492,14 @@
           <a:effectLst/>
           <a:extLst>
             <a:ext uri="{909E8E84-426E-40DD-AFC4-6F175D3DCCD1}">
-              <a14:hiddenFill xmlns:a14="http://schemas.microsoft.com/office/drawing/2010/main">
+              <a14:hiddenFill xmlns:a14="http://schemas.microsoft.com/office/drawing/2010/main" xmlns="">
                 <a:solidFill>
                   <a:schemeClr val="accent1"/>
                 </a:solidFill>
               </a14:hiddenFill>
             </a:ext>
             <a:ext uri="{91240B29-F687-4F45-9708-019B960494DF}">
-              <a14:hiddenLine xmlns:a14="http://schemas.microsoft.com/office/drawing/2010/main" w="9525">
+              <a14:hiddenLine xmlns:a14="http://schemas.microsoft.com/office/drawing/2010/main" xmlns="" w="9525">
                 <a:solidFill>
                   <a:schemeClr val="tx1"/>
                 </a:solidFill>
@@ -6376,7 +6509,7 @@
               </a14:hiddenLine>
             </a:ext>
             <a:ext uri="{AF507438-7753-43E0-B8FC-AC1667EBCBE1}">
-              <a14:hiddenEffects xmlns:a14="http://schemas.microsoft.com/office/drawing/2010/main">
+              <a14:hiddenEffects xmlns:a14="http://schemas.microsoft.com/office/drawing/2010/main" xmlns="">
                 <a:effectLst>
                   <a:outerShdw dist="35921" dir="2700000" algn="ctr" rotWithShape="0">
                     <a:schemeClr val="bg2"/>
@@ -6390,7 +6523,7 @@
     </p:spTree>
     <p:extLst>
       <p:ext uri="{BB962C8B-B14F-4D97-AF65-F5344CB8AC3E}">
-        <p14:creationId xmlns:p14="http://schemas.microsoft.com/office/powerpoint/2010/main" val="2536859922"/>
+        <p14:creationId xmlns:p14="http://schemas.microsoft.com/office/powerpoint/2010/main" xmlns="" val="2536859922"/>
       </p:ext>
     </p:extLst>
   </p:cSld>
@@ -6432,6 +6565,9 @@
           </p:cNvSpPr>
           <p:nvPr>
             <p:ph type="title"/>
+            <p:custDataLst>
+              <p:tags r:id="rId1"/>
+            </p:custDataLst>
           </p:nvPr>
         </p:nvSpPr>
         <p:spPr>
@@ -6462,7 +6598,7 @@
     </p:spTree>
     <p:extLst>
       <p:ext uri="{BB962C8B-B14F-4D97-AF65-F5344CB8AC3E}">
-        <p14:creationId xmlns:p14="http://schemas.microsoft.com/office/powerpoint/2010/main" val="738188909"/>
+        <p14:creationId xmlns:p14="http://schemas.microsoft.com/office/powerpoint/2010/main" xmlns="" val="738188909"/>
       </p:ext>
     </p:extLst>
   </p:cSld>
@@ -6504,6 +6640,9 @@
           </p:cNvSpPr>
           <p:nvPr>
             <p:ph type="title"/>
+            <p:custDataLst>
+              <p:tags r:id="rId1"/>
+            </p:custDataLst>
           </p:nvPr>
         </p:nvSpPr>
         <p:spPr/>
@@ -6523,12 +6662,16 @@
         <p:nvSpPr>
           <p:cNvPr id="4" name="ZoneTexte 3"/>
           <p:cNvSpPr txBox="1"/>
-          <p:nvPr/>
+          <p:nvPr>
+            <p:custDataLst>
+              <p:tags r:id="rId2"/>
+            </p:custDataLst>
+          </p:nvPr>
         </p:nvSpPr>
         <p:spPr>
           <a:xfrm>
             <a:off x="827584" y="1808946"/>
-            <a:ext cx="5472608" cy="1477328"/>
+            <a:ext cx="5976664" cy="1477328"/>
           </a:xfrm>
           <a:prstGeom prst="rect">
             <a:avLst/>
@@ -6572,19 +6715,19 @@
             </a:pPr>
             <a:r>
               <a:rPr lang="fr-FR" dirty="0" smtClean="0">
-                <a:hlinkClick r:id="rId2"/>
+                <a:hlinkClick r:id="rId5"/>
               </a:rPr>
               <a:t>https</a:t>
             </a:r>
             <a:r>
               <a:rPr lang="fr-FR" dirty="0">
-                <a:hlinkClick r:id="rId2"/>
+                <a:hlinkClick r:id="rId5"/>
               </a:rPr>
               <a:t>://</a:t>
             </a:r>
             <a:r>
               <a:rPr lang="fr-FR" dirty="0" smtClean="0">
-                <a:hlinkClick r:id="rId2"/>
+                <a:hlinkClick r:id="rId5"/>
               </a:rPr>
               <a:t>www.pythonanywhere.com</a:t>
             </a:r>
@@ -6603,12 +6746,16 @@
               <a:buChar char="•"/>
             </a:pPr>
             <a:r>
-              <a:rPr lang="fr-FR" dirty="0"/>
-              <a:t>https://</a:t>
-            </a:r>
-            <a:r>
               <a:rPr lang="fr-FR" dirty="0" smtClean="0"/>
-              <a:t>www.pythonanywhere.com/recommend/{movie_title}</a:t>
+              <a:t>http://umercia.pythonanywhere.com</a:t>
+            </a:r>
+            <a:r>
+              <a:rPr lang="fr-FR" dirty="0" smtClean="0"/>
+              <a:t>/recommend</a:t>
+            </a:r>
+            <a:r>
+              <a:rPr lang="fr-FR" dirty="0" smtClean="0"/>
+              <a:t>/{movie_title}</a:t>
             </a:r>
             <a:endParaRPr lang="fr-FR" dirty="0"/>
           </a:p>
@@ -6620,13 +6767,17 @@
           <p:cNvPicPr>
             <a:picLocks noChangeAspect="1" noChangeArrowheads="1"/>
           </p:cNvPicPr>
-          <p:nvPr/>
+          <p:nvPr>
+            <p:custDataLst>
+              <p:tags r:id="rId3"/>
+            </p:custDataLst>
+          </p:nvPr>
         </p:nvPicPr>
         <p:blipFill>
-          <a:blip r:embed="rId3">
+          <a:blip r:embed="rId6" cstate="print">
             <a:extLst>
               <a:ext uri="{28A0092B-C50C-407E-A947-70E740481C1C}">
-                <a14:useLocalDpi xmlns:a14="http://schemas.microsoft.com/office/drawing/2010/main" val="0"/>
+                <a14:useLocalDpi xmlns:a14="http://schemas.microsoft.com/office/drawing/2010/main" xmlns="" val="0"/>
               </a:ext>
             </a:extLst>
           </a:blip>
@@ -6650,14 +6801,14 @@
           <a:effectLst/>
           <a:extLst>
             <a:ext uri="{909E8E84-426E-40DD-AFC4-6F175D3DCCD1}">
-              <a14:hiddenFill xmlns:a14="http://schemas.microsoft.com/office/drawing/2010/main">
+              <a14:hiddenFill xmlns:a14="http://schemas.microsoft.com/office/drawing/2010/main" xmlns="">
                 <a:solidFill>
                   <a:schemeClr val="accent1"/>
                 </a:solidFill>
               </a14:hiddenFill>
             </a:ext>
             <a:ext uri="{91240B29-F687-4F45-9708-019B960494DF}">
-              <a14:hiddenLine xmlns:a14="http://schemas.microsoft.com/office/drawing/2010/main" w="9525">
+              <a14:hiddenLine xmlns:a14="http://schemas.microsoft.com/office/drawing/2010/main" xmlns="" w="9525">
                 <a:solidFill>
                   <a:schemeClr val="tx1"/>
                 </a:solidFill>
@@ -6667,7 +6818,7 @@
               </a14:hiddenLine>
             </a:ext>
             <a:ext uri="{AF507438-7753-43E0-B8FC-AC1667EBCBE1}">
-              <a14:hiddenEffects xmlns:a14="http://schemas.microsoft.com/office/drawing/2010/main">
+              <a14:hiddenEffects xmlns:a14="http://schemas.microsoft.com/office/drawing/2010/main" xmlns="">
                 <a:effectLst>
                   <a:outerShdw dist="35921" dir="2700000" algn="ctr" rotWithShape="0">
                     <a:schemeClr val="bg2"/>
@@ -6681,7 +6832,7 @@
     </p:spTree>
     <p:extLst>
       <p:ext uri="{BB962C8B-B14F-4D97-AF65-F5344CB8AC3E}">
-        <p14:creationId xmlns:p14="http://schemas.microsoft.com/office/powerpoint/2010/main" val="2841751922"/>
+        <p14:creationId xmlns:p14="http://schemas.microsoft.com/office/powerpoint/2010/main" xmlns="" val="2841751922"/>
       </p:ext>
     </p:extLst>
   </p:cSld>
@@ -6723,6 +6874,9 @@
           </p:cNvSpPr>
           <p:nvPr>
             <p:ph type="title"/>
+            <p:custDataLst>
+              <p:tags r:id="rId1"/>
+            </p:custDataLst>
           </p:nvPr>
         </p:nvSpPr>
         <p:spPr>
@@ -6753,7 +6907,7 @@
     </p:spTree>
     <p:extLst>
       <p:ext uri="{BB962C8B-B14F-4D97-AF65-F5344CB8AC3E}">
-        <p14:creationId xmlns:p14="http://schemas.microsoft.com/office/powerpoint/2010/main" val="240067617"/>
+        <p14:creationId xmlns:p14="http://schemas.microsoft.com/office/powerpoint/2010/main" xmlns="" val="240067617"/>
       </p:ext>
     </p:extLst>
   </p:cSld>
@@ -6795,6 +6949,9 @@
           </p:cNvSpPr>
           <p:nvPr>
             <p:ph type="title"/>
+            <p:custDataLst>
+              <p:tags r:id="rId1"/>
+            </p:custDataLst>
           </p:nvPr>
         </p:nvSpPr>
         <p:spPr/>
@@ -6818,6 +6975,9 @@
           </p:cNvSpPr>
           <p:nvPr>
             <p:ph sz="quarter" idx="13"/>
+            <p:custDataLst>
+              <p:tags r:id="rId2"/>
+            </p:custDataLst>
           </p:nvPr>
         </p:nvSpPr>
         <p:spPr/>
@@ -6887,7 +7047,7 @@
             </a:r>
             <a:r>
               <a:rPr lang="fr-FR" u="sng" dirty="0">
-                <a:hlinkClick r:id="rId2" tooltip="Kaggle"/>
+                <a:hlinkClick r:id="rId4" tooltip="Kaggle"/>
               </a:rPr>
               <a:t>base de données publique</a:t>
             </a:r>
@@ -6904,7 +7064,7 @@
     </p:spTree>
     <p:extLst>
       <p:ext uri="{BB962C8B-B14F-4D97-AF65-F5344CB8AC3E}">
-        <p14:creationId xmlns:p14="http://schemas.microsoft.com/office/powerpoint/2010/main" val="2609009839"/>
+        <p14:creationId xmlns:p14="http://schemas.microsoft.com/office/powerpoint/2010/main" xmlns="" val="2609009839"/>
       </p:ext>
     </p:extLst>
   </p:cSld>
@@ -6946,6 +7106,9 @@
           </p:cNvSpPr>
           <p:nvPr>
             <p:ph type="title"/>
+            <p:custDataLst>
+              <p:tags r:id="rId1"/>
+            </p:custDataLst>
           </p:nvPr>
         </p:nvSpPr>
         <p:spPr>
@@ -6978,13 +7141,16 @@
           </p:cNvPicPr>
           <p:nvPr>
             <p:ph sz="quarter" idx="13"/>
+            <p:custDataLst>
+              <p:tags r:id="rId2"/>
+            </p:custDataLst>
           </p:nvPr>
         </p:nvPicPr>
         <p:blipFill>
-          <a:blip r:embed="rId2">
+          <a:blip r:embed="rId4" cstate="print">
             <a:extLst>
               <a:ext uri="{28A0092B-C50C-407E-A947-70E740481C1C}">
-                <a14:useLocalDpi xmlns:a14="http://schemas.microsoft.com/office/drawing/2010/main" val="0"/>
+                <a14:useLocalDpi xmlns:a14="http://schemas.microsoft.com/office/drawing/2010/main" xmlns="" val="0"/>
               </a:ext>
             </a:extLst>
           </a:blip>
@@ -7008,14 +7174,14 @@
           <a:effectLst/>
           <a:extLst>
             <a:ext uri="{909E8E84-426E-40DD-AFC4-6F175D3DCCD1}">
-              <a14:hiddenFill xmlns:a14="http://schemas.microsoft.com/office/drawing/2010/main">
+              <a14:hiddenFill xmlns:a14="http://schemas.microsoft.com/office/drawing/2010/main" xmlns="">
                 <a:solidFill>
                   <a:schemeClr val="accent1"/>
                 </a:solidFill>
               </a14:hiddenFill>
             </a:ext>
             <a:ext uri="{91240B29-F687-4F45-9708-019B960494DF}">
-              <a14:hiddenLine xmlns:a14="http://schemas.microsoft.com/office/drawing/2010/main" w="9525">
+              <a14:hiddenLine xmlns:a14="http://schemas.microsoft.com/office/drawing/2010/main" xmlns="" w="9525">
                 <a:solidFill>
                   <a:schemeClr val="tx1"/>
                 </a:solidFill>
@@ -7025,7 +7191,7 @@
               </a14:hiddenLine>
             </a:ext>
             <a:ext uri="{AF507438-7753-43E0-B8FC-AC1667EBCBE1}">
-              <a14:hiddenEffects xmlns:a14="http://schemas.microsoft.com/office/drawing/2010/main">
+              <a14:hiddenEffects xmlns:a14="http://schemas.microsoft.com/office/drawing/2010/main" xmlns="">
                 <a:effectLst>
                   <a:outerShdw dist="35921" dir="2700000" algn="ctr" rotWithShape="0">
                     <a:schemeClr val="bg2"/>
@@ -7039,7 +7205,7 @@
     </p:spTree>
     <p:extLst>
       <p:ext uri="{BB962C8B-B14F-4D97-AF65-F5344CB8AC3E}">
-        <p14:creationId xmlns:p14="http://schemas.microsoft.com/office/powerpoint/2010/main" val="4234735141"/>
+        <p14:creationId xmlns:p14="http://schemas.microsoft.com/office/powerpoint/2010/main" xmlns="" val="4234735141"/>
       </p:ext>
     </p:extLst>
   </p:cSld>
@@ -7081,6 +7247,9 @@
           </p:cNvSpPr>
           <p:nvPr>
             <p:ph type="title"/>
+            <p:custDataLst>
+              <p:tags r:id="rId1"/>
+            </p:custDataLst>
           </p:nvPr>
         </p:nvSpPr>
         <p:spPr>
@@ -7119,7 +7288,7 @@
     </p:spTree>
     <p:extLst>
       <p:ext uri="{BB962C8B-B14F-4D97-AF65-F5344CB8AC3E}">
-        <p14:creationId xmlns:p14="http://schemas.microsoft.com/office/powerpoint/2010/main" val="1211952375"/>
+        <p14:creationId xmlns:p14="http://schemas.microsoft.com/office/powerpoint/2010/main" xmlns="" val="1211952375"/>
       </p:ext>
     </p:extLst>
   </p:cSld>
@@ -7159,13 +7328,17 @@
           <p:cNvPicPr>
             <a:picLocks noChangeAspect="1" noChangeArrowheads="1"/>
           </p:cNvPicPr>
-          <p:nvPr/>
+          <p:nvPr>
+            <p:custDataLst>
+              <p:tags r:id="rId1"/>
+            </p:custDataLst>
+          </p:nvPr>
         </p:nvPicPr>
         <p:blipFill>
-          <a:blip r:embed="rId2">
+          <a:blip r:embed="rId5" cstate="print">
             <a:extLst>
               <a:ext uri="{28A0092B-C50C-407E-A947-70E740481C1C}">
-                <a14:useLocalDpi xmlns:a14="http://schemas.microsoft.com/office/drawing/2010/main" val="0"/>
+                <a14:useLocalDpi xmlns:a14="http://schemas.microsoft.com/office/drawing/2010/main" xmlns="" val="0"/>
               </a:ext>
             </a:extLst>
           </a:blip>
@@ -7189,14 +7362,14 @@
           <a:effectLst/>
           <a:extLst>
             <a:ext uri="{909E8E84-426E-40DD-AFC4-6F175D3DCCD1}">
-              <a14:hiddenFill xmlns:a14="http://schemas.microsoft.com/office/drawing/2010/main">
+              <a14:hiddenFill xmlns:a14="http://schemas.microsoft.com/office/drawing/2010/main" xmlns="">
                 <a:solidFill>
                   <a:schemeClr val="accent1"/>
                 </a:solidFill>
               </a14:hiddenFill>
             </a:ext>
             <a:ext uri="{91240B29-F687-4F45-9708-019B960494DF}">
-              <a14:hiddenLine xmlns:a14="http://schemas.microsoft.com/office/drawing/2010/main" w="9525">
+              <a14:hiddenLine xmlns:a14="http://schemas.microsoft.com/office/drawing/2010/main" xmlns="" w="9525">
                 <a:solidFill>
                   <a:schemeClr val="tx1"/>
                 </a:solidFill>
@@ -7206,7 +7379,7 @@
               </a14:hiddenLine>
             </a:ext>
             <a:ext uri="{AF507438-7753-43E0-B8FC-AC1667EBCBE1}">
-              <a14:hiddenEffects xmlns:a14="http://schemas.microsoft.com/office/drawing/2010/main">
+              <a14:hiddenEffects xmlns:a14="http://schemas.microsoft.com/office/drawing/2010/main" xmlns="">
                 <a:effectLst>
                   <a:outerShdw dist="35921" dir="2700000" algn="ctr" rotWithShape="0">
                     <a:schemeClr val="bg2"/>
@@ -7225,6 +7398,9 @@
           </p:cNvSpPr>
           <p:nvPr>
             <p:ph type="title"/>
+            <p:custDataLst>
+              <p:tags r:id="rId2"/>
+            </p:custDataLst>
           </p:nvPr>
         </p:nvSpPr>
         <p:spPr>
@@ -7249,7 +7425,11 @@
         <p:nvSpPr>
           <p:cNvPr id="2" name="ZoneTexte 1"/>
           <p:cNvSpPr txBox="1"/>
-          <p:nvPr/>
+          <p:nvPr>
+            <p:custDataLst>
+              <p:tags r:id="rId3"/>
+            </p:custDataLst>
+          </p:nvPr>
         </p:nvSpPr>
         <p:spPr>
           <a:xfrm>
@@ -7312,7 +7492,7 @@
     </p:spTree>
     <p:extLst>
       <p:ext uri="{BB962C8B-B14F-4D97-AF65-F5344CB8AC3E}">
-        <p14:creationId xmlns:p14="http://schemas.microsoft.com/office/powerpoint/2010/main" val="4095174797"/>
+        <p14:creationId xmlns:p14="http://schemas.microsoft.com/office/powerpoint/2010/main" xmlns="" val="4095174797"/>
       </p:ext>
     </p:extLst>
   </p:cSld>
@@ -7354,6 +7534,9 @@
           </p:cNvSpPr>
           <p:nvPr>
             <p:ph type="title"/>
+            <p:custDataLst>
+              <p:tags r:id="rId1"/>
+            </p:custDataLst>
           </p:nvPr>
         </p:nvSpPr>
         <p:spPr>
@@ -7384,13 +7567,17 @@
           <p:cNvPicPr>
             <a:picLocks noChangeAspect="1" noChangeArrowheads="1"/>
           </p:cNvPicPr>
-          <p:nvPr/>
+          <p:nvPr>
+            <p:custDataLst>
+              <p:tags r:id="rId2"/>
+            </p:custDataLst>
+          </p:nvPr>
         </p:nvPicPr>
         <p:blipFill>
-          <a:blip r:embed="rId2">
+          <a:blip r:embed="rId6" cstate="print">
             <a:extLst>
               <a:ext uri="{28A0092B-C50C-407E-A947-70E740481C1C}">
-                <a14:useLocalDpi xmlns:a14="http://schemas.microsoft.com/office/drawing/2010/main" val="0"/>
+                <a14:useLocalDpi xmlns:a14="http://schemas.microsoft.com/office/drawing/2010/main" xmlns="" val="0"/>
               </a:ext>
             </a:extLst>
           </a:blip>
@@ -7414,14 +7601,14 @@
           <a:effectLst/>
           <a:extLst>
             <a:ext uri="{909E8E84-426E-40DD-AFC4-6F175D3DCCD1}">
-              <a14:hiddenFill xmlns:a14="http://schemas.microsoft.com/office/drawing/2010/main">
+              <a14:hiddenFill xmlns:a14="http://schemas.microsoft.com/office/drawing/2010/main" xmlns="">
                 <a:solidFill>
                   <a:schemeClr val="accent1"/>
                 </a:solidFill>
               </a14:hiddenFill>
             </a:ext>
             <a:ext uri="{91240B29-F687-4F45-9708-019B960494DF}">
-              <a14:hiddenLine xmlns:a14="http://schemas.microsoft.com/office/drawing/2010/main" w="9525">
+              <a14:hiddenLine xmlns:a14="http://schemas.microsoft.com/office/drawing/2010/main" xmlns="" w="9525">
                 <a:solidFill>
                   <a:schemeClr val="tx1"/>
                 </a:solidFill>
@@ -7431,7 +7618,7 @@
               </a14:hiddenLine>
             </a:ext>
             <a:ext uri="{AF507438-7753-43E0-B8FC-AC1667EBCBE1}">
-              <a14:hiddenEffects xmlns:a14="http://schemas.microsoft.com/office/drawing/2010/main">
+              <a14:hiddenEffects xmlns:a14="http://schemas.microsoft.com/office/drawing/2010/main" xmlns="">
                 <a:effectLst>
                   <a:outerShdw dist="35921" dir="2700000" algn="ctr" rotWithShape="0">
                     <a:schemeClr val="bg2"/>
@@ -7450,13 +7637,16 @@
           </p:cNvPicPr>
           <p:nvPr>
             <p:ph sz="quarter" idx="13"/>
+            <p:custDataLst>
+              <p:tags r:id="rId3"/>
+            </p:custDataLst>
           </p:nvPr>
         </p:nvPicPr>
         <p:blipFill>
-          <a:blip r:embed="rId3">
+          <a:blip r:embed="rId7" cstate="print">
             <a:extLst>
               <a:ext uri="{28A0092B-C50C-407E-A947-70E740481C1C}">
-                <a14:useLocalDpi xmlns:a14="http://schemas.microsoft.com/office/drawing/2010/main" val="0"/>
+                <a14:useLocalDpi xmlns:a14="http://schemas.microsoft.com/office/drawing/2010/main" xmlns="" val="0"/>
               </a:ext>
             </a:extLst>
           </a:blip>
@@ -7480,14 +7670,14 @@
           <a:effectLst/>
           <a:extLst>
             <a:ext uri="{909E8E84-426E-40DD-AFC4-6F175D3DCCD1}">
-              <a14:hiddenFill xmlns:a14="http://schemas.microsoft.com/office/drawing/2010/main">
+              <a14:hiddenFill xmlns:a14="http://schemas.microsoft.com/office/drawing/2010/main" xmlns="">
                 <a:solidFill>
                   <a:schemeClr val="accent1"/>
                 </a:solidFill>
               </a14:hiddenFill>
             </a:ext>
             <a:ext uri="{91240B29-F687-4F45-9708-019B960494DF}">
-              <a14:hiddenLine xmlns:a14="http://schemas.microsoft.com/office/drawing/2010/main" w="9525">
+              <a14:hiddenLine xmlns:a14="http://schemas.microsoft.com/office/drawing/2010/main" xmlns="" w="9525">
                 <a:solidFill>
                   <a:schemeClr val="tx1"/>
                 </a:solidFill>
@@ -7497,7 +7687,7 @@
               </a14:hiddenLine>
             </a:ext>
             <a:ext uri="{AF507438-7753-43E0-B8FC-AC1667EBCBE1}">
-              <a14:hiddenEffects xmlns:a14="http://schemas.microsoft.com/office/drawing/2010/main">
+              <a14:hiddenEffects xmlns:a14="http://schemas.microsoft.com/office/drawing/2010/main" xmlns="">
                 <a:effectLst>
                   <a:outerShdw dist="35921" dir="2700000" algn="ctr" rotWithShape="0">
                     <a:schemeClr val="bg2"/>
@@ -7512,7 +7702,11 @@
         <p:nvSpPr>
           <p:cNvPr id="7" name="ZoneTexte 6"/>
           <p:cNvSpPr txBox="1"/>
-          <p:nvPr/>
+          <p:nvPr>
+            <p:custDataLst>
+              <p:tags r:id="rId4"/>
+            </p:custDataLst>
+          </p:nvPr>
         </p:nvSpPr>
         <p:spPr>
           <a:xfrm>
@@ -7566,7 +7760,7 @@
     </p:spTree>
     <p:extLst>
       <p:ext uri="{BB962C8B-B14F-4D97-AF65-F5344CB8AC3E}">
-        <p14:creationId xmlns:p14="http://schemas.microsoft.com/office/powerpoint/2010/main" val="3670035473"/>
+        <p14:creationId xmlns:p14="http://schemas.microsoft.com/office/powerpoint/2010/main" xmlns="" val="3670035473"/>
       </p:ext>
     </p:extLst>
   </p:cSld>
@@ -7608,6 +7802,9 @@
           </p:cNvSpPr>
           <p:nvPr>
             <p:ph type="title"/>
+            <p:custDataLst>
+              <p:tags r:id="rId1"/>
+            </p:custDataLst>
           </p:nvPr>
         </p:nvSpPr>
         <p:spPr>
@@ -7636,7 +7833,11 @@
         <p:nvSpPr>
           <p:cNvPr id="7" name="ZoneTexte 6"/>
           <p:cNvSpPr txBox="1"/>
-          <p:nvPr/>
+          <p:nvPr>
+            <p:custDataLst>
+              <p:tags r:id="rId2"/>
+            </p:custDataLst>
+          </p:nvPr>
         </p:nvSpPr>
         <p:spPr>
           <a:xfrm>
@@ -7695,7 +7896,19 @@
               <a:rPr lang="fr-FR" dirty="0">
                 <a:sym typeface="Wingdings" pitchFamily="2" charset="2"/>
               </a:rPr>
-              <a:t> inferieur à 100</a:t>
+              <a:t> </a:t>
+            </a:r>
+            <a:r>
+              <a:rPr lang="fr-FR" dirty="0" smtClean="0">
+                <a:sym typeface="Wingdings" pitchFamily="2" charset="2"/>
+              </a:rPr>
+              <a:t>inférieur </a:t>
+            </a:r>
+            <a:r>
+              <a:rPr lang="fr-FR" dirty="0">
+                <a:sym typeface="Wingdings" pitchFamily="2" charset="2"/>
+              </a:rPr>
+              <a:t>à 100</a:t>
             </a:r>
             <a:endParaRPr lang="fr-FR" dirty="0"/>
           </a:p>
@@ -7707,13 +7920,17 @@
           <p:cNvPicPr>
             <a:picLocks noChangeAspect="1" noChangeArrowheads="1"/>
           </p:cNvPicPr>
-          <p:nvPr/>
+          <p:nvPr>
+            <p:custDataLst>
+              <p:tags r:id="rId3"/>
+            </p:custDataLst>
+          </p:nvPr>
         </p:nvPicPr>
         <p:blipFill>
-          <a:blip r:embed="rId2">
+          <a:blip r:embed="rId6" cstate="print">
             <a:extLst>
               <a:ext uri="{28A0092B-C50C-407E-A947-70E740481C1C}">
-                <a14:useLocalDpi xmlns:a14="http://schemas.microsoft.com/office/drawing/2010/main" val="0"/>
+                <a14:useLocalDpi xmlns:a14="http://schemas.microsoft.com/office/drawing/2010/main" xmlns="" val="0"/>
               </a:ext>
             </a:extLst>
           </a:blip>
@@ -7737,14 +7954,14 @@
           <a:effectLst/>
           <a:extLst>
             <a:ext uri="{909E8E84-426E-40DD-AFC4-6F175D3DCCD1}">
-              <a14:hiddenFill xmlns:a14="http://schemas.microsoft.com/office/drawing/2010/main">
+              <a14:hiddenFill xmlns:a14="http://schemas.microsoft.com/office/drawing/2010/main" xmlns="">
                 <a:solidFill>
                   <a:schemeClr val="accent1"/>
                 </a:solidFill>
               </a14:hiddenFill>
             </a:ext>
             <a:ext uri="{91240B29-F687-4F45-9708-019B960494DF}">
-              <a14:hiddenLine xmlns:a14="http://schemas.microsoft.com/office/drawing/2010/main" w="9525">
+              <a14:hiddenLine xmlns:a14="http://schemas.microsoft.com/office/drawing/2010/main" xmlns="" w="9525">
                 <a:solidFill>
                   <a:schemeClr val="tx1"/>
                 </a:solidFill>
@@ -7754,7 +7971,7 @@
               </a14:hiddenLine>
             </a:ext>
             <a:ext uri="{AF507438-7753-43E0-B8FC-AC1667EBCBE1}">
-              <a14:hiddenEffects xmlns:a14="http://schemas.microsoft.com/office/drawing/2010/main">
+              <a14:hiddenEffects xmlns:a14="http://schemas.microsoft.com/office/drawing/2010/main" xmlns="">
                 <a:effectLst>
                   <a:outerShdw dist="35921" dir="2700000" algn="ctr" rotWithShape="0">
                     <a:schemeClr val="bg2"/>
@@ -7771,13 +7988,17 @@
           <p:cNvPicPr>
             <a:picLocks noChangeAspect="1" noChangeArrowheads="1"/>
           </p:cNvPicPr>
-          <p:nvPr/>
+          <p:nvPr>
+            <p:custDataLst>
+              <p:tags r:id="rId4"/>
+            </p:custDataLst>
+          </p:nvPr>
         </p:nvPicPr>
         <p:blipFill>
-          <a:blip r:embed="rId3">
+          <a:blip r:embed="rId7" cstate="print">
             <a:extLst>
               <a:ext uri="{28A0092B-C50C-407E-A947-70E740481C1C}">
-                <a14:useLocalDpi xmlns:a14="http://schemas.microsoft.com/office/drawing/2010/main" val="0"/>
+                <a14:useLocalDpi xmlns:a14="http://schemas.microsoft.com/office/drawing/2010/main" xmlns="" val="0"/>
               </a:ext>
             </a:extLst>
           </a:blip>
@@ -7801,14 +8022,14 @@
           <a:effectLst/>
           <a:extLst>
             <a:ext uri="{909E8E84-426E-40DD-AFC4-6F175D3DCCD1}">
-              <a14:hiddenFill xmlns:a14="http://schemas.microsoft.com/office/drawing/2010/main">
+              <a14:hiddenFill xmlns:a14="http://schemas.microsoft.com/office/drawing/2010/main" xmlns="">
                 <a:solidFill>
                   <a:schemeClr val="accent1"/>
                 </a:solidFill>
               </a14:hiddenFill>
             </a:ext>
             <a:ext uri="{91240B29-F687-4F45-9708-019B960494DF}">
-              <a14:hiddenLine xmlns:a14="http://schemas.microsoft.com/office/drawing/2010/main" w="9525">
+              <a14:hiddenLine xmlns:a14="http://schemas.microsoft.com/office/drawing/2010/main" xmlns="" w="9525">
                 <a:solidFill>
                   <a:schemeClr val="tx1"/>
                 </a:solidFill>
@@ -7818,7 +8039,7 @@
               </a14:hiddenLine>
             </a:ext>
             <a:ext uri="{AF507438-7753-43E0-B8FC-AC1667EBCBE1}">
-              <a14:hiddenEffects xmlns:a14="http://schemas.microsoft.com/office/drawing/2010/main">
+              <a14:hiddenEffects xmlns:a14="http://schemas.microsoft.com/office/drawing/2010/main" xmlns="">
                 <a:effectLst>
                   <a:outerShdw dist="35921" dir="2700000" algn="ctr" rotWithShape="0">
                     <a:schemeClr val="bg2"/>
@@ -7832,7 +8053,7 @@
     </p:spTree>
     <p:extLst>
       <p:ext uri="{BB962C8B-B14F-4D97-AF65-F5344CB8AC3E}">
-        <p14:creationId xmlns:p14="http://schemas.microsoft.com/office/powerpoint/2010/main" val="830870510"/>
+        <p14:creationId xmlns:p14="http://schemas.microsoft.com/office/powerpoint/2010/main" xmlns="" val="830870510"/>
       </p:ext>
     </p:extLst>
   </p:cSld>
@@ -7847,6 +8068,408 @@
     </p:tnLst>
   </p:timing>
 </p:sld>
+</file>
+
+<file path=ppt/tags/tag1.xml><?xml version="1.0" encoding="utf-8"?>
+<p:tagLst xmlns:a="http://schemas.openxmlformats.org/drawingml/2006/main" xmlns:r="http://schemas.openxmlformats.org/officeDocument/2006/relationships" xmlns:p="http://schemas.openxmlformats.org/presentationml/2006/main">
+  <p:tag name="NUM" val="1"/>
+</p:tagLst>
+</file>
+
+<file path=ppt/tags/tag10.xml><?xml version="1.0" encoding="utf-8"?>
+<p:tagLst xmlns:a="http://schemas.openxmlformats.org/drawingml/2006/main" xmlns:r="http://schemas.openxmlformats.org/officeDocument/2006/relationships" xmlns:p="http://schemas.openxmlformats.org/presentationml/2006/main">
+  <p:tag name="NUM" val="1"/>
+</p:tagLst>
+</file>
+
+<file path=ppt/tags/tag11.xml><?xml version="1.0" encoding="utf-8"?>
+<p:tagLst xmlns:a="http://schemas.openxmlformats.org/drawingml/2006/main" xmlns:r="http://schemas.openxmlformats.org/officeDocument/2006/relationships" xmlns:p="http://schemas.openxmlformats.org/presentationml/2006/main">
+  <p:tag name="NUM" val="1"/>
+</p:tagLst>
+</file>
+
+<file path=ppt/tags/tag12.xml><?xml version="1.0" encoding="utf-8"?>
+<p:tagLst xmlns:a="http://schemas.openxmlformats.org/drawingml/2006/main" xmlns:r="http://schemas.openxmlformats.org/officeDocument/2006/relationships" xmlns:p="http://schemas.openxmlformats.org/presentationml/2006/main">
+  <p:tag name="NUM" val="2"/>
+</p:tagLst>
+</file>
+
+<file path=ppt/tags/tag13.xml><?xml version="1.0" encoding="utf-8"?>
+<p:tagLst xmlns:a="http://schemas.openxmlformats.org/drawingml/2006/main" xmlns:r="http://schemas.openxmlformats.org/officeDocument/2006/relationships" xmlns:p="http://schemas.openxmlformats.org/presentationml/2006/main">
+  <p:tag name="NUM" val="3"/>
+</p:tagLst>
+</file>
+
+<file path=ppt/tags/tag14.xml><?xml version="1.0" encoding="utf-8"?>
+<p:tagLst xmlns:a="http://schemas.openxmlformats.org/drawingml/2006/main" xmlns:r="http://schemas.openxmlformats.org/officeDocument/2006/relationships" xmlns:p="http://schemas.openxmlformats.org/presentationml/2006/main">
+  <p:tag name="NUM" val="1"/>
+</p:tagLst>
+</file>
+
+<file path=ppt/tags/tag15.xml><?xml version="1.0" encoding="utf-8"?>
+<p:tagLst xmlns:a="http://schemas.openxmlformats.org/drawingml/2006/main" xmlns:r="http://schemas.openxmlformats.org/officeDocument/2006/relationships" xmlns:p="http://schemas.openxmlformats.org/presentationml/2006/main">
+  <p:tag name="NUM" val="2"/>
+</p:tagLst>
+</file>
+
+<file path=ppt/tags/tag16.xml><?xml version="1.0" encoding="utf-8"?>
+<p:tagLst xmlns:a="http://schemas.openxmlformats.org/drawingml/2006/main" xmlns:r="http://schemas.openxmlformats.org/officeDocument/2006/relationships" xmlns:p="http://schemas.openxmlformats.org/presentationml/2006/main">
+  <p:tag name="NUM" val="3"/>
+</p:tagLst>
+</file>
+
+<file path=ppt/tags/tag17.xml><?xml version="1.0" encoding="utf-8"?>
+<p:tagLst xmlns:a="http://schemas.openxmlformats.org/drawingml/2006/main" xmlns:r="http://schemas.openxmlformats.org/officeDocument/2006/relationships" xmlns:p="http://schemas.openxmlformats.org/presentationml/2006/main">
+  <p:tag name="NUM" val="4"/>
+</p:tagLst>
+</file>
+
+<file path=ppt/tags/tag18.xml><?xml version="1.0" encoding="utf-8"?>
+<p:tagLst xmlns:a="http://schemas.openxmlformats.org/drawingml/2006/main" xmlns:r="http://schemas.openxmlformats.org/officeDocument/2006/relationships" xmlns:p="http://schemas.openxmlformats.org/presentationml/2006/main">
+  <p:tag name="NUM" val="1"/>
+</p:tagLst>
+</file>
+
+<file path=ppt/tags/tag19.xml><?xml version="1.0" encoding="utf-8"?>
+<p:tagLst xmlns:a="http://schemas.openxmlformats.org/drawingml/2006/main" xmlns:r="http://schemas.openxmlformats.org/officeDocument/2006/relationships" xmlns:p="http://schemas.openxmlformats.org/presentationml/2006/main">
+  <p:tag name="NUM" val="2"/>
+</p:tagLst>
+</file>
+
+<file path=ppt/tags/tag2.xml><?xml version="1.0" encoding="utf-8"?>
+<p:tagLst xmlns:a="http://schemas.openxmlformats.org/drawingml/2006/main" xmlns:r="http://schemas.openxmlformats.org/officeDocument/2006/relationships" xmlns:p="http://schemas.openxmlformats.org/presentationml/2006/main">
+  <p:tag name="NUM" val="2"/>
+</p:tagLst>
+</file>
+
+<file path=ppt/tags/tag20.xml><?xml version="1.0" encoding="utf-8"?>
+<p:tagLst xmlns:a="http://schemas.openxmlformats.org/drawingml/2006/main" xmlns:r="http://schemas.openxmlformats.org/officeDocument/2006/relationships" xmlns:p="http://schemas.openxmlformats.org/presentationml/2006/main">
+  <p:tag name="NUM" val="3"/>
+</p:tagLst>
+</file>
+
+<file path=ppt/tags/tag21.xml><?xml version="1.0" encoding="utf-8"?>
+<p:tagLst xmlns:a="http://schemas.openxmlformats.org/drawingml/2006/main" xmlns:r="http://schemas.openxmlformats.org/officeDocument/2006/relationships" xmlns:p="http://schemas.openxmlformats.org/presentationml/2006/main">
+  <p:tag name="NUM" val="4"/>
+</p:tagLst>
+</file>
+
+<file path=ppt/tags/tag22.xml><?xml version="1.0" encoding="utf-8"?>
+<p:tagLst xmlns:a="http://schemas.openxmlformats.org/drawingml/2006/main" xmlns:r="http://schemas.openxmlformats.org/officeDocument/2006/relationships" xmlns:p="http://schemas.openxmlformats.org/presentationml/2006/main">
+  <p:tag name="NUM" val="1"/>
+</p:tagLst>
+</file>
+
+<file path=ppt/tags/tag23.xml><?xml version="1.0" encoding="utf-8"?>
+<p:tagLst xmlns:a="http://schemas.openxmlformats.org/drawingml/2006/main" xmlns:r="http://schemas.openxmlformats.org/officeDocument/2006/relationships" xmlns:p="http://schemas.openxmlformats.org/presentationml/2006/main">
+  <p:tag name="NUM" val="2"/>
+</p:tagLst>
+</file>
+
+<file path=ppt/tags/tag24.xml><?xml version="1.0" encoding="utf-8"?>
+<p:tagLst xmlns:a="http://schemas.openxmlformats.org/drawingml/2006/main" xmlns:r="http://schemas.openxmlformats.org/officeDocument/2006/relationships" xmlns:p="http://schemas.openxmlformats.org/presentationml/2006/main">
+  <p:tag name="NUM" val="3"/>
+</p:tagLst>
+</file>
+
+<file path=ppt/tags/tag25.xml><?xml version="1.0" encoding="utf-8"?>
+<p:tagLst xmlns:a="http://schemas.openxmlformats.org/drawingml/2006/main" xmlns:r="http://schemas.openxmlformats.org/officeDocument/2006/relationships" xmlns:p="http://schemas.openxmlformats.org/presentationml/2006/main">
+  <p:tag name="NUM" val="4"/>
+</p:tagLst>
+</file>
+
+<file path=ppt/tags/tag26.xml><?xml version="1.0" encoding="utf-8"?>
+<p:tagLst xmlns:a="http://schemas.openxmlformats.org/drawingml/2006/main" xmlns:r="http://schemas.openxmlformats.org/officeDocument/2006/relationships" xmlns:p="http://schemas.openxmlformats.org/presentationml/2006/main">
+  <p:tag name="NUM" val="1"/>
+</p:tagLst>
+</file>
+
+<file path=ppt/tags/tag27.xml><?xml version="1.0" encoding="utf-8"?>
+<p:tagLst xmlns:a="http://schemas.openxmlformats.org/drawingml/2006/main" xmlns:r="http://schemas.openxmlformats.org/officeDocument/2006/relationships" xmlns:p="http://schemas.openxmlformats.org/presentationml/2006/main">
+  <p:tag name="NUM" val="2"/>
+</p:tagLst>
+</file>
+
+<file path=ppt/tags/tag28.xml><?xml version="1.0" encoding="utf-8"?>
+<p:tagLst xmlns:a="http://schemas.openxmlformats.org/drawingml/2006/main" xmlns:r="http://schemas.openxmlformats.org/officeDocument/2006/relationships" xmlns:p="http://schemas.openxmlformats.org/presentationml/2006/main">
+  <p:tag name="NUM" val="1"/>
+</p:tagLst>
+</file>
+
+<file path=ppt/tags/tag29.xml><?xml version="1.0" encoding="utf-8"?>
+<p:tagLst xmlns:a="http://schemas.openxmlformats.org/drawingml/2006/main" xmlns:r="http://schemas.openxmlformats.org/officeDocument/2006/relationships" xmlns:p="http://schemas.openxmlformats.org/presentationml/2006/main">
+  <p:tag name="NUM" val="1"/>
+</p:tagLst>
+</file>
+
+<file path=ppt/tags/tag3.xml><?xml version="1.0" encoding="utf-8"?>
+<p:tagLst xmlns:a="http://schemas.openxmlformats.org/drawingml/2006/main" xmlns:r="http://schemas.openxmlformats.org/officeDocument/2006/relationships" xmlns:p="http://schemas.openxmlformats.org/presentationml/2006/main">
+  <p:tag name="NUM" val="1"/>
+</p:tagLst>
+</file>
+
+<file path=ppt/tags/tag30.xml><?xml version="1.0" encoding="utf-8"?>
+<p:tagLst xmlns:a="http://schemas.openxmlformats.org/drawingml/2006/main" xmlns:r="http://schemas.openxmlformats.org/officeDocument/2006/relationships" xmlns:p="http://schemas.openxmlformats.org/presentationml/2006/main">
+  <p:tag name="NUM" val="2"/>
+</p:tagLst>
+</file>
+
+<file path=ppt/tags/tag31.xml><?xml version="1.0" encoding="utf-8"?>
+<p:tagLst xmlns:a="http://schemas.openxmlformats.org/drawingml/2006/main" xmlns:r="http://schemas.openxmlformats.org/officeDocument/2006/relationships" xmlns:p="http://schemas.openxmlformats.org/presentationml/2006/main">
+  <p:tag name="NUM" val="1"/>
+</p:tagLst>
+</file>
+
+<file path=ppt/tags/tag32.xml><?xml version="1.0" encoding="utf-8"?>
+<p:tagLst xmlns:a="http://schemas.openxmlformats.org/drawingml/2006/main" xmlns:r="http://schemas.openxmlformats.org/officeDocument/2006/relationships" xmlns:p="http://schemas.openxmlformats.org/presentationml/2006/main">
+  <p:tag name="NUM" val="2"/>
+</p:tagLst>
+</file>
+
+<file path=ppt/tags/tag33.xml><?xml version="1.0" encoding="utf-8"?>
+<p:tagLst xmlns:a="http://schemas.openxmlformats.org/drawingml/2006/main" xmlns:r="http://schemas.openxmlformats.org/officeDocument/2006/relationships" xmlns:p="http://schemas.openxmlformats.org/presentationml/2006/main">
+  <p:tag name="NUM" val="3"/>
+</p:tagLst>
+</file>
+
+<file path=ppt/tags/tag34.xml><?xml version="1.0" encoding="utf-8"?>
+<p:tagLst xmlns:a="http://schemas.openxmlformats.org/drawingml/2006/main" xmlns:r="http://schemas.openxmlformats.org/officeDocument/2006/relationships" xmlns:p="http://schemas.openxmlformats.org/presentationml/2006/main">
+  <p:tag name="NUM" val="4"/>
+</p:tagLst>
+</file>
+
+<file path=ppt/tags/tag35.xml><?xml version="1.0" encoding="utf-8"?>
+<p:tagLst xmlns:a="http://schemas.openxmlformats.org/drawingml/2006/main" xmlns:r="http://schemas.openxmlformats.org/officeDocument/2006/relationships" xmlns:p="http://schemas.openxmlformats.org/presentationml/2006/main">
+  <p:tag name="NUM" val="5"/>
+</p:tagLst>
+</file>
+
+<file path=ppt/tags/tag36.xml><?xml version="1.0" encoding="utf-8"?>
+<p:tagLst xmlns:a="http://schemas.openxmlformats.org/drawingml/2006/main" xmlns:r="http://schemas.openxmlformats.org/officeDocument/2006/relationships" xmlns:p="http://schemas.openxmlformats.org/presentationml/2006/main">
+  <p:tag name="NUM" val="1"/>
+</p:tagLst>
+</file>
+
+<file path=ppt/tags/tag37.xml><?xml version="1.0" encoding="utf-8"?>
+<p:tagLst xmlns:a="http://schemas.openxmlformats.org/drawingml/2006/main" xmlns:r="http://schemas.openxmlformats.org/officeDocument/2006/relationships" xmlns:p="http://schemas.openxmlformats.org/presentationml/2006/main">
+  <p:tag name="NUM" val="2"/>
+</p:tagLst>
+</file>
+
+<file path=ppt/tags/tag38.xml><?xml version="1.0" encoding="utf-8"?>
+<p:tagLst xmlns:a="http://schemas.openxmlformats.org/drawingml/2006/main" xmlns:r="http://schemas.openxmlformats.org/officeDocument/2006/relationships" xmlns:p="http://schemas.openxmlformats.org/presentationml/2006/main">
+  <p:tag name="NUM" val="3"/>
+</p:tagLst>
+</file>
+
+<file path=ppt/tags/tag39.xml><?xml version="1.0" encoding="utf-8"?>
+<p:tagLst xmlns:a="http://schemas.openxmlformats.org/drawingml/2006/main" xmlns:r="http://schemas.openxmlformats.org/officeDocument/2006/relationships" xmlns:p="http://schemas.openxmlformats.org/presentationml/2006/main">
+  <p:tag name="NUM" val="1"/>
+</p:tagLst>
+</file>
+
+<file path=ppt/tags/tag4.xml><?xml version="1.0" encoding="utf-8"?>
+<p:tagLst xmlns:a="http://schemas.openxmlformats.org/drawingml/2006/main" xmlns:r="http://schemas.openxmlformats.org/officeDocument/2006/relationships" xmlns:p="http://schemas.openxmlformats.org/presentationml/2006/main">
+  <p:tag name="NUM" val="2"/>
+</p:tagLst>
+</file>
+
+<file path=ppt/tags/tag40.xml><?xml version="1.0" encoding="utf-8"?>
+<p:tagLst xmlns:a="http://schemas.openxmlformats.org/drawingml/2006/main" xmlns:r="http://schemas.openxmlformats.org/officeDocument/2006/relationships" xmlns:p="http://schemas.openxmlformats.org/presentationml/2006/main">
+  <p:tag name="NUM" val="2"/>
+</p:tagLst>
+</file>
+
+<file path=ppt/tags/tag41.xml><?xml version="1.0" encoding="utf-8"?>
+<p:tagLst xmlns:a="http://schemas.openxmlformats.org/drawingml/2006/main" xmlns:r="http://schemas.openxmlformats.org/officeDocument/2006/relationships" xmlns:p="http://schemas.openxmlformats.org/presentationml/2006/main">
+  <p:tag name="NUM" val="1"/>
+</p:tagLst>
+</file>
+
+<file path=ppt/tags/tag42.xml><?xml version="1.0" encoding="utf-8"?>
+<p:tagLst xmlns:a="http://schemas.openxmlformats.org/drawingml/2006/main" xmlns:r="http://schemas.openxmlformats.org/officeDocument/2006/relationships" xmlns:p="http://schemas.openxmlformats.org/presentationml/2006/main">
+  <p:tag name="NUM" val="2"/>
+</p:tagLst>
+</file>
+
+<file path=ppt/tags/tag43.xml><?xml version="1.0" encoding="utf-8"?>
+<p:tagLst xmlns:a="http://schemas.openxmlformats.org/drawingml/2006/main" xmlns:r="http://schemas.openxmlformats.org/officeDocument/2006/relationships" xmlns:p="http://schemas.openxmlformats.org/presentationml/2006/main">
+  <p:tag name="NUM" val="3"/>
+</p:tagLst>
+</file>
+
+<file path=ppt/tags/tag44.xml><?xml version="1.0" encoding="utf-8"?>
+<p:tagLst xmlns:a="http://schemas.openxmlformats.org/drawingml/2006/main" xmlns:r="http://schemas.openxmlformats.org/officeDocument/2006/relationships" xmlns:p="http://schemas.openxmlformats.org/presentationml/2006/main">
+  <p:tag name="NUM" val="4"/>
+</p:tagLst>
+</file>
+
+<file path=ppt/tags/tag45.xml><?xml version="1.0" encoding="utf-8"?>
+<p:tagLst xmlns:a="http://schemas.openxmlformats.org/drawingml/2006/main" xmlns:r="http://schemas.openxmlformats.org/officeDocument/2006/relationships" xmlns:p="http://schemas.openxmlformats.org/presentationml/2006/main">
+  <p:tag name="NUM" val="5"/>
+</p:tagLst>
+</file>
+
+<file path=ppt/tags/tag46.xml><?xml version="1.0" encoding="utf-8"?>
+<p:tagLst xmlns:a="http://schemas.openxmlformats.org/drawingml/2006/main" xmlns:r="http://schemas.openxmlformats.org/officeDocument/2006/relationships" xmlns:p="http://schemas.openxmlformats.org/presentationml/2006/main">
+  <p:tag name="NUM" val="6"/>
+</p:tagLst>
+</file>
+
+<file path=ppt/tags/tag47.xml><?xml version="1.0" encoding="utf-8"?>
+<p:tagLst xmlns:a="http://schemas.openxmlformats.org/drawingml/2006/main" xmlns:r="http://schemas.openxmlformats.org/officeDocument/2006/relationships" xmlns:p="http://schemas.openxmlformats.org/presentationml/2006/main">
+  <p:tag name="NUM" val="1"/>
+</p:tagLst>
+</file>
+
+<file path=ppt/tags/tag48.xml><?xml version="1.0" encoding="utf-8"?>
+<p:tagLst xmlns:a="http://schemas.openxmlformats.org/drawingml/2006/main" xmlns:r="http://schemas.openxmlformats.org/officeDocument/2006/relationships" xmlns:p="http://schemas.openxmlformats.org/presentationml/2006/main">
+  <p:tag name="NUM" val="1"/>
+</p:tagLst>
+</file>
+
+<file path=ppt/tags/tag49.xml><?xml version="1.0" encoding="utf-8"?>
+<p:tagLst xmlns:a="http://schemas.openxmlformats.org/drawingml/2006/main" xmlns:r="http://schemas.openxmlformats.org/officeDocument/2006/relationships" xmlns:p="http://schemas.openxmlformats.org/presentationml/2006/main">
+  <p:tag name="NUM" val="2"/>
+</p:tagLst>
+</file>
+
+<file path=ppt/tags/tag5.xml><?xml version="1.0" encoding="utf-8"?>
+<p:tagLst xmlns:a="http://schemas.openxmlformats.org/drawingml/2006/main" xmlns:r="http://schemas.openxmlformats.org/officeDocument/2006/relationships" xmlns:p="http://schemas.openxmlformats.org/presentationml/2006/main">
+  <p:tag name="NUM" val="1"/>
+</p:tagLst>
+</file>
+
+<file path=ppt/tags/tag50.xml><?xml version="1.0" encoding="utf-8"?>
+<p:tagLst xmlns:a="http://schemas.openxmlformats.org/drawingml/2006/main" xmlns:r="http://schemas.openxmlformats.org/officeDocument/2006/relationships" xmlns:p="http://schemas.openxmlformats.org/presentationml/2006/main">
+  <p:tag name="NUM" val="3"/>
+</p:tagLst>
+</file>
+
+<file path=ppt/tags/tag51.xml><?xml version="1.0" encoding="utf-8"?>
+<p:tagLst xmlns:a="http://schemas.openxmlformats.org/drawingml/2006/main" xmlns:r="http://schemas.openxmlformats.org/officeDocument/2006/relationships" xmlns:p="http://schemas.openxmlformats.org/presentationml/2006/main">
+  <p:tag name="NUM" val="1"/>
+</p:tagLst>
+</file>
+
+<file path=ppt/tags/tag52.xml><?xml version="1.0" encoding="utf-8"?>
+<p:tagLst xmlns:a="http://schemas.openxmlformats.org/drawingml/2006/main" xmlns:r="http://schemas.openxmlformats.org/officeDocument/2006/relationships" xmlns:p="http://schemas.openxmlformats.org/presentationml/2006/main">
+  <p:tag name="NUM" val="2"/>
+</p:tagLst>
+</file>
+
+<file path=ppt/tags/tag53.xml><?xml version="1.0" encoding="utf-8"?>
+<p:tagLst xmlns:a="http://schemas.openxmlformats.org/drawingml/2006/main" xmlns:r="http://schemas.openxmlformats.org/officeDocument/2006/relationships" xmlns:p="http://schemas.openxmlformats.org/presentationml/2006/main">
+  <p:tag name="NUM" val="3"/>
+</p:tagLst>
+</file>
+
+<file path=ppt/tags/tag54.xml><?xml version="1.0" encoding="utf-8"?>
+<p:tagLst xmlns:a="http://schemas.openxmlformats.org/drawingml/2006/main" xmlns:r="http://schemas.openxmlformats.org/officeDocument/2006/relationships" xmlns:p="http://schemas.openxmlformats.org/presentationml/2006/main">
+  <p:tag name="NUM" val="1"/>
+</p:tagLst>
+</file>
+
+<file path=ppt/tags/tag55.xml><?xml version="1.0" encoding="utf-8"?>
+<p:tagLst xmlns:a="http://schemas.openxmlformats.org/drawingml/2006/main" xmlns:r="http://schemas.openxmlformats.org/officeDocument/2006/relationships" xmlns:p="http://schemas.openxmlformats.org/presentationml/2006/main">
+  <p:tag name="NUM" val="2"/>
+</p:tagLst>
+</file>
+
+<file path=ppt/tags/tag56.xml><?xml version="1.0" encoding="utf-8"?>
+<p:tagLst xmlns:a="http://schemas.openxmlformats.org/drawingml/2006/main" xmlns:r="http://schemas.openxmlformats.org/officeDocument/2006/relationships" xmlns:p="http://schemas.openxmlformats.org/presentationml/2006/main">
+  <p:tag name="NUM" val="3"/>
+</p:tagLst>
+</file>
+
+<file path=ppt/tags/tag57.xml><?xml version="1.0" encoding="utf-8"?>
+<p:tagLst xmlns:a="http://schemas.openxmlformats.org/drawingml/2006/main" xmlns:r="http://schemas.openxmlformats.org/officeDocument/2006/relationships" xmlns:p="http://schemas.openxmlformats.org/presentationml/2006/main">
+  <p:tag name="NUM" val="1"/>
+</p:tagLst>
+</file>
+
+<file path=ppt/tags/tag58.xml><?xml version="1.0" encoding="utf-8"?>
+<p:tagLst xmlns:a="http://schemas.openxmlformats.org/drawingml/2006/main" xmlns:r="http://schemas.openxmlformats.org/officeDocument/2006/relationships" xmlns:p="http://schemas.openxmlformats.org/presentationml/2006/main">
+  <p:tag name="NUM" val="2"/>
+</p:tagLst>
+</file>
+
+<file path=ppt/tags/tag59.xml><?xml version="1.0" encoding="utf-8"?>
+<p:tagLst xmlns:a="http://schemas.openxmlformats.org/drawingml/2006/main" xmlns:r="http://schemas.openxmlformats.org/officeDocument/2006/relationships" xmlns:p="http://schemas.openxmlformats.org/presentationml/2006/main">
+  <p:tag name="NUM" val="3"/>
+</p:tagLst>
+</file>
+
+<file path=ppt/tags/tag6.xml><?xml version="1.0" encoding="utf-8"?>
+<p:tagLst xmlns:a="http://schemas.openxmlformats.org/drawingml/2006/main" xmlns:r="http://schemas.openxmlformats.org/officeDocument/2006/relationships" xmlns:p="http://schemas.openxmlformats.org/presentationml/2006/main">
+  <p:tag name="NUM" val="1"/>
+</p:tagLst>
+</file>
+
+<file path=ppt/tags/tag60.xml><?xml version="1.0" encoding="utf-8"?>
+<p:tagLst xmlns:a="http://schemas.openxmlformats.org/drawingml/2006/main" xmlns:r="http://schemas.openxmlformats.org/officeDocument/2006/relationships" xmlns:p="http://schemas.openxmlformats.org/presentationml/2006/main">
+  <p:tag name="NUM" val="1"/>
+</p:tagLst>
+</file>
+
+<file path=ppt/tags/tag61.xml><?xml version="1.0" encoding="utf-8"?>
+<p:tagLst xmlns:a="http://schemas.openxmlformats.org/drawingml/2006/main" xmlns:r="http://schemas.openxmlformats.org/officeDocument/2006/relationships" xmlns:p="http://schemas.openxmlformats.org/presentationml/2006/main">
+  <p:tag name="NUM" val="2"/>
+</p:tagLst>
+</file>
+
+<file path=ppt/tags/tag62.xml><?xml version="1.0" encoding="utf-8"?>
+<p:tagLst xmlns:a="http://schemas.openxmlformats.org/drawingml/2006/main" xmlns:r="http://schemas.openxmlformats.org/officeDocument/2006/relationships" xmlns:p="http://schemas.openxmlformats.org/presentationml/2006/main">
+  <p:tag name="NUM" val="1"/>
+</p:tagLst>
+</file>
+
+<file path=ppt/tags/tag63.xml><?xml version="1.0" encoding="utf-8"?>
+<p:tagLst xmlns:a="http://schemas.openxmlformats.org/drawingml/2006/main" xmlns:r="http://schemas.openxmlformats.org/officeDocument/2006/relationships" xmlns:p="http://schemas.openxmlformats.org/presentationml/2006/main">
+  <p:tag name="NUM" val="2"/>
+</p:tagLst>
+</file>
+
+<file path=ppt/tags/tag64.xml><?xml version="1.0" encoding="utf-8"?>
+<p:tagLst xmlns:a="http://schemas.openxmlformats.org/drawingml/2006/main" xmlns:r="http://schemas.openxmlformats.org/officeDocument/2006/relationships" xmlns:p="http://schemas.openxmlformats.org/presentationml/2006/main">
+  <p:tag name="NUM" val="1"/>
+</p:tagLst>
+</file>
+
+<file path=ppt/tags/tag65.xml><?xml version="1.0" encoding="utf-8"?>
+<p:tagLst xmlns:a="http://schemas.openxmlformats.org/drawingml/2006/main" xmlns:r="http://schemas.openxmlformats.org/officeDocument/2006/relationships" xmlns:p="http://schemas.openxmlformats.org/presentationml/2006/main">
+  <p:tag name="NUM" val="1"/>
+</p:tagLst>
+</file>
+
+<file path=ppt/tags/tag66.xml><?xml version="1.0" encoding="utf-8"?>
+<p:tagLst xmlns:a="http://schemas.openxmlformats.org/drawingml/2006/main" xmlns:r="http://schemas.openxmlformats.org/officeDocument/2006/relationships" xmlns:p="http://schemas.openxmlformats.org/presentationml/2006/main">
+  <p:tag name="NUM" val="2"/>
+</p:tagLst>
+</file>
+
+<file path=ppt/tags/tag67.xml><?xml version="1.0" encoding="utf-8"?>
+<p:tagLst xmlns:a="http://schemas.openxmlformats.org/drawingml/2006/main" xmlns:r="http://schemas.openxmlformats.org/officeDocument/2006/relationships" xmlns:p="http://schemas.openxmlformats.org/presentationml/2006/main">
+  <p:tag name="NUM" val="3"/>
+</p:tagLst>
+</file>
+
+<file path=ppt/tags/tag7.xml><?xml version="1.0" encoding="utf-8"?>
+<p:tagLst xmlns:a="http://schemas.openxmlformats.org/drawingml/2006/main" xmlns:r="http://schemas.openxmlformats.org/officeDocument/2006/relationships" xmlns:p="http://schemas.openxmlformats.org/presentationml/2006/main">
+  <p:tag name="NUM" val="2"/>
+</p:tagLst>
+</file>
+
+<file path=ppt/tags/tag8.xml><?xml version="1.0" encoding="utf-8"?>
+<p:tagLst xmlns:a="http://schemas.openxmlformats.org/drawingml/2006/main" xmlns:r="http://schemas.openxmlformats.org/officeDocument/2006/relationships" xmlns:p="http://schemas.openxmlformats.org/presentationml/2006/main">
+  <p:tag name="NUM" val="1"/>
+</p:tagLst>
+</file>
+
+<file path=ppt/tags/tag9.xml><?xml version="1.0" encoding="utf-8"?>
+<p:tagLst xmlns:a="http://schemas.openxmlformats.org/drawingml/2006/main" xmlns:r="http://schemas.openxmlformats.org/officeDocument/2006/relationships" xmlns:p="http://schemas.openxmlformats.org/presentationml/2006/main">
+  <p:tag name="NUM" val="2"/>
+</p:tagLst>
 </file>
 
 <file path=ppt/theme/theme1.xml><?xml version="1.0" encoding="utf-8"?>

--- a/moteur de recommandations de films.pptx
+++ b/moteur de recommandations de films.pptx
@@ -192,7 +192,7 @@
             <a:fld id="{2233D26B-DFC2-4248-8ED0-AD3E108CBDD7}" type="datetime1">
               <a:rPr lang="en-US" smtClean="0"/>
               <a:pPr/>
-              <a:t>11/16/2018</a:t>
+              <a:t>11/17/2018</a:t>
             </a:fld>
             <a:endParaRPr lang="en-US"/>
           </a:p>
@@ -235,7 +235,7 @@
             <a:fld id="{38237106-F2ED-405E-BC33-CC3CF426205F}" type="slidenum">
               <a:rPr lang="en-US" smtClean="0"/>
               <a:pPr/>
-              <a:t>‹#›</a:t>
+              <a:t>‹N°›</a:t>
             </a:fld>
             <a:endParaRPr lang="en-US"/>
           </a:p>
@@ -510,7 +510,7 @@
             <a:fld id="{E694C003-38E8-486A-9BFD-47E55D87241C}" type="datetime1">
               <a:rPr lang="en-US" smtClean="0"/>
               <a:pPr/>
-              <a:t>11/16/2018</a:t>
+              <a:t>11/17/2018</a:t>
             </a:fld>
             <a:endParaRPr lang="en-US"/>
           </a:p>
@@ -553,7 +553,7 @@
             <a:fld id="{38237106-F2ED-405E-BC33-CC3CF426205F}" type="slidenum">
               <a:rPr lang="en-US" smtClean="0"/>
               <a:pPr/>
-              <a:t>‹#›</a:t>
+              <a:t>‹N°›</a:t>
             </a:fld>
             <a:endParaRPr lang="en-US"/>
           </a:p>
@@ -687,7 +687,7 @@
             <a:fld id="{E059EAA3-934B-41DB-B3B1-806F4BE5CC37}" type="datetime1">
               <a:rPr lang="en-US" smtClean="0"/>
               <a:pPr/>
-              <a:t>11/16/2018</a:t>
+              <a:t>11/17/2018</a:t>
             </a:fld>
             <a:endParaRPr lang="en-US"/>
           </a:p>
@@ -730,7 +730,7 @@
             <a:fld id="{38237106-F2ED-405E-BC33-CC3CF426205F}" type="slidenum">
               <a:rPr lang="en-US" smtClean="0"/>
               <a:pPr/>
-              <a:t>‹#›</a:t>
+              <a:t>‹N°›</a:t>
             </a:fld>
             <a:endParaRPr lang="en-US"/>
           </a:p>
@@ -807,7 +807,7 @@
             <a:fld id="{8F97F932-D99A-4087-BFB1-EA42FAFC8D2C}" type="datetime1">
               <a:rPr lang="en-US" smtClean="0"/>
               <a:pPr/>
-              <a:t>11/16/2018</a:t>
+              <a:t>11/17/2018</a:t>
             </a:fld>
             <a:endParaRPr lang="en-US"/>
           </a:p>
@@ -850,7 +850,7 @@
             <a:fld id="{38237106-F2ED-405E-BC33-CC3CF426205F}" type="slidenum">
               <a:rPr lang="en-US" smtClean="0"/>
               <a:pPr/>
-              <a:t>‹#›</a:t>
+              <a:t>‹N°›</a:t>
             </a:fld>
             <a:endParaRPr lang="en-US"/>
           </a:p>
@@ -1107,7 +1107,7 @@
             <a:fld id="{79C96367-2F2B-4F6E-ACF4-15FA13738E10}" type="datetime1">
               <a:rPr lang="en-US" smtClean="0"/>
               <a:pPr/>
-              <a:t>11/16/2018</a:t>
+              <a:t>11/17/2018</a:t>
             </a:fld>
             <a:endParaRPr lang="en-US"/>
           </a:p>
@@ -1150,7 +1150,7 @@
             <a:fld id="{B1523C92-45F4-4C30-810D-4886C1BA6969}" type="slidenum">
               <a:rPr lang="en-US" smtClean="0"/>
               <a:pPr/>
-              <a:t>‹#›</a:t>
+              <a:t>‹N°›</a:t>
             </a:fld>
             <a:endParaRPr lang="en-US"/>
           </a:p>
@@ -1402,7 +1402,7 @@
             <a:fld id="{8FB3498D-21C7-408B-8EF5-5B55DEF0BFD5}" type="datetime1">
               <a:rPr lang="en-US" smtClean="0"/>
               <a:pPr/>
-              <a:t>11/16/2018</a:t>
+              <a:t>11/17/2018</a:t>
             </a:fld>
             <a:endParaRPr lang="en-US"/>
           </a:p>
@@ -1445,7 +1445,7 @@
             <a:fld id="{38237106-F2ED-405E-BC33-CC3CF426205F}" type="slidenum">
               <a:rPr lang="en-US" smtClean="0"/>
               <a:pPr/>
-              <a:t>‹#›</a:t>
+              <a:t>‹N°›</a:t>
             </a:fld>
             <a:endParaRPr lang="en-US"/>
           </a:p>
@@ -1832,7 +1832,7 @@
             <a:fld id="{84DB246E-8FD1-42FF-94A4-E4133095C37A}" type="datetime1">
               <a:rPr lang="en-US" smtClean="0"/>
               <a:pPr/>
-              <a:t>11/16/2018</a:t>
+              <a:t>11/17/2018</a:t>
             </a:fld>
             <a:endParaRPr lang="en-US"/>
           </a:p>
@@ -1875,7 +1875,7 @@
             <a:fld id="{38237106-F2ED-405E-BC33-CC3CF426205F}" type="slidenum">
               <a:rPr lang="en-US" smtClean="0"/>
               <a:pPr/>
-              <a:t>‹#›</a:t>
+              <a:t>‹N°›</a:t>
             </a:fld>
             <a:endParaRPr lang="en-US"/>
           </a:p>
@@ -1952,7 +1952,7 @@
             <a:fld id="{A93939D4-B818-4372-B1EE-7CB6D5BBC74A}" type="datetime1">
               <a:rPr lang="en-US" smtClean="0"/>
               <a:pPr/>
-              <a:t>11/16/2018</a:t>
+              <a:t>11/17/2018</a:t>
             </a:fld>
             <a:endParaRPr lang="en-US"/>
           </a:p>
@@ -1995,7 +1995,7 @@
             <a:fld id="{38237106-F2ED-405E-BC33-CC3CF426205F}" type="slidenum">
               <a:rPr lang="en-US" smtClean="0"/>
               <a:pPr/>
-              <a:t>‹#›</a:t>
+              <a:t>‹N°›</a:t>
             </a:fld>
             <a:endParaRPr lang="en-US"/>
           </a:p>
@@ -2044,7 +2044,7 @@
             <a:fld id="{2F35E438-4D0D-4834-B658-A90420491D98}" type="datetime1">
               <a:rPr lang="en-US" smtClean="0"/>
               <a:pPr/>
-              <a:t>11/16/2018</a:t>
+              <a:t>11/17/2018</a:t>
             </a:fld>
             <a:endParaRPr lang="en-US"/>
           </a:p>
@@ -2087,7 +2087,7 @@
             <a:fld id="{38237106-F2ED-405E-BC33-CC3CF426205F}" type="slidenum">
               <a:rPr lang="en-US" smtClean="0"/>
               <a:pPr/>
-              <a:t>‹#›</a:t>
+              <a:t>‹N°›</a:t>
             </a:fld>
             <a:endParaRPr lang="en-US"/>
           </a:p>
@@ -2296,7 +2296,7 @@
             <a:fld id="{76F8ADFA-7142-4015-85E6-1712F15FA709}" type="datetime1">
               <a:rPr lang="en-US" smtClean="0"/>
               <a:pPr/>
-              <a:t>11/16/2018</a:t>
+              <a:t>11/17/2018</a:t>
             </a:fld>
             <a:endParaRPr lang="en-US"/>
           </a:p>
@@ -2339,7 +2339,7 @@
             <a:fld id="{38237106-F2ED-405E-BC33-CC3CF426205F}" type="slidenum">
               <a:rPr lang="en-US" smtClean="0"/>
               <a:pPr/>
-              <a:t>‹#›</a:t>
+              <a:t>‹N°›</a:t>
             </a:fld>
             <a:endParaRPr lang="en-US"/>
           </a:p>
@@ -2814,7 +2814,7 @@
             <a:fld id="{34A581E0-D653-4D78-A48F-41D80498BC7E}" type="datetime1">
               <a:rPr lang="en-US" smtClean="0"/>
               <a:pPr/>
-              <a:t>11/16/2018</a:t>
+              <a:t>11/17/2018</a:t>
             </a:fld>
             <a:endParaRPr lang="en-US"/>
           </a:p>
@@ -2857,7 +2857,7 @@
             <a:fld id="{38237106-F2ED-405E-BC33-CC3CF426205F}" type="slidenum">
               <a:rPr lang="en-US" smtClean="0"/>
               <a:pPr/>
-              <a:t>‹#›</a:t>
+              <a:t>‹N°›</a:t>
             </a:fld>
             <a:endParaRPr lang="en-US"/>
           </a:p>
@@ -3046,7 +3046,7 @@
             <a:fld id="{8B3AFFF1-9C47-49F0-AE12-AF188F3F4E82}" type="datetime1">
               <a:rPr lang="en-US" smtClean="0"/>
               <a:pPr/>
-              <a:t>11/16/2018</a:t>
+              <a:t>11/17/2018</a:t>
             </a:fld>
             <a:endParaRPr lang="en-US" dirty="0"/>
           </a:p>
@@ -3121,7 +3121,7 @@
             <a:fld id="{38237106-F2ED-405E-BC33-CC3CF426205F}" type="slidenum">
               <a:rPr lang="en-US" smtClean="0"/>
               <a:pPr/>
-              <a:t>‹#›</a:t>
+              <a:t>‹N°›</a:t>
             </a:fld>
             <a:endParaRPr lang="en-US" dirty="0"/>
           </a:p>
@@ -3613,7 +3613,7 @@
     </p:spTree>
     <p:extLst>
       <p:ext uri="{BB962C8B-B14F-4D97-AF65-F5344CB8AC3E}">
-        <p14:creationId xmlns:p14="http://schemas.microsoft.com/office/powerpoint/2010/main" xmlns="" val="3468283249"/>
+        <p14:creationId xmlns:p14="http://schemas.microsoft.com/office/powerpoint/2010/main" val="3468283249"/>
       </p:ext>
     </p:extLst>
   </p:cSld>
@@ -3788,7 +3788,7 @@
           <a:blip r:embed="rId6" cstate="print">
             <a:extLst>
               <a:ext uri="{28A0092B-C50C-407E-A947-70E740481C1C}">
-                <a14:useLocalDpi xmlns:a14="http://schemas.microsoft.com/office/drawing/2010/main" xmlns="" val="0"/>
+                <a14:useLocalDpi xmlns:a14="http://schemas.microsoft.com/office/drawing/2010/main" val="0"/>
               </a:ext>
             </a:extLst>
           </a:blip>
@@ -3812,14 +3812,14 @@
           <a:effectLst/>
           <a:extLst>
             <a:ext uri="{909E8E84-426E-40DD-AFC4-6F175D3DCCD1}">
-              <a14:hiddenFill xmlns:a14="http://schemas.microsoft.com/office/drawing/2010/main" xmlns="">
+              <a14:hiddenFill xmlns:a14="http://schemas.microsoft.com/office/drawing/2010/main">
                 <a:solidFill>
                   <a:schemeClr val="accent1"/>
                 </a:solidFill>
               </a14:hiddenFill>
             </a:ext>
             <a:ext uri="{91240B29-F687-4F45-9708-019B960494DF}">
-              <a14:hiddenLine xmlns:a14="http://schemas.microsoft.com/office/drawing/2010/main" xmlns="" w="9525">
+              <a14:hiddenLine xmlns:a14="http://schemas.microsoft.com/office/drawing/2010/main" w="9525">
                 <a:solidFill>
                   <a:schemeClr val="tx1"/>
                 </a:solidFill>
@@ -3829,7 +3829,7 @@
               </a14:hiddenLine>
             </a:ext>
             <a:ext uri="{AF507438-7753-43E0-B8FC-AC1667EBCBE1}">
-              <a14:hiddenEffects xmlns:a14="http://schemas.microsoft.com/office/drawing/2010/main" xmlns="">
+              <a14:hiddenEffects xmlns:a14="http://schemas.microsoft.com/office/drawing/2010/main">
                 <a:effectLst>
                   <a:outerShdw dist="35921" dir="2700000" algn="ctr" rotWithShape="0">
                     <a:schemeClr val="bg2"/>
@@ -3856,7 +3856,7 @@
           <a:blip r:embed="rId7" cstate="print">
             <a:extLst>
               <a:ext uri="{28A0092B-C50C-407E-A947-70E740481C1C}">
-                <a14:useLocalDpi xmlns:a14="http://schemas.microsoft.com/office/drawing/2010/main" xmlns="" val="0"/>
+                <a14:useLocalDpi xmlns:a14="http://schemas.microsoft.com/office/drawing/2010/main" val="0"/>
               </a:ext>
             </a:extLst>
           </a:blip>
@@ -3880,14 +3880,14 @@
           <a:effectLst/>
           <a:extLst>
             <a:ext uri="{909E8E84-426E-40DD-AFC4-6F175D3DCCD1}">
-              <a14:hiddenFill xmlns:a14="http://schemas.microsoft.com/office/drawing/2010/main" xmlns="">
+              <a14:hiddenFill xmlns:a14="http://schemas.microsoft.com/office/drawing/2010/main">
                 <a:solidFill>
                   <a:schemeClr val="accent1"/>
                 </a:solidFill>
               </a14:hiddenFill>
             </a:ext>
             <a:ext uri="{91240B29-F687-4F45-9708-019B960494DF}">
-              <a14:hiddenLine xmlns:a14="http://schemas.microsoft.com/office/drawing/2010/main" xmlns="" w="9525">
+              <a14:hiddenLine xmlns:a14="http://schemas.microsoft.com/office/drawing/2010/main" w="9525">
                 <a:solidFill>
                   <a:schemeClr val="tx1"/>
                 </a:solidFill>
@@ -3897,7 +3897,7 @@
               </a14:hiddenLine>
             </a:ext>
             <a:ext uri="{AF507438-7753-43E0-B8FC-AC1667EBCBE1}">
-              <a14:hiddenEffects xmlns:a14="http://schemas.microsoft.com/office/drawing/2010/main" xmlns="">
+              <a14:hiddenEffects xmlns:a14="http://schemas.microsoft.com/office/drawing/2010/main">
                 <a:effectLst>
                   <a:outerShdw dist="35921" dir="2700000" algn="ctr" rotWithShape="0">
                     <a:schemeClr val="bg2"/>
@@ -3911,7 +3911,7 @@
     </p:spTree>
     <p:extLst>
       <p:ext uri="{BB962C8B-B14F-4D97-AF65-F5344CB8AC3E}">
-        <p14:creationId xmlns:p14="http://schemas.microsoft.com/office/powerpoint/2010/main" xmlns="" val="4043571853"/>
+        <p14:creationId xmlns:p14="http://schemas.microsoft.com/office/powerpoint/2010/main" val="4043571853"/>
       </p:ext>
     </p:extLst>
   </p:cSld>
@@ -4139,7 +4139,7 @@
     </p:spTree>
     <p:extLst>
       <p:ext uri="{BB962C8B-B14F-4D97-AF65-F5344CB8AC3E}">
-        <p14:creationId xmlns:p14="http://schemas.microsoft.com/office/powerpoint/2010/main" xmlns="" val="2764281191"/>
+        <p14:creationId xmlns:p14="http://schemas.microsoft.com/office/powerpoint/2010/main" val="2764281191"/>
       </p:ext>
     </p:extLst>
   </p:cSld>
@@ -4219,7 +4219,7 @@
     </p:spTree>
     <p:extLst>
       <p:ext uri="{BB962C8B-B14F-4D97-AF65-F5344CB8AC3E}">
-        <p14:creationId xmlns:p14="http://schemas.microsoft.com/office/powerpoint/2010/main" xmlns="" val="2134462054"/>
+        <p14:creationId xmlns:p14="http://schemas.microsoft.com/office/powerpoint/2010/main" val="2134462054"/>
       </p:ext>
     </p:extLst>
   </p:cSld>
@@ -4345,7 +4345,7 @@
     </p:spTree>
     <p:extLst>
       <p:ext uri="{BB962C8B-B14F-4D97-AF65-F5344CB8AC3E}">
-        <p14:creationId xmlns:p14="http://schemas.microsoft.com/office/powerpoint/2010/main" xmlns="" val="2364585716"/>
+        <p14:creationId xmlns:p14="http://schemas.microsoft.com/office/powerpoint/2010/main" val="2364585716"/>
       </p:ext>
     </p:extLst>
   </p:cSld>
@@ -4456,7 +4456,7 @@
           <a:blip r:embed="rId7" cstate="print">
             <a:extLst>
               <a:ext uri="{28A0092B-C50C-407E-A947-70E740481C1C}">
-                <a14:useLocalDpi xmlns:a14="http://schemas.microsoft.com/office/drawing/2010/main" xmlns="" val="0"/>
+                <a14:useLocalDpi xmlns:a14="http://schemas.microsoft.com/office/drawing/2010/main" val="0"/>
               </a:ext>
             </a:extLst>
           </a:blip>
@@ -4480,14 +4480,14 @@
           <a:effectLst/>
           <a:extLst>
             <a:ext uri="{909E8E84-426E-40DD-AFC4-6F175D3DCCD1}">
-              <a14:hiddenFill xmlns:a14="http://schemas.microsoft.com/office/drawing/2010/main" xmlns="">
+              <a14:hiddenFill xmlns:a14="http://schemas.microsoft.com/office/drawing/2010/main">
                 <a:solidFill>
                   <a:schemeClr val="accent1"/>
                 </a:solidFill>
               </a14:hiddenFill>
             </a:ext>
             <a:ext uri="{91240B29-F687-4F45-9708-019B960494DF}">
-              <a14:hiddenLine xmlns:a14="http://schemas.microsoft.com/office/drawing/2010/main" xmlns="" w="9525">
+              <a14:hiddenLine xmlns:a14="http://schemas.microsoft.com/office/drawing/2010/main" w="9525">
                 <a:solidFill>
                   <a:schemeClr val="tx1"/>
                 </a:solidFill>
@@ -4497,7 +4497,7 @@
               </a14:hiddenLine>
             </a:ext>
             <a:ext uri="{AF507438-7753-43E0-B8FC-AC1667EBCBE1}">
-              <a14:hiddenEffects xmlns:a14="http://schemas.microsoft.com/office/drawing/2010/main" xmlns="">
+              <a14:hiddenEffects xmlns:a14="http://schemas.microsoft.com/office/drawing/2010/main">
                 <a:effectLst>
                   <a:outerShdw dist="35921" dir="2700000" algn="ctr" rotWithShape="0">
                     <a:schemeClr val="bg2"/>
@@ -4616,7 +4616,7 @@
     </p:spTree>
     <p:extLst>
       <p:ext uri="{BB962C8B-B14F-4D97-AF65-F5344CB8AC3E}">
-        <p14:creationId xmlns:p14="http://schemas.microsoft.com/office/powerpoint/2010/main" xmlns="" val="1134370508"/>
+        <p14:creationId xmlns:p14="http://schemas.microsoft.com/office/powerpoint/2010/main" val="1134370508"/>
       </p:ext>
     </p:extLst>
   </p:cSld>
@@ -4739,7 +4739,7 @@
           <a:blip r:embed="rId5" cstate="print">
             <a:extLst>
               <a:ext uri="{28A0092B-C50C-407E-A947-70E740481C1C}">
-                <a14:useLocalDpi xmlns:a14="http://schemas.microsoft.com/office/drawing/2010/main" xmlns="" val="0"/>
+                <a14:useLocalDpi xmlns:a14="http://schemas.microsoft.com/office/drawing/2010/main" val="0"/>
               </a:ext>
             </a:extLst>
           </a:blip>
@@ -4763,14 +4763,14 @@
           <a:effectLst/>
           <a:extLst>
             <a:ext uri="{909E8E84-426E-40DD-AFC4-6F175D3DCCD1}">
-              <a14:hiddenFill xmlns:a14="http://schemas.microsoft.com/office/drawing/2010/main" xmlns="">
+              <a14:hiddenFill xmlns:a14="http://schemas.microsoft.com/office/drawing/2010/main">
                 <a:solidFill>
                   <a:schemeClr val="accent1"/>
                 </a:solidFill>
               </a14:hiddenFill>
             </a:ext>
             <a:ext uri="{91240B29-F687-4F45-9708-019B960494DF}">
-              <a14:hiddenLine xmlns:a14="http://schemas.microsoft.com/office/drawing/2010/main" xmlns="" w="9525">
+              <a14:hiddenLine xmlns:a14="http://schemas.microsoft.com/office/drawing/2010/main" w="9525">
                 <a:solidFill>
                   <a:schemeClr val="tx1"/>
                 </a:solidFill>
@@ -4780,7 +4780,7 @@
               </a14:hiddenLine>
             </a:ext>
             <a:ext uri="{AF507438-7753-43E0-B8FC-AC1667EBCBE1}">
-              <a14:hiddenEffects xmlns:a14="http://schemas.microsoft.com/office/drawing/2010/main" xmlns="">
+              <a14:hiddenEffects xmlns:a14="http://schemas.microsoft.com/office/drawing/2010/main">
                 <a:effectLst>
                   <a:outerShdw dist="35921" dir="2700000" algn="ctr" rotWithShape="0">
                     <a:schemeClr val="bg2"/>
@@ -4794,7 +4794,7 @@
     </p:spTree>
     <p:extLst>
       <p:ext uri="{BB962C8B-B14F-4D97-AF65-F5344CB8AC3E}">
-        <p14:creationId xmlns:p14="http://schemas.microsoft.com/office/powerpoint/2010/main" xmlns="" val="3352962733"/>
+        <p14:creationId xmlns:p14="http://schemas.microsoft.com/office/powerpoint/2010/main" val="3352962733"/>
       </p:ext>
     </p:extLst>
   </p:cSld>
@@ -4844,7 +4844,7 @@
           <a:blip r:embed="rId4" cstate="print">
             <a:extLst>
               <a:ext uri="{28A0092B-C50C-407E-A947-70E740481C1C}">
-                <a14:useLocalDpi xmlns:a14="http://schemas.microsoft.com/office/drawing/2010/main" xmlns="" val="0"/>
+                <a14:useLocalDpi xmlns:a14="http://schemas.microsoft.com/office/drawing/2010/main" val="0"/>
               </a:ext>
             </a:extLst>
           </a:blip>
@@ -4868,14 +4868,14 @@
           <a:effectLst/>
           <a:extLst>
             <a:ext uri="{909E8E84-426E-40DD-AFC4-6F175D3DCCD1}">
-              <a14:hiddenFill xmlns:a14="http://schemas.microsoft.com/office/drawing/2010/main" xmlns="">
+              <a14:hiddenFill xmlns:a14="http://schemas.microsoft.com/office/drawing/2010/main">
                 <a:solidFill>
                   <a:schemeClr val="accent1"/>
                 </a:solidFill>
               </a14:hiddenFill>
             </a:ext>
             <a:ext uri="{91240B29-F687-4F45-9708-019B960494DF}">
-              <a14:hiddenLine xmlns:a14="http://schemas.microsoft.com/office/drawing/2010/main" xmlns="" w="9525">
+              <a14:hiddenLine xmlns:a14="http://schemas.microsoft.com/office/drawing/2010/main" w="9525">
                 <a:solidFill>
                   <a:schemeClr val="tx1"/>
                 </a:solidFill>
@@ -4885,7 +4885,7 @@
               </a14:hiddenLine>
             </a:ext>
             <a:ext uri="{AF507438-7753-43E0-B8FC-AC1667EBCBE1}">
-              <a14:hiddenEffects xmlns:a14="http://schemas.microsoft.com/office/drawing/2010/main" xmlns="">
+              <a14:hiddenEffects xmlns:a14="http://schemas.microsoft.com/office/drawing/2010/main">
                 <a:effectLst>
                   <a:outerShdw dist="35921" dir="2700000" algn="ctr" rotWithShape="0">
                     <a:schemeClr val="bg2"/>
@@ -4945,7 +4945,7 @@
     </p:spTree>
     <p:extLst>
       <p:ext uri="{BB962C8B-B14F-4D97-AF65-F5344CB8AC3E}">
-        <p14:creationId xmlns:p14="http://schemas.microsoft.com/office/powerpoint/2010/main" xmlns="" val="2816162945"/>
+        <p14:creationId xmlns:p14="http://schemas.microsoft.com/office/powerpoint/2010/main" val="2816162945"/>
       </p:ext>
     </p:extLst>
   </p:cSld>
@@ -5029,11 +5029,7 @@
           <a:p>
             <a:r>
               <a:rPr lang="fr-FR" dirty="0" smtClean="0"/>
-              <a:t>Afin </a:t>
-            </a:r>
-            <a:r>
-              <a:rPr lang="fr-FR" dirty="0" smtClean="0"/>
-              <a:t>de prendre en compte le réalisateur, nous créons une variable « </a:t>
+              <a:t>Afin de prendre en compte le réalisateur, nous créons une variable « </a:t>
             </a:r>
             <a:r>
               <a:rPr lang="fr-FR" dirty="0" err="1" smtClean="0"/>
@@ -5041,9 +5037,16 @@
             </a:r>
             <a:r>
               <a:rPr lang="fr-FR" dirty="0" smtClean="0"/>
-              <a:t> » égal au nombre de films présents réalisés par ce directeur</a:t>
-            </a:r>
-            <a:endParaRPr lang="fr-FR" dirty="0" smtClean="0"/>
+              <a:t> » égal au nombre de </a:t>
+            </a:r>
+            <a:r>
+              <a:rPr lang="fr-FR" dirty="0" smtClean="0"/>
+              <a:t>films </a:t>
+            </a:r>
+            <a:r>
+              <a:rPr lang="fr-FR" dirty="0" smtClean="0"/>
+              <a:t>réalisés par ce directeur</a:t>
+            </a:r>
           </a:p>
         </p:txBody>
       </p:sp>
@@ -5225,7 +5228,7 @@
     </p:spTree>
     <p:extLst>
       <p:ext uri="{BB962C8B-B14F-4D97-AF65-F5344CB8AC3E}">
-        <p14:creationId xmlns:p14="http://schemas.microsoft.com/office/powerpoint/2010/main" xmlns="" val="2938571504"/>
+        <p14:creationId xmlns:p14="http://schemas.microsoft.com/office/powerpoint/2010/main" val="2938571504"/>
       </p:ext>
     </p:extLst>
   </p:cSld>
@@ -5274,7 +5277,7 @@
         </p:nvSpPr>
         <p:spPr>
           <a:xfrm>
-            <a:off x="2915816" y="3861048"/>
+            <a:off x="2843808" y="4437112"/>
             <a:ext cx="7848872" cy="62880"/>
           </a:xfrm>
         </p:spPr>
@@ -5287,8 +5290,22 @@
               <a:t>4. </a:t>
             </a:r>
             <a:r>
+              <a:rPr lang="fr-FR" sz="3200" dirty="0" smtClean="0"/>
+              <a:t>Modélisation</a:t>
+            </a:r>
+            <a:br>
+              <a:rPr lang="fr-FR" sz="3200" dirty="0" smtClean="0"/>
+            </a:br>
+            <a:r>
+              <a:rPr lang="fr-FR" sz="3200" dirty="0" smtClean="0"/>
+              <a:t/>
+            </a:r>
+            <a:br>
+              <a:rPr lang="fr-FR" sz="3200" dirty="0" smtClean="0"/>
+            </a:br>
+            <a:r>
               <a:rPr lang="fr-FR" sz="3200" dirty="0"/>
-              <a:t>Modélisation</a:t>
+              <a:t/>
             </a:r>
             <a:br>
               <a:rPr lang="fr-FR" sz="3200" dirty="0"/>
@@ -5297,10 +5314,65 @@
           </a:p>
         </p:txBody>
       </p:sp>
+      <p:sp>
+        <p:nvSpPr>
+          <p:cNvPr id="3" name="ZoneTexte 2"/>
+          <p:cNvSpPr txBox="1"/>
+          <p:nvPr/>
+        </p:nvSpPr>
+        <p:spPr>
+          <a:xfrm>
+            <a:off x="3275856" y="3329409"/>
+            <a:ext cx="3018775" cy="1384995"/>
+          </a:xfrm>
+          <a:prstGeom prst="rect">
+            <a:avLst/>
+          </a:prstGeom>
+          <a:noFill/>
+        </p:spPr>
+        <p:txBody>
+          <a:bodyPr wrap="none" rtlCol="0">
+            <a:spAutoFit/>
+          </a:bodyPr>
+          <a:lstStyle/>
+          <a:p>
+            <a:pPr marL="457200" indent="-457200">
+              <a:buFont typeface="Arial" pitchFamily="34" charset="0"/>
+              <a:buChar char="•"/>
+            </a:pPr>
+            <a:r>
+              <a:rPr lang="fr-FR" sz="2800" dirty="0" smtClean="0"/>
+              <a:t>PCA</a:t>
+            </a:r>
+          </a:p>
+          <a:p>
+            <a:pPr marL="457200" indent="-457200">
+              <a:buFont typeface="Arial" pitchFamily="34" charset="0"/>
+              <a:buChar char="•"/>
+            </a:pPr>
+            <a:r>
+              <a:rPr lang="fr-FR" sz="2800" dirty="0" err="1" smtClean="0"/>
+              <a:t>Kmeans</a:t>
+            </a:r>
+            <a:endParaRPr lang="fr-FR" sz="2800" dirty="0" smtClean="0"/>
+          </a:p>
+          <a:p>
+            <a:pPr marL="457200" indent="-457200">
+              <a:buFont typeface="Arial" pitchFamily="34" charset="0"/>
+              <a:buChar char="•"/>
+            </a:pPr>
+            <a:r>
+              <a:rPr lang="fr-FR" sz="2800" dirty="0" err="1" smtClean="0"/>
+              <a:t>NearestNeighbors</a:t>
+            </a:r>
+            <a:endParaRPr lang="fr-FR" sz="2800" dirty="0"/>
+          </a:p>
+        </p:txBody>
+      </p:sp>
     </p:spTree>
     <p:extLst>
       <p:ext uri="{BB962C8B-B14F-4D97-AF65-F5344CB8AC3E}">
-        <p14:creationId xmlns:p14="http://schemas.microsoft.com/office/powerpoint/2010/main" xmlns="" val="3261211585"/>
+        <p14:creationId xmlns:p14="http://schemas.microsoft.com/office/powerpoint/2010/main" val="3261211585"/>
       </p:ext>
     </p:extLst>
   </p:cSld>
@@ -5376,7 +5448,7 @@
           <a:blip r:embed="rId5" cstate="print">
             <a:extLst>
               <a:ext uri="{28A0092B-C50C-407E-A947-70E740481C1C}">
-                <a14:useLocalDpi xmlns:a14="http://schemas.microsoft.com/office/drawing/2010/main" xmlns="" val="0"/>
+                <a14:useLocalDpi xmlns:a14="http://schemas.microsoft.com/office/drawing/2010/main" val="0"/>
               </a:ext>
             </a:extLst>
           </a:blip>
@@ -5400,14 +5472,14 @@
           <a:effectLst/>
           <a:extLst>
             <a:ext uri="{909E8E84-426E-40DD-AFC4-6F175D3DCCD1}">
-              <a14:hiddenFill xmlns:a14="http://schemas.microsoft.com/office/drawing/2010/main" xmlns="">
+              <a14:hiddenFill xmlns:a14="http://schemas.microsoft.com/office/drawing/2010/main">
                 <a:solidFill>
                   <a:schemeClr val="accent1"/>
                 </a:solidFill>
               </a14:hiddenFill>
             </a:ext>
             <a:ext uri="{91240B29-F687-4F45-9708-019B960494DF}">
-              <a14:hiddenLine xmlns:a14="http://schemas.microsoft.com/office/drawing/2010/main" xmlns="" w="9525">
+              <a14:hiddenLine xmlns:a14="http://schemas.microsoft.com/office/drawing/2010/main" w="9525">
                 <a:solidFill>
                   <a:schemeClr val="tx1"/>
                 </a:solidFill>
@@ -5417,7 +5489,7 @@
               </a14:hiddenLine>
             </a:ext>
             <a:ext uri="{AF507438-7753-43E0-B8FC-AC1667EBCBE1}">
-              <a14:hiddenEffects xmlns:a14="http://schemas.microsoft.com/office/drawing/2010/main" xmlns="">
+              <a14:hiddenEffects xmlns:a14="http://schemas.microsoft.com/office/drawing/2010/main">
                 <a:effectLst>
                   <a:outerShdw dist="35921" dir="2700000" algn="ctr" rotWithShape="0">
                     <a:schemeClr val="bg2"/>
@@ -5497,7 +5569,7 @@
     </p:spTree>
     <p:extLst>
       <p:ext uri="{BB962C8B-B14F-4D97-AF65-F5344CB8AC3E}">
-        <p14:creationId xmlns:p14="http://schemas.microsoft.com/office/powerpoint/2010/main" xmlns="" val="1609523828"/>
+        <p14:creationId xmlns:p14="http://schemas.microsoft.com/office/powerpoint/2010/main" val="1609523828"/>
       </p:ext>
     </p:extLst>
   </p:cSld>
@@ -5570,7 +5642,12 @@
             </p:custDataLst>
           </p:nvPr>
         </p:nvSpPr>
-        <p:spPr/>
+        <p:spPr>
+          <a:xfrm>
+            <a:off x="1979712" y="1988840"/>
+            <a:ext cx="6482680" cy="3556992"/>
+          </a:xfrm>
+        </p:spPr>
         <p:txBody>
           <a:bodyPr>
             <a:normAutofit/>
@@ -5649,7 +5726,7 @@
     </p:spTree>
     <p:extLst>
       <p:ext uri="{BB962C8B-B14F-4D97-AF65-F5344CB8AC3E}">
-        <p14:creationId xmlns:p14="http://schemas.microsoft.com/office/powerpoint/2010/main" xmlns="" val="3169358650"/>
+        <p14:creationId xmlns:p14="http://schemas.microsoft.com/office/powerpoint/2010/main" val="3169358650"/>
       </p:ext>
     </p:extLst>
   </p:cSld>
@@ -5725,7 +5802,7 @@
           <a:blip r:embed="rId5" cstate="print">
             <a:extLst>
               <a:ext uri="{28A0092B-C50C-407E-A947-70E740481C1C}">
-                <a14:useLocalDpi xmlns:a14="http://schemas.microsoft.com/office/drawing/2010/main" xmlns="" val="0"/>
+                <a14:useLocalDpi xmlns:a14="http://schemas.microsoft.com/office/drawing/2010/main" val="0"/>
               </a:ext>
             </a:extLst>
           </a:blip>
@@ -5749,14 +5826,14 @@
           <a:effectLst/>
           <a:extLst>
             <a:ext uri="{909E8E84-426E-40DD-AFC4-6F175D3DCCD1}">
-              <a14:hiddenFill xmlns:a14="http://schemas.microsoft.com/office/drawing/2010/main" xmlns="">
+              <a14:hiddenFill xmlns:a14="http://schemas.microsoft.com/office/drawing/2010/main">
                 <a:solidFill>
                   <a:schemeClr val="accent1"/>
                 </a:solidFill>
               </a14:hiddenFill>
             </a:ext>
             <a:ext uri="{91240B29-F687-4F45-9708-019B960494DF}">
-              <a14:hiddenLine xmlns:a14="http://schemas.microsoft.com/office/drawing/2010/main" xmlns="" w="9525">
+              <a14:hiddenLine xmlns:a14="http://schemas.microsoft.com/office/drawing/2010/main" w="9525">
                 <a:solidFill>
                   <a:schemeClr val="tx1"/>
                 </a:solidFill>
@@ -5766,7 +5843,7 @@
               </a14:hiddenLine>
             </a:ext>
             <a:ext uri="{AF507438-7753-43E0-B8FC-AC1667EBCBE1}">
-              <a14:hiddenEffects xmlns:a14="http://schemas.microsoft.com/office/drawing/2010/main" xmlns="">
+              <a14:hiddenEffects xmlns:a14="http://schemas.microsoft.com/office/drawing/2010/main">
                 <a:effectLst>
                   <a:outerShdw dist="35921" dir="2700000" algn="ctr" rotWithShape="0">
                     <a:schemeClr val="bg2"/>
@@ -5793,7 +5870,7 @@
           <a:blip r:embed="rId6" cstate="print">
             <a:extLst>
               <a:ext uri="{28A0092B-C50C-407E-A947-70E740481C1C}">
-                <a14:useLocalDpi xmlns:a14="http://schemas.microsoft.com/office/drawing/2010/main" xmlns="" val="0"/>
+                <a14:useLocalDpi xmlns:a14="http://schemas.microsoft.com/office/drawing/2010/main" val="0"/>
               </a:ext>
             </a:extLst>
           </a:blip>
@@ -5817,14 +5894,14 @@
           <a:effectLst/>
           <a:extLst>
             <a:ext uri="{909E8E84-426E-40DD-AFC4-6F175D3DCCD1}">
-              <a14:hiddenFill xmlns:a14="http://schemas.microsoft.com/office/drawing/2010/main" xmlns="">
+              <a14:hiddenFill xmlns:a14="http://schemas.microsoft.com/office/drawing/2010/main">
                 <a:solidFill>
                   <a:schemeClr val="accent1"/>
                 </a:solidFill>
               </a14:hiddenFill>
             </a:ext>
             <a:ext uri="{91240B29-F687-4F45-9708-019B960494DF}">
-              <a14:hiddenLine xmlns:a14="http://schemas.microsoft.com/office/drawing/2010/main" xmlns="" w="9525">
+              <a14:hiddenLine xmlns:a14="http://schemas.microsoft.com/office/drawing/2010/main" w="9525">
                 <a:solidFill>
                   <a:schemeClr val="tx1"/>
                 </a:solidFill>
@@ -5834,7 +5911,7 @@
               </a14:hiddenLine>
             </a:ext>
             <a:ext uri="{AF507438-7753-43E0-B8FC-AC1667EBCBE1}">
-              <a14:hiddenEffects xmlns:a14="http://schemas.microsoft.com/office/drawing/2010/main" xmlns="">
+              <a14:hiddenEffects xmlns:a14="http://schemas.microsoft.com/office/drawing/2010/main">
                 <a:effectLst>
                   <a:outerShdw dist="35921" dir="2700000" algn="ctr" rotWithShape="0">
                     <a:schemeClr val="bg2"/>
@@ -5848,7 +5925,7 @@
     </p:spTree>
     <p:extLst>
       <p:ext uri="{BB962C8B-B14F-4D97-AF65-F5344CB8AC3E}">
-        <p14:creationId xmlns:p14="http://schemas.microsoft.com/office/powerpoint/2010/main" xmlns="" val="180601871"/>
+        <p14:creationId xmlns:p14="http://schemas.microsoft.com/office/powerpoint/2010/main" val="180601871"/>
       </p:ext>
     </p:extLst>
   </p:cSld>
@@ -5929,7 +6006,7 @@
           <a:blip r:embed="rId5" cstate="print">
             <a:extLst>
               <a:ext uri="{28A0092B-C50C-407E-A947-70E740481C1C}">
-                <a14:useLocalDpi xmlns:a14="http://schemas.microsoft.com/office/drawing/2010/main" xmlns="" val="0"/>
+                <a14:useLocalDpi xmlns:a14="http://schemas.microsoft.com/office/drawing/2010/main" val="0"/>
               </a:ext>
             </a:extLst>
           </a:blip>
@@ -5953,14 +6030,14 @@
           <a:effectLst/>
           <a:extLst>
             <a:ext uri="{909E8E84-426E-40DD-AFC4-6F175D3DCCD1}">
-              <a14:hiddenFill xmlns:a14="http://schemas.microsoft.com/office/drawing/2010/main" xmlns="">
+              <a14:hiddenFill xmlns:a14="http://schemas.microsoft.com/office/drawing/2010/main">
                 <a:solidFill>
                   <a:schemeClr val="accent1"/>
                 </a:solidFill>
               </a14:hiddenFill>
             </a:ext>
             <a:ext uri="{91240B29-F687-4F45-9708-019B960494DF}">
-              <a14:hiddenLine xmlns:a14="http://schemas.microsoft.com/office/drawing/2010/main" xmlns="" w="9525">
+              <a14:hiddenLine xmlns:a14="http://schemas.microsoft.com/office/drawing/2010/main" w="9525">
                 <a:solidFill>
                   <a:schemeClr val="tx1"/>
                 </a:solidFill>
@@ -5970,7 +6047,7 @@
               </a14:hiddenLine>
             </a:ext>
             <a:ext uri="{AF507438-7753-43E0-B8FC-AC1667EBCBE1}">
-              <a14:hiddenEffects xmlns:a14="http://schemas.microsoft.com/office/drawing/2010/main" xmlns="">
+              <a14:hiddenEffects xmlns:a14="http://schemas.microsoft.com/office/drawing/2010/main">
                 <a:effectLst>
                   <a:outerShdw dist="35921" dir="2700000" algn="ctr" rotWithShape="0">
                     <a:schemeClr val="bg2"/>
@@ -6071,7 +6148,7 @@
     </p:spTree>
     <p:extLst>
       <p:ext uri="{BB962C8B-B14F-4D97-AF65-F5344CB8AC3E}">
-        <p14:creationId xmlns:p14="http://schemas.microsoft.com/office/powerpoint/2010/main" xmlns="" val="3434015581"/>
+        <p14:creationId xmlns:p14="http://schemas.microsoft.com/office/powerpoint/2010/main" val="3434015581"/>
       </p:ext>
     </p:extLst>
   </p:cSld>
@@ -6156,7 +6233,7 @@
           <a:blip r:embed="rId5" cstate="print">
             <a:extLst>
               <a:ext uri="{28A0092B-C50C-407E-A947-70E740481C1C}">
-                <a14:useLocalDpi xmlns:a14="http://schemas.microsoft.com/office/drawing/2010/main" xmlns="" val="0"/>
+                <a14:useLocalDpi xmlns:a14="http://schemas.microsoft.com/office/drawing/2010/main" val="0"/>
               </a:ext>
             </a:extLst>
           </a:blip>
@@ -6180,14 +6257,14 @@
           <a:effectLst/>
           <a:extLst>
             <a:ext uri="{909E8E84-426E-40DD-AFC4-6F175D3DCCD1}">
-              <a14:hiddenFill xmlns:a14="http://schemas.microsoft.com/office/drawing/2010/main" xmlns="">
+              <a14:hiddenFill xmlns:a14="http://schemas.microsoft.com/office/drawing/2010/main">
                 <a:solidFill>
                   <a:schemeClr val="accent1"/>
                 </a:solidFill>
               </a14:hiddenFill>
             </a:ext>
             <a:ext uri="{91240B29-F687-4F45-9708-019B960494DF}">
-              <a14:hiddenLine xmlns:a14="http://schemas.microsoft.com/office/drawing/2010/main" xmlns="" w="9525">
+              <a14:hiddenLine xmlns:a14="http://schemas.microsoft.com/office/drawing/2010/main" w="9525">
                 <a:solidFill>
                   <a:schemeClr val="tx1"/>
                 </a:solidFill>
@@ -6197,7 +6274,7 @@
               </a14:hiddenLine>
             </a:ext>
             <a:ext uri="{AF507438-7753-43E0-B8FC-AC1667EBCBE1}">
-              <a14:hiddenEffects xmlns:a14="http://schemas.microsoft.com/office/drawing/2010/main" xmlns="">
+              <a14:hiddenEffects xmlns:a14="http://schemas.microsoft.com/office/drawing/2010/main">
                 <a:effectLst>
                   <a:outerShdw dist="35921" dir="2700000" algn="ctr" rotWithShape="0">
                     <a:schemeClr val="bg2"/>
@@ -6259,7 +6336,7 @@
     </p:spTree>
     <p:extLst>
       <p:ext uri="{BB962C8B-B14F-4D97-AF65-F5344CB8AC3E}">
-        <p14:creationId xmlns:p14="http://schemas.microsoft.com/office/powerpoint/2010/main" xmlns="" val="4254911022"/>
+        <p14:creationId xmlns:p14="http://schemas.microsoft.com/office/powerpoint/2010/main" val="4254911022"/>
       </p:ext>
     </p:extLst>
   </p:cSld>
@@ -6375,15 +6452,20 @@
             </a:pPr>
             <a:r>
               <a:rPr lang="fr-FR" sz="2400" dirty="0" smtClean="0"/>
-              <a:t>Classement par score IMBD</a:t>
-            </a:r>
+              <a:t>Classement par score </a:t>
+            </a:r>
+            <a:r>
+              <a:rPr lang="fr-FR" sz="2400" dirty="0" smtClean="0"/>
+              <a:t>IMDB</a:t>
+            </a:r>
+            <a:endParaRPr lang="fr-FR" sz="2400" dirty="0" smtClean="0"/>
           </a:p>
         </p:txBody>
       </p:sp>
     </p:spTree>
     <p:extLst>
       <p:ext uri="{BB962C8B-B14F-4D97-AF65-F5344CB8AC3E}">
-        <p14:creationId xmlns:p14="http://schemas.microsoft.com/office/powerpoint/2010/main" xmlns="" val="299747357"/>
+        <p14:creationId xmlns:p14="http://schemas.microsoft.com/office/powerpoint/2010/main" val="299747357"/>
       </p:ext>
     </p:extLst>
   </p:cSld>
@@ -6454,21 +6536,17 @@
       </p:sp>
       <p:pic>
         <p:nvPicPr>
-          <p:cNvPr id="10242" name="Picture 2"/>
+          <p:cNvPr id="1026" name="Picture 2"/>
           <p:cNvPicPr>
             <a:picLocks noChangeAspect="1" noChangeArrowheads="1"/>
           </p:cNvPicPr>
-          <p:nvPr>
-            <p:custDataLst>
-              <p:tags r:id="rId2"/>
-            </p:custDataLst>
-          </p:nvPr>
+          <p:nvPr/>
         </p:nvPicPr>
         <p:blipFill>
-          <a:blip r:embed="rId4" cstate="print">
+          <a:blip r:embed="rId3">
             <a:extLst>
               <a:ext uri="{28A0092B-C50C-407E-A947-70E740481C1C}">
-                <a14:useLocalDpi xmlns:a14="http://schemas.microsoft.com/office/drawing/2010/main" xmlns="" val="0"/>
+                <a14:useLocalDpi xmlns:a14="http://schemas.microsoft.com/office/drawing/2010/main" val="0"/>
               </a:ext>
             </a:extLst>
           </a:blip>
@@ -6479,8 +6557,8 @@
         </p:blipFill>
         <p:spPr bwMode="auto">
           <a:xfrm>
-            <a:off x="447749" y="1556792"/>
-            <a:ext cx="8385175" cy="3697287"/>
+            <a:off x="369888" y="1570038"/>
+            <a:ext cx="8404225" cy="3716337"/>
           </a:xfrm>
           <a:prstGeom prst="rect">
             <a:avLst/>
@@ -6492,14 +6570,14 @@
           <a:effectLst/>
           <a:extLst>
             <a:ext uri="{909E8E84-426E-40DD-AFC4-6F175D3DCCD1}">
-              <a14:hiddenFill xmlns:a14="http://schemas.microsoft.com/office/drawing/2010/main" xmlns="">
+              <a14:hiddenFill xmlns:a14="http://schemas.microsoft.com/office/drawing/2010/main">
                 <a:solidFill>
                   <a:schemeClr val="accent1"/>
                 </a:solidFill>
               </a14:hiddenFill>
             </a:ext>
             <a:ext uri="{91240B29-F687-4F45-9708-019B960494DF}">
-              <a14:hiddenLine xmlns:a14="http://schemas.microsoft.com/office/drawing/2010/main" xmlns="" w="9525">
+              <a14:hiddenLine xmlns:a14="http://schemas.microsoft.com/office/drawing/2010/main" w="9525">
                 <a:solidFill>
                   <a:schemeClr val="tx1"/>
                 </a:solidFill>
@@ -6509,7 +6587,7 @@
               </a14:hiddenLine>
             </a:ext>
             <a:ext uri="{AF507438-7753-43E0-B8FC-AC1667EBCBE1}">
-              <a14:hiddenEffects xmlns:a14="http://schemas.microsoft.com/office/drawing/2010/main" xmlns="">
+              <a14:hiddenEffects xmlns:a14="http://schemas.microsoft.com/office/drawing/2010/main">
                 <a:effectLst>
                   <a:outerShdw dist="35921" dir="2700000" algn="ctr" rotWithShape="0">
                     <a:schemeClr val="bg2"/>
@@ -6523,7 +6601,7 @@
     </p:spTree>
     <p:extLst>
       <p:ext uri="{BB962C8B-B14F-4D97-AF65-F5344CB8AC3E}">
-        <p14:creationId xmlns:p14="http://schemas.microsoft.com/office/powerpoint/2010/main" xmlns="" val="2536859922"/>
+        <p14:creationId xmlns:p14="http://schemas.microsoft.com/office/powerpoint/2010/main" val="2536859922"/>
       </p:ext>
     </p:extLst>
   </p:cSld>
@@ -6598,7 +6676,7 @@
     </p:spTree>
     <p:extLst>
       <p:ext uri="{BB962C8B-B14F-4D97-AF65-F5344CB8AC3E}">
-        <p14:creationId xmlns:p14="http://schemas.microsoft.com/office/powerpoint/2010/main" xmlns="" val="738188909"/>
+        <p14:creationId xmlns:p14="http://schemas.microsoft.com/office/powerpoint/2010/main" val="738188909"/>
       </p:ext>
     </p:extLst>
   </p:cSld>
@@ -6715,19 +6793,19 @@
             </a:pPr>
             <a:r>
               <a:rPr lang="fr-FR" dirty="0" smtClean="0">
-                <a:hlinkClick r:id="rId5"/>
+                <a:hlinkClick r:id="rId4"/>
               </a:rPr>
               <a:t>https</a:t>
             </a:r>
             <a:r>
               <a:rPr lang="fr-FR" dirty="0">
-                <a:hlinkClick r:id="rId5"/>
+                <a:hlinkClick r:id="rId4"/>
               </a:rPr>
               <a:t>://</a:t>
             </a:r>
             <a:r>
               <a:rPr lang="fr-FR" dirty="0" smtClean="0">
-                <a:hlinkClick r:id="rId5"/>
+                <a:hlinkClick r:id="rId4"/>
               </a:rPr>
               <a:t>www.pythonanywhere.com</a:t>
             </a:r>
@@ -6747,15 +6825,7 @@
             </a:pPr>
             <a:r>
               <a:rPr lang="fr-FR" dirty="0" smtClean="0"/>
-              <a:t>http://umercia.pythonanywhere.com</a:t>
-            </a:r>
-            <a:r>
-              <a:rPr lang="fr-FR" dirty="0" smtClean="0"/>
-              <a:t>/recommend</a:t>
-            </a:r>
-            <a:r>
-              <a:rPr lang="fr-FR" dirty="0" smtClean="0"/>
-              <a:t>/{movie_title}</a:t>
+              <a:t>http://umercia.pythonanywhere.com/recommend/{movie_title}</a:t>
             </a:r>
             <a:endParaRPr lang="fr-FR" dirty="0"/>
           </a:p>
@@ -6763,21 +6833,17 @@
       </p:sp>
       <p:pic>
         <p:nvPicPr>
-          <p:cNvPr id="11268" name="Picture 4"/>
+          <p:cNvPr id="2050" name="Picture 2"/>
           <p:cNvPicPr>
             <a:picLocks noChangeAspect="1" noChangeArrowheads="1"/>
           </p:cNvPicPr>
-          <p:nvPr>
-            <p:custDataLst>
-              <p:tags r:id="rId3"/>
-            </p:custDataLst>
-          </p:nvPr>
+          <p:nvPr/>
         </p:nvPicPr>
         <p:blipFill>
-          <a:blip r:embed="rId6" cstate="print">
+          <a:blip r:embed="rId5">
             <a:extLst>
               <a:ext uri="{28A0092B-C50C-407E-A947-70E740481C1C}">
-                <a14:useLocalDpi xmlns:a14="http://schemas.microsoft.com/office/drawing/2010/main" xmlns="" val="0"/>
+                <a14:useLocalDpi xmlns:a14="http://schemas.microsoft.com/office/drawing/2010/main" val="0"/>
               </a:ext>
             </a:extLst>
           </a:blip>
@@ -6788,8 +6854,8 @@
         </p:blipFill>
         <p:spPr bwMode="auto">
           <a:xfrm>
-            <a:off x="729283" y="3573016"/>
-            <a:ext cx="7632848" cy="1512592"/>
+            <a:off x="611560" y="3861048"/>
+            <a:ext cx="7920880" cy="1156475"/>
           </a:xfrm>
           <a:prstGeom prst="rect">
             <a:avLst/>
@@ -6801,14 +6867,14 @@
           <a:effectLst/>
           <a:extLst>
             <a:ext uri="{909E8E84-426E-40DD-AFC4-6F175D3DCCD1}">
-              <a14:hiddenFill xmlns:a14="http://schemas.microsoft.com/office/drawing/2010/main" xmlns="">
+              <a14:hiddenFill xmlns:a14="http://schemas.microsoft.com/office/drawing/2010/main">
                 <a:solidFill>
                   <a:schemeClr val="accent1"/>
                 </a:solidFill>
               </a14:hiddenFill>
             </a:ext>
             <a:ext uri="{91240B29-F687-4F45-9708-019B960494DF}">
-              <a14:hiddenLine xmlns:a14="http://schemas.microsoft.com/office/drawing/2010/main" xmlns="" w="9525">
+              <a14:hiddenLine xmlns:a14="http://schemas.microsoft.com/office/drawing/2010/main" w="9525">
                 <a:solidFill>
                   <a:schemeClr val="tx1"/>
                 </a:solidFill>
@@ -6818,7 +6884,7 @@
               </a14:hiddenLine>
             </a:ext>
             <a:ext uri="{AF507438-7753-43E0-B8FC-AC1667EBCBE1}">
-              <a14:hiddenEffects xmlns:a14="http://schemas.microsoft.com/office/drawing/2010/main" xmlns="">
+              <a14:hiddenEffects xmlns:a14="http://schemas.microsoft.com/office/drawing/2010/main">
                 <a:effectLst>
                   <a:outerShdw dist="35921" dir="2700000" algn="ctr" rotWithShape="0">
                     <a:schemeClr val="bg2"/>
@@ -6832,7 +6898,7 @@
     </p:spTree>
     <p:extLst>
       <p:ext uri="{BB962C8B-B14F-4D97-AF65-F5344CB8AC3E}">
-        <p14:creationId xmlns:p14="http://schemas.microsoft.com/office/powerpoint/2010/main" xmlns="" val="2841751922"/>
+        <p14:creationId xmlns:p14="http://schemas.microsoft.com/office/powerpoint/2010/main" val="2841751922"/>
       </p:ext>
     </p:extLst>
   </p:cSld>
@@ -6907,7 +6973,7 @@
     </p:spTree>
     <p:extLst>
       <p:ext uri="{BB962C8B-B14F-4D97-AF65-F5344CB8AC3E}">
-        <p14:creationId xmlns:p14="http://schemas.microsoft.com/office/powerpoint/2010/main" xmlns="" val="240067617"/>
+        <p14:creationId xmlns:p14="http://schemas.microsoft.com/office/powerpoint/2010/main" val="240067617"/>
       </p:ext>
     </p:extLst>
   </p:cSld>
@@ -6980,7 +7046,12 @@
             </p:custDataLst>
           </p:nvPr>
         </p:nvSpPr>
-        <p:spPr/>
+        <p:spPr>
+          <a:xfrm>
+            <a:off x="609600" y="1618456"/>
+            <a:ext cx="7924800" cy="4114800"/>
+          </a:xfrm>
+        </p:spPr>
         <p:txBody>
           <a:bodyPr/>
           <a:lstStyle/>
@@ -7018,7 +7089,15 @@
             </a:r>
             <a:r>
               <a:rPr lang="fr-FR" dirty="0"/>
-              <a:t> vous devrez élaborer une API capable de retourner 5 recommandations de films similaires et intéressants pour le visiteur. Ceci à partir d’une requête d’un nom de film (ou un id</a:t>
+              <a:t> vous devrez élaborer une API capable de retourner 5 </a:t>
+            </a:r>
+            <a:r>
+              <a:rPr lang="fr-FR" b="1" dirty="0"/>
+              <a:t>recommandations</a:t>
+            </a:r>
+            <a:r>
+              <a:rPr lang="fr-FR" dirty="0"/>
+              <a:t> de films similaires et intéressants pour le visiteur. Ceci à partir d’une requête d’un nom de film (ou un id</a:t>
             </a:r>
             <a:r>
               <a:rPr lang="fr-FR" dirty="0" smtClean="0"/>
@@ -7064,7 +7143,7 @@
     </p:spTree>
     <p:extLst>
       <p:ext uri="{BB962C8B-B14F-4D97-AF65-F5344CB8AC3E}">
-        <p14:creationId xmlns:p14="http://schemas.microsoft.com/office/powerpoint/2010/main" xmlns="" val="2609009839"/>
+        <p14:creationId xmlns:p14="http://schemas.microsoft.com/office/powerpoint/2010/main" val="2609009839"/>
       </p:ext>
     </p:extLst>
   </p:cSld>
@@ -7098,41 +7177,6 @@
           <a:chExt cx="0" cy="0"/>
         </a:xfrm>
       </p:grpSpPr>
-      <p:sp>
-        <p:nvSpPr>
-          <p:cNvPr id="2" name="Titre 1"/>
-          <p:cNvSpPr>
-            <a:spLocks noGrp="1"/>
-          </p:cNvSpPr>
-          <p:nvPr>
-            <p:ph type="title"/>
-            <p:custDataLst>
-              <p:tags r:id="rId1"/>
-            </p:custDataLst>
-          </p:nvPr>
-        </p:nvSpPr>
-        <p:spPr>
-          <a:xfrm>
-            <a:off x="609600" y="274638"/>
-            <a:ext cx="7924800" cy="562074"/>
-          </a:xfrm>
-        </p:spPr>
-        <p:txBody>
-          <a:bodyPr/>
-          <a:lstStyle/>
-          <a:p>
-            <a:r>
-              <a:rPr lang="fr-FR" dirty="0" smtClean="0"/>
-              <a:t>Input data: </a:t>
-            </a:r>
-            <a:r>
-              <a:rPr lang="fr-FR" dirty="0" err="1" smtClean="0"/>
-              <a:t>IMDb</a:t>
-            </a:r>
-            <a:endParaRPr lang="fr-FR" dirty="0"/>
-          </a:p>
-        </p:txBody>
-      </p:sp>
       <p:pic>
         <p:nvPicPr>
           <p:cNvPr id="1026" name="Picture 2"/>
@@ -7142,15 +7186,15 @@
           <p:nvPr>
             <p:ph sz="quarter" idx="13"/>
             <p:custDataLst>
-              <p:tags r:id="rId2"/>
+              <p:tags r:id="rId1"/>
             </p:custDataLst>
           </p:nvPr>
         </p:nvPicPr>
         <p:blipFill>
-          <a:blip r:embed="rId4" cstate="print">
+          <a:blip r:embed="rId3" cstate="print">
             <a:extLst>
               <a:ext uri="{28A0092B-C50C-407E-A947-70E740481C1C}">
-                <a14:useLocalDpi xmlns:a14="http://schemas.microsoft.com/office/drawing/2010/main" xmlns="" val="0"/>
+                <a14:useLocalDpi xmlns:a14="http://schemas.microsoft.com/office/drawing/2010/main" val="0"/>
               </a:ext>
             </a:extLst>
           </a:blip>
@@ -7161,8 +7205,8 @@
         </p:blipFill>
         <p:spPr bwMode="auto">
           <a:xfrm>
-            <a:off x="1691680" y="908720"/>
-            <a:ext cx="5613317" cy="4780054"/>
+            <a:off x="1041419" y="1844824"/>
+            <a:ext cx="7334429" cy="4704327"/>
           </a:xfrm>
           <a:prstGeom prst="rect">
             <a:avLst/>
@@ -7174,14 +7218,14 @@
           <a:effectLst/>
           <a:extLst>
             <a:ext uri="{909E8E84-426E-40DD-AFC4-6F175D3DCCD1}">
-              <a14:hiddenFill xmlns:a14="http://schemas.microsoft.com/office/drawing/2010/main" xmlns="">
+              <a14:hiddenFill xmlns:a14="http://schemas.microsoft.com/office/drawing/2010/main">
                 <a:solidFill>
                   <a:schemeClr val="accent1"/>
                 </a:solidFill>
               </a14:hiddenFill>
             </a:ext>
             <a:ext uri="{91240B29-F687-4F45-9708-019B960494DF}">
-              <a14:hiddenLine xmlns:a14="http://schemas.microsoft.com/office/drawing/2010/main" xmlns="" w="9525">
+              <a14:hiddenLine xmlns:a14="http://schemas.microsoft.com/office/drawing/2010/main" w="9525">
                 <a:solidFill>
                   <a:schemeClr val="tx1"/>
                 </a:solidFill>
@@ -7191,7 +7235,7 @@
               </a14:hiddenLine>
             </a:ext>
             <a:ext uri="{AF507438-7753-43E0-B8FC-AC1667EBCBE1}">
-              <a14:hiddenEffects xmlns:a14="http://schemas.microsoft.com/office/drawing/2010/main" xmlns="">
+              <a14:hiddenEffects xmlns:a14="http://schemas.microsoft.com/office/drawing/2010/main">
                 <a:effectLst>
                   <a:outerShdw dist="35921" dir="2700000" algn="ctr" rotWithShape="0">
                     <a:schemeClr val="bg2"/>
@@ -7202,10 +7246,144 @@
           </a:extLst>
         </p:spPr>
       </p:pic>
+      <p:sp>
+        <p:nvSpPr>
+          <p:cNvPr id="3" name="ZoneTexte 2"/>
+          <p:cNvSpPr txBox="1"/>
+          <p:nvPr/>
+        </p:nvSpPr>
+        <p:spPr>
+          <a:xfrm>
+            <a:off x="1031032" y="548680"/>
+            <a:ext cx="7344816" cy="1354217"/>
+          </a:xfrm>
+          <a:prstGeom prst="rect">
+            <a:avLst/>
+          </a:prstGeom>
+          <a:noFill/>
+        </p:spPr>
+        <p:txBody>
+          <a:bodyPr wrap="square" rtlCol="0">
+            <a:spAutoFit/>
+          </a:bodyPr>
+          <a:lstStyle/>
+          <a:p>
+            <a:pPr marL="285750" indent="-285750">
+              <a:buFont typeface="Arial" pitchFamily="34" charset="0"/>
+              <a:buChar char="•"/>
+            </a:pPr>
+            <a:r>
+              <a:rPr lang="fr-FR" sz="2800" dirty="0" smtClean="0"/>
+              <a:t>IMBD</a:t>
+            </a:r>
+            <a:r>
+              <a:rPr lang="fr-FR" dirty="0"/>
+              <a:t> </a:t>
+            </a:r>
+            <a:r>
+              <a:rPr lang="fr-FR" dirty="0" smtClean="0"/>
+              <a:t>- Internet </a:t>
+            </a:r>
+            <a:r>
+              <a:rPr lang="fr-FR" dirty="0" err="1" smtClean="0"/>
+              <a:t>Movie</a:t>
+            </a:r>
+            <a:r>
+              <a:rPr lang="fr-FR" dirty="0" smtClean="0"/>
+              <a:t> Data Base:</a:t>
+            </a:r>
+          </a:p>
+          <a:p>
+            <a:pPr marL="742950" lvl="1" indent="-285750">
+              <a:buFont typeface="Arial" pitchFamily="34" charset="0"/>
+              <a:buChar char="•"/>
+            </a:pPr>
+            <a:r>
+              <a:rPr lang="fr-FR" dirty="0" smtClean="0"/>
+              <a:t>1990: </a:t>
+            </a:r>
+            <a:r>
+              <a:rPr lang="fr-FR" dirty="0"/>
+              <a:t> </a:t>
+            </a:r>
+            <a:r>
+              <a:rPr lang="fr-FR" dirty="0" smtClean="0"/>
+              <a:t>fondée par </a:t>
+            </a:r>
+            <a:r>
+              <a:rPr lang="fr-FR" dirty="0" smtClean="0">
+                <a:hlinkClick r:id="rId4" tooltip="Col Needham"/>
+              </a:rPr>
+              <a:t>Col </a:t>
+            </a:r>
+            <a:r>
+              <a:rPr lang="fr-FR" dirty="0" err="1" smtClean="0">
+                <a:hlinkClick r:id="rId4" tooltip="Col Needham"/>
+              </a:rPr>
+              <a:t>Needham</a:t>
+            </a:r>
+            <a:r>
+              <a:rPr lang="fr-FR" dirty="0" smtClean="0"/>
+              <a:t> sur les serveurs de l’université de Cardiff</a:t>
+            </a:r>
+            <a:endParaRPr lang="fr-FR" dirty="0"/>
+          </a:p>
+          <a:p>
+            <a:pPr marL="742950" lvl="1" indent="-285750">
+              <a:buFont typeface="Arial" pitchFamily="34" charset="0"/>
+              <a:buChar char="•"/>
+            </a:pPr>
+            <a:r>
+              <a:rPr lang="fr-FR" dirty="0" smtClean="0"/>
+              <a:t>1996:  Statut </a:t>
+            </a:r>
+            <a:r>
+              <a:rPr lang="fr-FR" dirty="0"/>
+              <a:t>d'entreprise </a:t>
+            </a:r>
+            <a:r>
+              <a:rPr lang="fr-FR" dirty="0" smtClean="0"/>
+              <a:t>de </a:t>
+            </a:r>
+            <a:r>
+              <a:rPr lang="fr-FR" dirty="0"/>
+              <a:t>manière à former l'Internet </a:t>
+            </a:r>
+            <a:r>
+              <a:rPr lang="fr-FR" dirty="0" err="1"/>
+              <a:t>Movie</a:t>
+            </a:r>
+            <a:r>
+              <a:rPr lang="fr-FR" dirty="0"/>
+              <a:t> </a:t>
+            </a:r>
+            <a:r>
+              <a:rPr lang="fr-FR" dirty="0" err="1"/>
+              <a:t>Database</a:t>
+            </a:r>
+            <a:r>
+              <a:rPr lang="fr-FR" dirty="0"/>
+              <a:t> Ltd</a:t>
+            </a:r>
+            <a:endParaRPr lang="fr-FR" dirty="0"/>
+          </a:p>
+          <a:p>
+            <a:pPr marL="742950" lvl="1" indent="-285750">
+              <a:buFont typeface="Arial" pitchFamily="34" charset="0"/>
+              <a:buChar char="•"/>
+            </a:pPr>
+            <a:r>
+              <a:rPr lang="fr-FR" dirty="0" smtClean="0"/>
+              <a:t>1998: l’entreprise est racheté par Amazon</a:t>
+            </a:r>
+            <a:endParaRPr lang="fr-FR" dirty="0"/>
+          </a:p>
+        </p:txBody>
+      </p:sp>
     </p:spTree>
     <p:extLst>
       <p:ext uri="{BB962C8B-B14F-4D97-AF65-F5344CB8AC3E}">
-        <p14:creationId xmlns:p14="http://schemas.microsoft.com/office/powerpoint/2010/main" xmlns="" val="4234735141"/>
+        <p14:creationId xmlns:p14="http://schemas.microsoft.com/office/powerpoint/2010/main" val="4234735141"/>
       </p:ext>
     </p:extLst>
   </p:cSld>
@@ -7288,7 +7466,7 @@
     </p:spTree>
     <p:extLst>
       <p:ext uri="{BB962C8B-B14F-4D97-AF65-F5344CB8AC3E}">
-        <p14:creationId xmlns:p14="http://schemas.microsoft.com/office/powerpoint/2010/main" xmlns="" val="1211952375"/>
+        <p14:creationId xmlns:p14="http://schemas.microsoft.com/office/powerpoint/2010/main" val="1211952375"/>
       </p:ext>
     </p:extLst>
   </p:cSld>
@@ -7338,7 +7516,7 @@
           <a:blip r:embed="rId5" cstate="print">
             <a:extLst>
               <a:ext uri="{28A0092B-C50C-407E-A947-70E740481C1C}">
-                <a14:useLocalDpi xmlns:a14="http://schemas.microsoft.com/office/drawing/2010/main" xmlns="" val="0"/>
+                <a14:useLocalDpi xmlns:a14="http://schemas.microsoft.com/office/drawing/2010/main" val="0"/>
               </a:ext>
             </a:extLst>
           </a:blip>
@@ -7362,14 +7540,14 @@
           <a:effectLst/>
           <a:extLst>
             <a:ext uri="{909E8E84-426E-40DD-AFC4-6F175D3DCCD1}">
-              <a14:hiddenFill xmlns:a14="http://schemas.microsoft.com/office/drawing/2010/main" xmlns="">
+              <a14:hiddenFill xmlns:a14="http://schemas.microsoft.com/office/drawing/2010/main">
                 <a:solidFill>
                   <a:schemeClr val="accent1"/>
                 </a:solidFill>
               </a14:hiddenFill>
             </a:ext>
             <a:ext uri="{91240B29-F687-4F45-9708-019B960494DF}">
-              <a14:hiddenLine xmlns:a14="http://schemas.microsoft.com/office/drawing/2010/main" xmlns="" w="9525">
+              <a14:hiddenLine xmlns:a14="http://schemas.microsoft.com/office/drawing/2010/main" w="9525">
                 <a:solidFill>
                   <a:schemeClr val="tx1"/>
                 </a:solidFill>
@@ -7379,7 +7557,7 @@
               </a14:hiddenLine>
             </a:ext>
             <a:ext uri="{AF507438-7753-43E0-B8FC-AC1667EBCBE1}">
-              <a14:hiddenEffects xmlns:a14="http://schemas.microsoft.com/office/drawing/2010/main" xmlns="">
+              <a14:hiddenEffects xmlns:a14="http://schemas.microsoft.com/office/drawing/2010/main">
                 <a:effectLst>
                   <a:outerShdw dist="35921" dir="2700000" algn="ctr" rotWithShape="0">
                     <a:schemeClr val="bg2"/>
@@ -7492,7 +7670,7 @@
     </p:spTree>
     <p:extLst>
       <p:ext uri="{BB962C8B-B14F-4D97-AF65-F5344CB8AC3E}">
-        <p14:creationId xmlns:p14="http://schemas.microsoft.com/office/powerpoint/2010/main" xmlns="" val="4095174797"/>
+        <p14:creationId xmlns:p14="http://schemas.microsoft.com/office/powerpoint/2010/main" val="4095174797"/>
       </p:ext>
     </p:extLst>
   </p:cSld>
@@ -7577,7 +7755,7 @@
           <a:blip r:embed="rId6" cstate="print">
             <a:extLst>
               <a:ext uri="{28A0092B-C50C-407E-A947-70E740481C1C}">
-                <a14:useLocalDpi xmlns:a14="http://schemas.microsoft.com/office/drawing/2010/main" xmlns="" val="0"/>
+                <a14:useLocalDpi xmlns:a14="http://schemas.microsoft.com/office/drawing/2010/main" val="0"/>
               </a:ext>
             </a:extLst>
           </a:blip>
@@ -7601,14 +7779,14 @@
           <a:effectLst/>
           <a:extLst>
             <a:ext uri="{909E8E84-426E-40DD-AFC4-6F175D3DCCD1}">
-              <a14:hiddenFill xmlns:a14="http://schemas.microsoft.com/office/drawing/2010/main" xmlns="">
+              <a14:hiddenFill xmlns:a14="http://schemas.microsoft.com/office/drawing/2010/main">
                 <a:solidFill>
                   <a:schemeClr val="accent1"/>
                 </a:solidFill>
               </a14:hiddenFill>
             </a:ext>
             <a:ext uri="{91240B29-F687-4F45-9708-019B960494DF}">
-              <a14:hiddenLine xmlns:a14="http://schemas.microsoft.com/office/drawing/2010/main" xmlns="" w="9525">
+              <a14:hiddenLine xmlns:a14="http://schemas.microsoft.com/office/drawing/2010/main" w="9525">
                 <a:solidFill>
                   <a:schemeClr val="tx1"/>
                 </a:solidFill>
@@ -7618,7 +7796,7 @@
               </a14:hiddenLine>
             </a:ext>
             <a:ext uri="{AF507438-7753-43E0-B8FC-AC1667EBCBE1}">
-              <a14:hiddenEffects xmlns:a14="http://schemas.microsoft.com/office/drawing/2010/main" xmlns="">
+              <a14:hiddenEffects xmlns:a14="http://schemas.microsoft.com/office/drawing/2010/main">
                 <a:effectLst>
                   <a:outerShdw dist="35921" dir="2700000" algn="ctr" rotWithShape="0">
                     <a:schemeClr val="bg2"/>
@@ -7646,7 +7824,7 @@
           <a:blip r:embed="rId7" cstate="print">
             <a:extLst>
               <a:ext uri="{28A0092B-C50C-407E-A947-70E740481C1C}">
-                <a14:useLocalDpi xmlns:a14="http://schemas.microsoft.com/office/drawing/2010/main" xmlns="" val="0"/>
+                <a14:useLocalDpi xmlns:a14="http://schemas.microsoft.com/office/drawing/2010/main" val="0"/>
               </a:ext>
             </a:extLst>
           </a:blip>
@@ -7670,14 +7848,14 @@
           <a:effectLst/>
           <a:extLst>
             <a:ext uri="{909E8E84-426E-40DD-AFC4-6F175D3DCCD1}">
-              <a14:hiddenFill xmlns:a14="http://schemas.microsoft.com/office/drawing/2010/main" xmlns="">
+              <a14:hiddenFill xmlns:a14="http://schemas.microsoft.com/office/drawing/2010/main">
                 <a:solidFill>
                   <a:schemeClr val="accent1"/>
                 </a:solidFill>
               </a14:hiddenFill>
             </a:ext>
             <a:ext uri="{91240B29-F687-4F45-9708-019B960494DF}">
-              <a14:hiddenLine xmlns:a14="http://schemas.microsoft.com/office/drawing/2010/main" xmlns="" w="9525">
+              <a14:hiddenLine xmlns:a14="http://schemas.microsoft.com/office/drawing/2010/main" w="9525">
                 <a:solidFill>
                   <a:schemeClr val="tx1"/>
                 </a:solidFill>
@@ -7687,7 +7865,7 @@
               </a14:hiddenLine>
             </a:ext>
             <a:ext uri="{AF507438-7753-43E0-B8FC-AC1667EBCBE1}">
-              <a14:hiddenEffects xmlns:a14="http://schemas.microsoft.com/office/drawing/2010/main" xmlns="">
+              <a14:hiddenEffects xmlns:a14="http://schemas.microsoft.com/office/drawing/2010/main">
                 <a:effectLst>
                   <a:outerShdw dist="35921" dir="2700000" algn="ctr" rotWithShape="0">
                     <a:schemeClr val="bg2"/>
@@ -7760,7 +7938,7 @@
     </p:spTree>
     <p:extLst>
       <p:ext uri="{BB962C8B-B14F-4D97-AF65-F5344CB8AC3E}">
-        <p14:creationId xmlns:p14="http://schemas.microsoft.com/office/powerpoint/2010/main" xmlns="" val="3670035473"/>
+        <p14:creationId xmlns:p14="http://schemas.microsoft.com/office/powerpoint/2010/main" val="3670035473"/>
       </p:ext>
     </p:extLst>
   </p:cSld>
@@ -7930,7 +8108,7 @@
           <a:blip r:embed="rId6" cstate="print">
             <a:extLst>
               <a:ext uri="{28A0092B-C50C-407E-A947-70E740481C1C}">
-                <a14:useLocalDpi xmlns:a14="http://schemas.microsoft.com/office/drawing/2010/main" xmlns="" val="0"/>
+                <a14:useLocalDpi xmlns:a14="http://schemas.microsoft.com/office/drawing/2010/main" val="0"/>
               </a:ext>
             </a:extLst>
           </a:blip>
@@ -7954,14 +8132,14 @@
           <a:effectLst/>
           <a:extLst>
             <a:ext uri="{909E8E84-426E-40DD-AFC4-6F175D3DCCD1}">
-              <a14:hiddenFill xmlns:a14="http://schemas.microsoft.com/office/drawing/2010/main" xmlns="">
+              <a14:hiddenFill xmlns:a14="http://schemas.microsoft.com/office/drawing/2010/main">
                 <a:solidFill>
                   <a:schemeClr val="accent1"/>
                 </a:solidFill>
               </a14:hiddenFill>
             </a:ext>
             <a:ext uri="{91240B29-F687-4F45-9708-019B960494DF}">
-              <a14:hiddenLine xmlns:a14="http://schemas.microsoft.com/office/drawing/2010/main" xmlns="" w="9525">
+              <a14:hiddenLine xmlns:a14="http://schemas.microsoft.com/office/drawing/2010/main" w="9525">
                 <a:solidFill>
                   <a:schemeClr val="tx1"/>
                 </a:solidFill>
@@ -7971,7 +8149,7 @@
               </a14:hiddenLine>
             </a:ext>
             <a:ext uri="{AF507438-7753-43E0-B8FC-AC1667EBCBE1}">
-              <a14:hiddenEffects xmlns:a14="http://schemas.microsoft.com/office/drawing/2010/main" xmlns="">
+              <a14:hiddenEffects xmlns:a14="http://schemas.microsoft.com/office/drawing/2010/main">
                 <a:effectLst>
                   <a:outerShdw dist="35921" dir="2700000" algn="ctr" rotWithShape="0">
                     <a:schemeClr val="bg2"/>
@@ -7998,7 +8176,7 @@
           <a:blip r:embed="rId7" cstate="print">
             <a:extLst>
               <a:ext uri="{28A0092B-C50C-407E-A947-70E740481C1C}">
-                <a14:useLocalDpi xmlns:a14="http://schemas.microsoft.com/office/drawing/2010/main" xmlns="" val="0"/>
+                <a14:useLocalDpi xmlns:a14="http://schemas.microsoft.com/office/drawing/2010/main" val="0"/>
               </a:ext>
             </a:extLst>
           </a:blip>
@@ -8022,14 +8200,14 @@
           <a:effectLst/>
           <a:extLst>
             <a:ext uri="{909E8E84-426E-40DD-AFC4-6F175D3DCCD1}">
-              <a14:hiddenFill xmlns:a14="http://schemas.microsoft.com/office/drawing/2010/main" xmlns="">
+              <a14:hiddenFill xmlns:a14="http://schemas.microsoft.com/office/drawing/2010/main">
                 <a:solidFill>
                   <a:schemeClr val="accent1"/>
                 </a:solidFill>
               </a14:hiddenFill>
             </a:ext>
             <a:ext uri="{91240B29-F687-4F45-9708-019B960494DF}">
-              <a14:hiddenLine xmlns:a14="http://schemas.microsoft.com/office/drawing/2010/main" xmlns="" w="9525">
+              <a14:hiddenLine xmlns:a14="http://schemas.microsoft.com/office/drawing/2010/main" w="9525">
                 <a:solidFill>
                   <a:schemeClr val="tx1"/>
                 </a:solidFill>
@@ -8039,7 +8217,7 @@
               </a14:hiddenLine>
             </a:ext>
             <a:ext uri="{AF507438-7753-43E0-B8FC-AC1667EBCBE1}">
-              <a14:hiddenEffects xmlns:a14="http://schemas.microsoft.com/office/drawing/2010/main" xmlns="">
+              <a14:hiddenEffects xmlns:a14="http://schemas.microsoft.com/office/drawing/2010/main">
                 <a:effectLst>
                   <a:outerShdw dist="35921" dir="2700000" algn="ctr" rotWithShape="0">
                     <a:schemeClr val="bg2"/>
@@ -8053,7 +8231,7 @@
     </p:spTree>
     <p:extLst>
       <p:ext uri="{BB962C8B-B14F-4D97-AF65-F5344CB8AC3E}">
-        <p14:creationId xmlns:p14="http://schemas.microsoft.com/office/powerpoint/2010/main" xmlns="" val="830870510"/>
+        <p14:creationId xmlns:p14="http://schemas.microsoft.com/office/powerpoint/2010/main" val="830870510"/>
       </p:ext>
     </p:extLst>
   </p:cSld>
@@ -8084,55 +8262,55 @@
 
 <file path=ppt/tags/tag11.xml><?xml version="1.0" encoding="utf-8"?>
 <p:tagLst xmlns:a="http://schemas.openxmlformats.org/drawingml/2006/main" xmlns:r="http://schemas.openxmlformats.org/officeDocument/2006/relationships" xmlns:p="http://schemas.openxmlformats.org/presentationml/2006/main">
+  <p:tag name="NUM" val="2"/>
+</p:tagLst>
+</file>
+
+<file path=ppt/tags/tag12.xml><?xml version="1.0" encoding="utf-8"?>
+<p:tagLst xmlns:a="http://schemas.openxmlformats.org/drawingml/2006/main" xmlns:r="http://schemas.openxmlformats.org/officeDocument/2006/relationships" xmlns:p="http://schemas.openxmlformats.org/presentationml/2006/main">
+  <p:tag name="NUM" val="3"/>
+</p:tagLst>
+</file>
+
+<file path=ppt/tags/tag13.xml><?xml version="1.0" encoding="utf-8"?>
+<p:tagLst xmlns:a="http://schemas.openxmlformats.org/drawingml/2006/main" xmlns:r="http://schemas.openxmlformats.org/officeDocument/2006/relationships" xmlns:p="http://schemas.openxmlformats.org/presentationml/2006/main">
   <p:tag name="NUM" val="1"/>
 </p:tagLst>
 </file>
 
-<file path=ppt/tags/tag12.xml><?xml version="1.0" encoding="utf-8"?>
+<file path=ppt/tags/tag14.xml><?xml version="1.0" encoding="utf-8"?>
 <p:tagLst xmlns:a="http://schemas.openxmlformats.org/drawingml/2006/main" xmlns:r="http://schemas.openxmlformats.org/officeDocument/2006/relationships" xmlns:p="http://schemas.openxmlformats.org/presentationml/2006/main">
   <p:tag name="NUM" val="2"/>
 </p:tagLst>
 </file>
 
-<file path=ppt/tags/tag13.xml><?xml version="1.0" encoding="utf-8"?>
+<file path=ppt/tags/tag15.xml><?xml version="1.0" encoding="utf-8"?>
 <p:tagLst xmlns:a="http://schemas.openxmlformats.org/drawingml/2006/main" xmlns:r="http://schemas.openxmlformats.org/officeDocument/2006/relationships" xmlns:p="http://schemas.openxmlformats.org/presentationml/2006/main">
   <p:tag name="NUM" val="3"/>
 </p:tagLst>
 </file>
 
-<file path=ppt/tags/tag14.xml><?xml version="1.0" encoding="utf-8"?>
+<file path=ppt/tags/tag16.xml><?xml version="1.0" encoding="utf-8"?>
+<p:tagLst xmlns:a="http://schemas.openxmlformats.org/drawingml/2006/main" xmlns:r="http://schemas.openxmlformats.org/officeDocument/2006/relationships" xmlns:p="http://schemas.openxmlformats.org/presentationml/2006/main">
+  <p:tag name="NUM" val="4"/>
+</p:tagLst>
+</file>
+
+<file path=ppt/tags/tag17.xml><?xml version="1.0" encoding="utf-8"?>
 <p:tagLst xmlns:a="http://schemas.openxmlformats.org/drawingml/2006/main" xmlns:r="http://schemas.openxmlformats.org/officeDocument/2006/relationships" xmlns:p="http://schemas.openxmlformats.org/presentationml/2006/main">
   <p:tag name="NUM" val="1"/>
 </p:tagLst>
 </file>
 
-<file path=ppt/tags/tag15.xml><?xml version="1.0" encoding="utf-8"?>
+<file path=ppt/tags/tag18.xml><?xml version="1.0" encoding="utf-8"?>
 <p:tagLst xmlns:a="http://schemas.openxmlformats.org/drawingml/2006/main" xmlns:r="http://schemas.openxmlformats.org/officeDocument/2006/relationships" xmlns:p="http://schemas.openxmlformats.org/presentationml/2006/main">
   <p:tag name="NUM" val="2"/>
 </p:tagLst>
 </file>
 
-<file path=ppt/tags/tag16.xml><?xml version="1.0" encoding="utf-8"?>
+<file path=ppt/tags/tag19.xml><?xml version="1.0" encoding="utf-8"?>
 <p:tagLst xmlns:a="http://schemas.openxmlformats.org/drawingml/2006/main" xmlns:r="http://schemas.openxmlformats.org/officeDocument/2006/relationships" xmlns:p="http://schemas.openxmlformats.org/presentationml/2006/main">
   <p:tag name="NUM" val="3"/>
-</p:tagLst>
-</file>
-
-<file path=ppt/tags/tag17.xml><?xml version="1.0" encoding="utf-8"?>
-<p:tagLst xmlns:a="http://schemas.openxmlformats.org/drawingml/2006/main" xmlns:r="http://schemas.openxmlformats.org/officeDocument/2006/relationships" xmlns:p="http://schemas.openxmlformats.org/presentationml/2006/main">
-  <p:tag name="NUM" val="4"/>
-</p:tagLst>
-</file>
-
-<file path=ppt/tags/tag18.xml><?xml version="1.0" encoding="utf-8"?>
-<p:tagLst xmlns:a="http://schemas.openxmlformats.org/drawingml/2006/main" xmlns:r="http://schemas.openxmlformats.org/officeDocument/2006/relationships" xmlns:p="http://schemas.openxmlformats.org/presentationml/2006/main">
-  <p:tag name="NUM" val="1"/>
-</p:tagLst>
-</file>
-
-<file path=ppt/tags/tag19.xml><?xml version="1.0" encoding="utf-8"?>
-<p:tagLst xmlns:a="http://schemas.openxmlformats.org/drawingml/2006/main" xmlns:r="http://schemas.openxmlformats.org/officeDocument/2006/relationships" xmlns:p="http://schemas.openxmlformats.org/presentationml/2006/main">
-  <p:tag name="NUM" val="2"/>
 </p:tagLst>
 </file>
 
@@ -8144,49 +8322,49 @@
 
 <file path=ppt/tags/tag20.xml><?xml version="1.0" encoding="utf-8"?>
 <p:tagLst xmlns:a="http://schemas.openxmlformats.org/drawingml/2006/main" xmlns:r="http://schemas.openxmlformats.org/officeDocument/2006/relationships" xmlns:p="http://schemas.openxmlformats.org/presentationml/2006/main">
+  <p:tag name="NUM" val="4"/>
+</p:tagLst>
+</file>
+
+<file path=ppt/tags/tag21.xml><?xml version="1.0" encoding="utf-8"?>
+<p:tagLst xmlns:a="http://schemas.openxmlformats.org/drawingml/2006/main" xmlns:r="http://schemas.openxmlformats.org/officeDocument/2006/relationships" xmlns:p="http://schemas.openxmlformats.org/presentationml/2006/main">
+  <p:tag name="NUM" val="1"/>
+</p:tagLst>
+</file>
+
+<file path=ppt/tags/tag22.xml><?xml version="1.0" encoding="utf-8"?>
+<p:tagLst xmlns:a="http://schemas.openxmlformats.org/drawingml/2006/main" xmlns:r="http://schemas.openxmlformats.org/officeDocument/2006/relationships" xmlns:p="http://schemas.openxmlformats.org/presentationml/2006/main">
+  <p:tag name="NUM" val="2"/>
+</p:tagLst>
+</file>
+
+<file path=ppt/tags/tag23.xml><?xml version="1.0" encoding="utf-8"?>
+<p:tagLst xmlns:a="http://schemas.openxmlformats.org/drawingml/2006/main" xmlns:r="http://schemas.openxmlformats.org/officeDocument/2006/relationships" xmlns:p="http://schemas.openxmlformats.org/presentationml/2006/main">
   <p:tag name="NUM" val="3"/>
 </p:tagLst>
 </file>
 
-<file path=ppt/tags/tag21.xml><?xml version="1.0" encoding="utf-8"?>
+<file path=ppt/tags/tag24.xml><?xml version="1.0" encoding="utf-8"?>
 <p:tagLst xmlns:a="http://schemas.openxmlformats.org/drawingml/2006/main" xmlns:r="http://schemas.openxmlformats.org/officeDocument/2006/relationships" xmlns:p="http://schemas.openxmlformats.org/presentationml/2006/main">
   <p:tag name="NUM" val="4"/>
 </p:tagLst>
 </file>
 
-<file path=ppt/tags/tag22.xml><?xml version="1.0" encoding="utf-8"?>
+<file path=ppt/tags/tag25.xml><?xml version="1.0" encoding="utf-8"?>
 <p:tagLst xmlns:a="http://schemas.openxmlformats.org/drawingml/2006/main" xmlns:r="http://schemas.openxmlformats.org/officeDocument/2006/relationships" xmlns:p="http://schemas.openxmlformats.org/presentationml/2006/main">
   <p:tag name="NUM" val="1"/>
 </p:tagLst>
 </file>
 
-<file path=ppt/tags/tag23.xml><?xml version="1.0" encoding="utf-8"?>
+<file path=ppt/tags/tag26.xml><?xml version="1.0" encoding="utf-8"?>
 <p:tagLst xmlns:a="http://schemas.openxmlformats.org/drawingml/2006/main" xmlns:r="http://schemas.openxmlformats.org/officeDocument/2006/relationships" xmlns:p="http://schemas.openxmlformats.org/presentationml/2006/main">
   <p:tag name="NUM" val="2"/>
 </p:tagLst>
 </file>
 
-<file path=ppt/tags/tag24.xml><?xml version="1.0" encoding="utf-8"?>
-<p:tagLst xmlns:a="http://schemas.openxmlformats.org/drawingml/2006/main" xmlns:r="http://schemas.openxmlformats.org/officeDocument/2006/relationships" xmlns:p="http://schemas.openxmlformats.org/presentationml/2006/main">
-  <p:tag name="NUM" val="3"/>
-</p:tagLst>
-</file>
-
-<file path=ppt/tags/tag25.xml><?xml version="1.0" encoding="utf-8"?>
-<p:tagLst xmlns:a="http://schemas.openxmlformats.org/drawingml/2006/main" xmlns:r="http://schemas.openxmlformats.org/officeDocument/2006/relationships" xmlns:p="http://schemas.openxmlformats.org/presentationml/2006/main">
-  <p:tag name="NUM" val="4"/>
-</p:tagLst>
-</file>
-
-<file path=ppt/tags/tag26.xml><?xml version="1.0" encoding="utf-8"?>
+<file path=ppt/tags/tag27.xml><?xml version="1.0" encoding="utf-8"?>
 <p:tagLst xmlns:a="http://schemas.openxmlformats.org/drawingml/2006/main" xmlns:r="http://schemas.openxmlformats.org/officeDocument/2006/relationships" xmlns:p="http://schemas.openxmlformats.org/presentationml/2006/main">
   <p:tag name="NUM" val="1"/>
-</p:tagLst>
-</file>
-
-<file path=ppt/tags/tag27.xml><?xml version="1.0" encoding="utf-8"?>
-<p:tagLst xmlns:a="http://schemas.openxmlformats.org/drawingml/2006/main" xmlns:r="http://schemas.openxmlformats.org/officeDocument/2006/relationships" xmlns:p="http://schemas.openxmlformats.org/presentationml/2006/main">
-  <p:tag name="NUM" val="2"/>
 </p:tagLst>
 </file>
 
@@ -8198,7 +8376,7 @@
 
 <file path=ppt/tags/tag29.xml><?xml version="1.0" encoding="utf-8"?>
 <p:tagLst xmlns:a="http://schemas.openxmlformats.org/drawingml/2006/main" xmlns:r="http://schemas.openxmlformats.org/officeDocument/2006/relationships" xmlns:p="http://schemas.openxmlformats.org/presentationml/2006/main">
-  <p:tag name="NUM" val="1"/>
+  <p:tag name="NUM" val="2"/>
 </p:tagLst>
 </file>
 
@@ -8210,61 +8388,61 @@
 
 <file path=ppt/tags/tag30.xml><?xml version="1.0" encoding="utf-8"?>
 <p:tagLst xmlns:a="http://schemas.openxmlformats.org/drawingml/2006/main" xmlns:r="http://schemas.openxmlformats.org/officeDocument/2006/relationships" xmlns:p="http://schemas.openxmlformats.org/presentationml/2006/main">
+  <p:tag name="NUM" val="1"/>
+</p:tagLst>
+</file>
+
+<file path=ppt/tags/tag31.xml><?xml version="1.0" encoding="utf-8"?>
+<p:tagLst xmlns:a="http://schemas.openxmlformats.org/drawingml/2006/main" xmlns:r="http://schemas.openxmlformats.org/officeDocument/2006/relationships" xmlns:p="http://schemas.openxmlformats.org/presentationml/2006/main">
   <p:tag name="NUM" val="2"/>
 </p:tagLst>
 </file>
 
-<file path=ppt/tags/tag31.xml><?xml version="1.0" encoding="utf-8"?>
+<file path=ppt/tags/tag32.xml><?xml version="1.0" encoding="utf-8"?>
+<p:tagLst xmlns:a="http://schemas.openxmlformats.org/drawingml/2006/main" xmlns:r="http://schemas.openxmlformats.org/officeDocument/2006/relationships" xmlns:p="http://schemas.openxmlformats.org/presentationml/2006/main">
+  <p:tag name="NUM" val="3"/>
+</p:tagLst>
+</file>
+
+<file path=ppt/tags/tag33.xml><?xml version="1.0" encoding="utf-8"?>
+<p:tagLst xmlns:a="http://schemas.openxmlformats.org/drawingml/2006/main" xmlns:r="http://schemas.openxmlformats.org/officeDocument/2006/relationships" xmlns:p="http://schemas.openxmlformats.org/presentationml/2006/main">
+  <p:tag name="NUM" val="4"/>
+</p:tagLst>
+</file>
+
+<file path=ppt/tags/tag34.xml><?xml version="1.0" encoding="utf-8"?>
+<p:tagLst xmlns:a="http://schemas.openxmlformats.org/drawingml/2006/main" xmlns:r="http://schemas.openxmlformats.org/officeDocument/2006/relationships" xmlns:p="http://schemas.openxmlformats.org/presentationml/2006/main">
+  <p:tag name="NUM" val="5"/>
+</p:tagLst>
+</file>
+
+<file path=ppt/tags/tag35.xml><?xml version="1.0" encoding="utf-8"?>
 <p:tagLst xmlns:a="http://schemas.openxmlformats.org/drawingml/2006/main" xmlns:r="http://schemas.openxmlformats.org/officeDocument/2006/relationships" xmlns:p="http://schemas.openxmlformats.org/presentationml/2006/main">
   <p:tag name="NUM" val="1"/>
 </p:tagLst>
 </file>
 
-<file path=ppt/tags/tag32.xml><?xml version="1.0" encoding="utf-8"?>
+<file path=ppt/tags/tag36.xml><?xml version="1.0" encoding="utf-8"?>
 <p:tagLst xmlns:a="http://schemas.openxmlformats.org/drawingml/2006/main" xmlns:r="http://schemas.openxmlformats.org/officeDocument/2006/relationships" xmlns:p="http://schemas.openxmlformats.org/presentationml/2006/main">
   <p:tag name="NUM" val="2"/>
 </p:tagLst>
 </file>
 
-<file path=ppt/tags/tag33.xml><?xml version="1.0" encoding="utf-8"?>
+<file path=ppt/tags/tag37.xml><?xml version="1.0" encoding="utf-8"?>
 <p:tagLst xmlns:a="http://schemas.openxmlformats.org/drawingml/2006/main" xmlns:r="http://schemas.openxmlformats.org/officeDocument/2006/relationships" xmlns:p="http://schemas.openxmlformats.org/presentationml/2006/main">
   <p:tag name="NUM" val="3"/>
 </p:tagLst>
 </file>
 
-<file path=ppt/tags/tag34.xml><?xml version="1.0" encoding="utf-8"?>
-<p:tagLst xmlns:a="http://schemas.openxmlformats.org/drawingml/2006/main" xmlns:r="http://schemas.openxmlformats.org/officeDocument/2006/relationships" xmlns:p="http://schemas.openxmlformats.org/presentationml/2006/main">
-  <p:tag name="NUM" val="4"/>
-</p:tagLst>
-</file>
-
-<file path=ppt/tags/tag35.xml><?xml version="1.0" encoding="utf-8"?>
-<p:tagLst xmlns:a="http://schemas.openxmlformats.org/drawingml/2006/main" xmlns:r="http://schemas.openxmlformats.org/officeDocument/2006/relationships" xmlns:p="http://schemas.openxmlformats.org/presentationml/2006/main">
-  <p:tag name="NUM" val="5"/>
-</p:tagLst>
-</file>
-
-<file path=ppt/tags/tag36.xml><?xml version="1.0" encoding="utf-8"?>
+<file path=ppt/tags/tag38.xml><?xml version="1.0" encoding="utf-8"?>
 <p:tagLst xmlns:a="http://schemas.openxmlformats.org/drawingml/2006/main" xmlns:r="http://schemas.openxmlformats.org/officeDocument/2006/relationships" xmlns:p="http://schemas.openxmlformats.org/presentationml/2006/main">
   <p:tag name="NUM" val="1"/>
 </p:tagLst>
 </file>
 
-<file path=ppt/tags/tag37.xml><?xml version="1.0" encoding="utf-8"?>
+<file path=ppt/tags/tag39.xml><?xml version="1.0" encoding="utf-8"?>
 <p:tagLst xmlns:a="http://schemas.openxmlformats.org/drawingml/2006/main" xmlns:r="http://schemas.openxmlformats.org/officeDocument/2006/relationships" xmlns:p="http://schemas.openxmlformats.org/presentationml/2006/main">
   <p:tag name="NUM" val="2"/>
-</p:tagLst>
-</file>
-
-<file path=ppt/tags/tag38.xml><?xml version="1.0" encoding="utf-8"?>
-<p:tagLst xmlns:a="http://schemas.openxmlformats.org/drawingml/2006/main" xmlns:r="http://schemas.openxmlformats.org/officeDocument/2006/relationships" xmlns:p="http://schemas.openxmlformats.org/presentationml/2006/main">
-  <p:tag name="NUM" val="3"/>
-</p:tagLst>
-</file>
-
-<file path=ppt/tags/tag39.xml><?xml version="1.0" encoding="utf-8"?>
-<p:tagLst xmlns:a="http://schemas.openxmlformats.org/drawingml/2006/main" xmlns:r="http://schemas.openxmlformats.org/officeDocument/2006/relationships" xmlns:p="http://schemas.openxmlformats.org/presentationml/2006/main">
-  <p:tag name="NUM" val="1"/>
 </p:tagLst>
 </file>
 
@@ -8276,43 +8454,43 @@
 
 <file path=ppt/tags/tag40.xml><?xml version="1.0" encoding="utf-8"?>
 <p:tagLst xmlns:a="http://schemas.openxmlformats.org/drawingml/2006/main" xmlns:r="http://schemas.openxmlformats.org/officeDocument/2006/relationships" xmlns:p="http://schemas.openxmlformats.org/presentationml/2006/main">
-  <p:tag name="NUM" val="2"/>
-</p:tagLst>
-</file>
-
-<file path=ppt/tags/tag41.xml><?xml version="1.0" encoding="utf-8"?>
-<p:tagLst xmlns:a="http://schemas.openxmlformats.org/drawingml/2006/main" xmlns:r="http://schemas.openxmlformats.org/officeDocument/2006/relationships" xmlns:p="http://schemas.openxmlformats.org/presentationml/2006/main">
   <p:tag name="NUM" val="1"/>
 </p:tagLst>
 </file>
 
-<file path=ppt/tags/tag42.xml><?xml version="1.0" encoding="utf-8"?>
+<file path=ppt/tags/tag41.xml><?xml version="1.0" encoding="utf-8"?>
 <p:tagLst xmlns:a="http://schemas.openxmlformats.org/drawingml/2006/main" xmlns:r="http://schemas.openxmlformats.org/officeDocument/2006/relationships" xmlns:p="http://schemas.openxmlformats.org/presentationml/2006/main">
   <p:tag name="NUM" val="2"/>
 </p:tagLst>
 </file>
 
-<file path=ppt/tags/tag43.xml><?xml version="1.0" encoding="utf-8"?>
+<file path=ppt/tags/tag42.xml><?xml version="1.0" encoding="utf-8"?>
 <p:tagLst xmlns:a="http://schemas.openxmlformats.org/drawingml/2006/main" xmlns:r="http://schemas.openxmlformats.org/officeDocument/2006/relationships" xmlns:p="http://schemas.openxmlformats.org/presentationml/2006/main">
   <p:tag name="NUM" val="3"/>
 </p:tagLst>
 </file>
 
-<file path=ppt/tags/tag44.xml><?xml version="1.0" encoding="utf-8"?>
+<file path=ppt/tags/tag43.xml><?xml version="1.0" encoding="utf-8"?>
 <p:tagLst xmlns:a="http://schemas.openxmlformats.org/drawingml/2006/main" xmlns:r="http://schemas.openxmlformats.org/officeDocument/2006/relationships" xmlns:p="http://schemas.openxmlformats.org/presentationml/2006/main">
   <p:tag name="NUM" val="4"/>
 </p:tagLst>
 </file>
 
-<file path=ppt/tags/tag45.xml><?xml version="1.0" encoding="utf-8"?>
+<file path=ppt/tags/tag44.xml><?xml version="1.0" encoding="utf-8"?>
 <p:tagLst xmlns:a="http://schemas.openxmlformats.org/drawingml/2006/main" xmlns:r="http://schemas.openxmlformats.org/officeDocument/2006/relationships" xmlns:p="http://schemas.openxmlformats.org/presentationml/2006/main">
   <p:tag name="NUM" val="5"/>
 </p:tagLst>
 </file>
 
+<file path=ppt/tags/tag45.xml><?xml version="1.0" encoding="utf-8"?>
+<p:tagLst xmlns:a="http://schemas.openxmlformats.org/drawingml/2006/main" xmlns:r="http://schemas.openxmlformats.org/officeDocument/2006/relationships" xmlns:p="http://schemas.openxmlformats.org/presentationml/2006/main">
+  <p:tag name="NUM" val="6"/>
+</p:tagLst>
+</file>
+
 <file path=ppt/tags/tag46.xml><?xml version="1.0" encoding="utf-8"?>
 <p:tagLst xmlns:a="http://schemas.openxmlformats.org/drawingml/2006/main" xmlns:r="http://schemas.openxmlformats.org/officeDocument/2006/relationships" xmlns:p="http://schemas.openxmlformats.org/presentationml/2006/main">
-  <p:tag name="NUM" val="6"/>
+  <p:tag name="NUM" val="1"/>
 </p:tagLst>
 </file>
 
@@ -8324,13 +8502,13 @@
 
 <file path=ppt/tags/tag48.xml><?xml version="1.0" encoding="utf-8"?>
 <p:tagLst xmlns:a="http://schemas.openxmlformats.org/drawingml/2006/main" xmlns:r="http://schemas.openxmlformats.org/officeDocument/2006/relationships" xmlns:p="http://schemas.openxmlformats.org/presentationml/2006/main">
-  <p:tag name="NUM" val="1"/>
+  <p:tag name="NUM" val="2"/>
 </p:tagLst>
 </file>
 
 <file path=ppt/tags/tag49.xml><?xml version="1.0" encoding="utf-8"?>
 <p:tagLst xmlns:a="http://schemas.openxmlformats.org/drawingml/2006/main" xmlns:r="http://schemas.openxmlformats.org/officeDocument/2006/relationships" xmlns:p="http://schemas.openxmlformats.org/presentationml/2006/main">
-  <p:tag name="NUM" val="2"/>
+  <p:tag name="NUM" val="3"/>
 </p:tagLst>
 </file>
 
@@ -8342,61 +8520,61 @@
 
 <file path=ppt/tags/tag50.xml><?xml version="1.0" encoding="utf-8"?>
 <p:tagLst xmlns:a="http://schemas.openxmlformats.org/drawingml/2006/main" xmlns:r="http://schemas.openxmlformats.org/officeDocument/2006/relationships" xmlns:p="http://schemas.openxmlformats.org/presentationml/2006/main">
+  <p:tag name="NUM" val="1"/>
+</p:tagLst>
+</file>
+
+<file path=ppt/tags/tag51.xml><?xml version="1.0" encoding="utf-8"?>
+<p:tagLst xmlns:a="http://schemas.openxmlformats.org/drawingml/2006/main" xmlns:r="http://schemas.openxmlformats.org/officeDocument/2006/relationships" xmlns:p="http://schemas.openxmlformats.org/presentationml/2006/main">
+  <p:tag name="NUM" val="2"/>
+</p:tagLst>
+</file>
+
+<file path=ppt/tags/tag52.xml><?xml version="1.0" encoding="utf-8"?>
+<p:tagLst xmlns:a="http://schemas.openxmlformats.org/drawingml/2006/main" xmlns:r="http://schemas.openxmlformats.org/officeDocument/2006/relationships" xmlns:p="http://schemas.openxmlformats.org/presentationml/2006/main">
   <p:tag name="NUM" val="3"/>
 </p:tagLst>
 </file>
 
-<file path=ppt/tags/tag51.xml><?xml version="1.0" encoding="utf-8"?>
+<file path=ppt/tags/tag53.xml><?xml version="1.0" encoding="utf-8"?>
 <p:tagLst xmlns:a="http://schemas.openxmlformats.org/drawingml/2006/main" xmlns:r="http://schemas.openxmlformats.org/officeDocument/2006/relationships" xmlns:p="http://schemas.openxmlformats.org/presentationml/2006/main">
   <p:tag name="NUM" val="1"/>
 </p:tagLst>
 </file>
 
-<file path=ppt/tags/tag52.xml><?xml version="1.0" encoding="utf-8"?>
+<file path=ppt/tags/tag54.xml><?xml version="1.0" encoding="utf-8"?>
 <p:tagLst xmlns:a="http://schemas.openxmlformats.org/drawingml/2006/main" xmlns:r="http://schemas.openxmlformats.org/officeDocument/2006/relationships" xmlns:p="http://schemas.openxmlformats.org/presentationml/2006/main">
   <p:tag name="NUM" val="2"/>
 </p:tagLst>
 </file>
 
-<file path=ppt/tags/tag53.xml><?xml version="1.0" encoding="utf-8"?>
+<file path=ppt/tags/tag55.xml><?xml version="1.0" encoding="utf-8"?>
 <p:tagLst xmlns:a="http://schemas.openxmlformats.org/drawingml/2006/main" xmlns:r="http://schemas.openxmlformats.org/officeDocument/2006/relationships" xmlns:p="http://schemas.openxmlformats.org/presentationml/2006/main">
   <p:tag name="NUM" val="3"/>
 </p:tagLst>
 </file>
 
-<file path=ppt/tags/tag54.xml><?xml version="1.0" encoding="utf-8"?>
+<file path=ppt/tags/tag56.xml><?xml version="1.0" encoding="utf-8"?>
 <p:tagLst xmlns:a="http://schemas.openxmlformats.org/drawingml/2006/main" xmlns:r="http://schemas.openxmlformats.org/officeDocument/2006/relationships" xmlns:p="http://schemas.openxmlformats.org/presentationml/2006/main">
   <p:tag name="NUM" val="1"/>
 </p:tagLst>
 </file>
 
-<file path=ppt/tags/tag55.xml><?xml version="1.0" encoding="utf-8"?>
+<file path=ppt/tags/tag57.xml><?xml version="1.0" encoding="utf-8"?>
 <p:tagLst xmlns:a="http://schemas.openxmlformats.org/drawingml/2006/main" xmlns:r="http://schemas.openxmlformats.org/officeDocument/2006/relationships" xmlns:p="http://schemas.openxmlformats.org/presentationml/2006/main">
   <p:tag name="NUM" val="2"/>
 </p:tagLst>
 </file>
 
-<file path=ppt/tags/tag56.xml><?xml version="1.0" encoding="utf-8"?>
+<file path=ppt/tags/tag58.xml><?xml version="1.0" encoding="utf-8"?>
 <p:tagLst xmlns:a="http://schemas.openxmlformats.org/drawingml/2006/main" xmlns:r="http://schemas.openxmlformats.org/officeDocument/2006/relationships" xmlns:p="http://schemas.openxmlformats.org/presentationml/2006/main">
   <p:tag name="NUM" val="3"/>
 </p:tagLst>
 </file>
 
-<file path=ppt/tags/tag57.xml><?xml version="1.0" encoding="utf-8"?>
+<file path=ppt/tags/tag59.xml><?xml version="1.0" encoding="utf-8"?>
 <p:tagLst xmlns:a="http://schemas.openxmlformats.org/drawingml/2006/main" xmlns:r="http://schemas.openxmlformats.org/officeDocument/2006/relationships" xmlns:p="http://schemas.openxmlformats.org/presentationml/2006/main">
   <p:tag name="NUM" val="1"/>
-</p:tagLst>
-</file>
-
-<file path=ppt/tags/tag58.xml><?xml version="1.0" encoding="utf-8"?>
-<p:tagLst xmlns:a="http://schemas.openxmlformats.org/drawingml/2006/main" xmlns:r="http://schemas.openxmlformats.org/officeDocument/2006/relationships" xmlns:p="http://schemas.openxmlformats.org/presentationml/2006/main">
-  <p:tag name="NUM" val="2"/>
-</p:tagLst>
-</file>
-
-<file path=ppt/tags/tag59.xml><?xml version="1.0" encoding="utf-8"?>
-<p:tagLst xmlns:a="http://schemas.openxmlformats.org/drawingml/2006/main" xmlns:r="http://schemas.openxmlformats.org/officeDocument/2006/relationships" xmlns:p="http://schemas.openxmlformats.org/presentationml/2006/main">
-  <p:tag name="NUM" val="3"/>
 </p:tagLst>
 </file>
 
@@ -8408,13 +8586,13 @@
 
 <file path=ppt/tags/tag60.xml><?xml version="1.0" encoding="utf-8"?>
 <p:tagLst xmlns:a="http://schemas.openxmlformats.org/drawingml/2006/main" xmlns:r="http://schemas.openxmlformats.org/officeDocument/2006/relationships" xmlns:p="http://schemas.openxmlformats.org/presentationml/2006/main">
-  <p:tag name="NUM" val="1"/>
+  <p:tag name="NUM" val="2"/>
 </p:tagLst>
 </file>
 
 <file path=ppt/tags/tag61.xml><?xml version="1.0" encoding="utf-8"?>
 <p:tagLst xmlns:a="http://schemas.openxmlformats.org/drawingml/2006/main" xmlns:r="http://schemas.openxmlformats.org/officeDocument/2006/relationships" xmlns:p="http://schemas.openxmlformats.org/presentationml/2006/main">
-  <p:tag name="NUM" val="2"/>
+  <p:tag name="NUM" val="1"/>
 </p:tagLst>
 </file>
 
@@ -8426,31 +8604,13 @@
 
 <file path=ppt/tags/tag63.xml><?xml version="1.0" encoding="utf-8"?>
 <p:tagLst xmlns:a="http://schemas.openxmlformats.org/drawingml/2006/main" xmlns:r="http://schemas.openxmlformats.org/officeDocument/2006/relationships" xmlns:p="http://schemas.openxmlformats.org/presentationml/2006/main">
-  <p:tag name="NUM" val="2"/>
+  <p:tag name="NUM" val="1"/>
 </p:tagLst>
 </file>
 
 <file path=ppt/tags/tag64.xml><?xml version="1.0" encoding="utf-8"?>
 <p:tagLst xmlns:a="http://schemas.openxmlformats.org/drawingml/2006/main" xmlns:r="http://schemas.openxmlformats.org/officeDocument/2006/relationships" xmlns:p="http://schemas.openxmlformats.org/presentationml/2006/main">
-  <p:tag name="NUM" val="1"/>
-</p:tagLst>
-</file>
-
-<file path=ppt/tags/tag65.xml><?xml version="1.0" encoding="utf-8"?>
-<p:tagLst xmlns:a="http://schemas.openxmlformats.org/drawingml/2006/main" xmlns:r="http://schemas.openxmlformats.org/officeDocument/2006/relationships" xmlns:p="http://schemas.openxmlformats.org/presentationml/2006/main">
-  <p:tag name="NUM" val="1"/>
-</p:tagLst>
-</file>
-
-<file path=ppt/tags/tag66.xml><?xml version="1.0" encoding="utf-8"?>
-<p:tagLst xmlns:a="http://schemas.openxmlformats.org/drawingml/2006/main" xmlns:r="http://schemas.openxmlformats.org/officeDocument/2006/relationships" xmlns:p="http://schemas.openxmlformats.org/presentationml/2006/main">
   <p:tag name="NUM" val="2"/>
-</p:tagLst>
-</file>
-
-<file path=ppt/tags/tag67.xml><?xml version="1.0" encoding="utf-8"?>
-<p:tagLst xmlns:a="http://schemas.openxmlformats.org/drawingml/2006/main" xmlns:r="http://schemas.openxmlformats.org/officeDocument/2006/relationships" xmlns:p="http://schemas.openxmlformats.org/presentationml/2006/main">
-  <p:tag name="NUM" val="3"/>
 </p:tagLst>
 </file>
 
@@ -8462,13 +8622,13 @@
 
 <file path=ppt/tags/tag8.xml><?xml version="1.0" encoding="utf-8"?>
 <p:tagLst xmlns:a="http://schemas.openxmlformats.org/drawingml/2006/main" xmlns:r="http://schemas.openxmlformats.org/officeDocument/2006/relationships" xmlns:p="http://schemas.openxmlformats.org/presentationml/2006/main">
-  <p:tag name="NUM" val="1"/>
+  <p:tag name="NUM" val="2"/>
 </p:tagLst>
 </file>
 
 <file path=ppt/tags/tag9.xml><?xml version="1.0" encoding="utf-8"?>
 <p:tagLst xmlns:a="http://schemas.openxmlformats.org/drawingml/2006/main" xmlns:r="http://schemas.openxmlformats.org/officeDocument/2006/relationships" xmlns:p="http://schemas.openxmlformats.org/presentationml/2006/main">
-  <p:tag name="NUM" val="2"/>
+  <p:tag name="NUM" val="1"/>
 </p:tagLst>
 </file>
 

--- a/moteur de recommandations de films.pptx
+++ b/moteur de recommandations de films.pptx
@@ -20,17 +20,19 @@
     <p:sldId id="269" r:id="rId14"/>
     <p:sldId id="266" r:id="rId15"/>
     <p:sldId id="268" r:id="rId16"/>
-    <p:sldId id="270" r:id="rId17"/>
-    <p:sldId id="267" r:id="rId18"/>
-    <p:sldId id="273" r:id="rId19"/>
-    <p:sldId id="274" r:id="rId20"/>
-    <p:sldId id="275" r:id="rId21"/>
-    <p:sldId id="276" r:id="rId22"/>
-    <p:sldId id="277" r:id="rId23"/>
-    <p:sldId id="278" r:id="rId24"/>
-    <p:sldId id="279" r:id="rId25"/>
-    <p:sldId id="282" r:id="rId26"/>
-    <p:sldId id="280" r:id="rId27"/>
+    <p:sldId id="287" r:id="rId17"/>
+    <p:sldId id="270" r:id="rId18"/>
+    <p:sldId id="267" r:id="rId19"/>
+    <p:sldId id="273" r:id="rId20"/>
+    <p:sldId id="274" r:id="rId21"/>
+    <p:sldId id="275" r:id="rId22"/>
+    <p:sldId id="276" r:id="rId23"/>
+    <p:sldId id="277" r:id="rId24"/>
+    <p:sldId id="278" r:id="rId25"/>
+    <p:sldId id="279" r:id="rId26"/>
+    <p:sldId id="282" r:id="rId27"/>
+    <p:sldId id="280" r:id="rId28"/>
+    <p:sldId id="286" r:id="rId29"/>
   </p:sldIdLst>
   <p:sldSz cx="9144000" cy="6858000" type="screen4x3"/>
   <p:notesSz cx="6858000" cy="9144000"/>
@@ -235,7 +237,7 @@
             <a:fld id="{38237106-F2ED-405E-BC33-CC3CF426205F}" type="slidenum">
               <a:rPr lang="en-US" smtClean="0"/>
               <a:pPr/>
-              <a:t>‹N°›</a:t>
+              <a:t>‹#›</a:t>
             </a:fld>
             <a:endParaRPr lang="en-US"/>
           </a:p>
@@ -553,7 +555,7 @@
             <a:fld id="{38237106-F2ED-405E-BC33-CC3CF426205F}" type="slidenum">
               <a:rPr lang="en-US" smtClean="0"/>
               <a:pPr/>
-              <a:t>‹N°›</a:t>
+              <a:t>‹#›</a:t>
             </a:fld>
             <a:endParaRPr lang="en-US"/>
           </a:p>
@@ -730,7 +732,7 @@
             <a:fld id="{38237106-F2ED-405E-BC33-CC3CF426205F}" type="slidenum">
               <a:rPr lang="en-US" smtClean="0"/>
               <a:pPr/>
-              <a:t>‹N°›</a:t>
+              <a:t>‹#›</a:t>
             </a:fld>
             <a:endParaRPr lang="en-US"/>
           </a:p>
@@ -850,7 +852,7 @@
             <a:fld id="{38237106-F2ED-405E-BC33-CC3CF426205F}" type="slidenum">
               <a:rPr lang="en-US" smtClean="0"/>
               <a:pPr/>
-              <a:t>‹N°›</a:t>
+              <a:t>‹#›</a:t>
             </a:fld>
             <a:endParaRPr lang="en-US"/>
           </a:p>
@@ -1150,7 +1152,7 @@
             <a:fld id="{B1523C92-45F4-4C30-810D-4886C1BA6969}" type="slidenum">
               <a:rPr lang="en-US" smtClean="0"/>
               <a:pPr/>
-              <a:t>‹N°›</a:t>
+              <a:t>‹#›</a:t>
             </a:fld>
             <a:endParaRPr lang="en-US"/>
           </a:p>
@@ -1445,7 +1447,7 @@
             <a:fld id="{38237106-F2ED-405E-BC33-CC3CF426205F}" type="slidenum">
               <a:rPr lang="en-US" smtClean="0"/>
               <a:pPr/>
-              <a:t>‹N°›</a:t>
+              <a:t>‹#›</a:t>
             </a:fld>
             <a:endParaRPr lang="en-US"/>
           </a:p>
@@ -1875,7 +1877,7 @@
             <a:fld id="{38237106-F2ED-405E-BC33-CC3CF426205F}" type="slidenum">
               <a:rPr lang="en-US" smtClean="0"/>
               <a:pPr/>
-              <a:t>‹N°›</a:t>
+              <a:t>‹#›</a:t>
             </a:fld>
             <a:endParaRPr lang="en-US"/>
           </a:p>
@@ -1995,7 +1997,7 @@
             <a:fld id="{38237106-F2ED-405E-BC33-CC3CF426205F}" type="slidenum">
               <a:rPr lang="en-US" smtClean="0"/>
               <a:pPr/>
-              <a:t>‹N°›</a:t>
+              <a:t>‹#›</a:t>
             </a:fld>
             <a:endParaRPr lang="en-US"/>
           </a:p>
@@ -2087,7 +2089,7 @@
             <a:fld id="{38237106-F2ED-405E-BC33-CC3CF426205F}" type="slidenum">
               <a:rPr lang="en-US" smtClean="0"/>
               <a:pPr/>
-              <a:t>‹N°›</a:t>
+              <a:t>‹#›</a:t>
             </a:fld>
             <a:endParaRPr lang="en-US"/>
           </a:p>
@@ -2339,7 +2341,7 @@
             <a:fld id="{38237106-F2ED-405E-BC33-CC3CF426205F}" type="slidenum">
               <a:rPr lang="en-US" smtClean="0"/>
               <a:pPr/>
-              <a:t>‹N°›</a:t>
+              <a:t>‹#›</a:t>
             </a:fld>
             <a:endParaRPr lang="en-US"/>
           </a:p>
@@ -2857,7 +2859,7 @@
             <a:fld id="{38237106-F2ED-405E-BC33-CC3CF426205F}" type="slidenum">
               <a:rPr lang="en-US" smtClean="0"/>
               <a:pPr/>
-              <a:t>‹N°›</a:t>
+              <a:t>‹#›</a:t>
             </a:fld>
             <a:endParaRPr lang="en-US"/>
           </a:p>
@@ -3121,7 +3123,7 @@
             <a:fld id="{38237106-F2ED-405E-BC33-CC3CF426205F}" type="slidenum">
               <a:rPr lang="en-US" smtClean="0"/>
               <a:pPr/>
-              <a:t>‹N°›</a:t>
+              <a:t>‹#›</a:t>
             </a:fld>
             <a:endParaRPr lang="en-US" dirty="0"/>
           </a:p>
@@ -3613,7 +3615,7 @@
     </p:spTree>
     <p:extLst>
       <p:ext uri="{BB962C8B-B14F-4D97-AF65-F5344CB8AC3E}">
-        <p14:creationId xmlns:p14="http://schemas.microsoft.com/office/powerpoint/2010/main" val="3468283249"/>
+        <p14:creationId xmlns:p14="http://schemas.microsoft.com/office/powerpoint/2010/main" xmlns="" val="3468283249"/>
       </p:ext>
     </p:extLst>
   </p:cSld>
@@ -3788,7 +3790,7 @@
           <a:blip r:embed="rId6" cstate="print">
             <a:extLst>
               <a:ext uri="{28A0092B-C50C-407E-A947-70E740481C1C}">
-                <a14:useLocalDpi xmlns:a14="http://schemas.microsoft.com/office/drawing/2010/main" val="0"/>
+                <a14:useLocalDpi xmlns:a14="http://schemas.microsoft.com/office/drawing/2010/main" xmlns="" val="0"/>
               </a:ext>
             </a:extLst>
           </a:blip>
@@ -3812,14 +3814,14 @@
           <a:effectLst/>
           <a:extLst>
             <a:ext uri="{909E8E84-426E-40DD-AFC4-6F175D3DCCD1}">
-              <a14:hiddenFill xmlns:a14="http://schemas.microsoft.com/office/drawing/2010/main">
+              <a14:hiddenFill xmlns:a14="http://schemas.microsoft.com/office/drawing/2010/main" xmlns="">
                 <a:solidFill>
                   <a:schemeClr val="accent1"/>
                 </a:solidFill>
               </a14:hiddenFill>
             </a:ext>
             <a:ext uri="{91240B29-F687-4F45-9708-019B960494DF}">
-              <a14:hiddenLine xmlns:a14="http://schemas.microsoft.com/office/drawing/2010/main" w="9525">
+              <a14:hiddenLine xmlns:a14="http://schemas.microsoft.com/office/drawing/2010/main" xmlns="" w="9525">
                 <a:solidFill>
                   <a:schemeClr val="tx1"/>
                 </a:solidFill>
@@ -3829,7 +3831,7 @@
               </a14:hiddenLine>
             </a:ext>
             <a:ext uri="{AF507438-7753-43E0-B8FC-AC1667EBCBE1}">
-              <a14:hiddenEffects xmlns:a14="http://schemas.microsoft.com/office/drawing/2010/main">
+              <a14:hiddenEffects xmlns:a14="http://schemas.microsoft.com/office/drawing/2010/main" xmlns="">
                 <a:effectLst>
                   <a:outerShdw dist="35921" dir="2700000" algn="ctr" rotWithShape="0">
                     <a:schemeClr val="bg2"/>
@@ -3856,7 +3858,7 @@
           <a:blip r:embed="rId7" cstate="print">
             <a:extLst>
               <a:ext uri="{28A0092B-C50C-407E-A947-70E740481C1C}">
-                <a14:useLocalDpi xmlns:a14="http://schemas.microsoft.com/office/drawing/2010/main" val="0"/>
+                <a14:useLocalDpi xmlns:a14="http://schemas.microsoft.com/office/drawing/2010/main" xmlns="" val="0"/>
               </a:ext>
             </a:extLst>
           </a:blip>
@@ -3880,14 +3882,14 @@
           <a:effectLst/>
           <a:extLst>
             <a:ext uri="{909E8E84-426E-40DD-AFC4-6F175D3DCCD1}">
-              <a14:hiddenFill xmlns:a14="http://schemas.microsoft.com/office/drawing/2010/main">
+              <a14:hiddenFill xmlns:a14="http://schemas.microsoft.com/office/drawing/2010/main" xmlns="">
                 <a:solidFill>
                   <a:schemeClr val="accent1"/>
                 </a:solidFill>
               </a14:hiddenFill>
             </a:ext>
             <a:ext uri="{91240B29-F687-4F45-9708-019B960494DF}">
-              <a14:hiddenLine xmlns:a14="http://schemas.microsoft.com/office/drawing/2010/main" w="9525">
+              <a14:hiddenLine xmlns:a14="http://schemas.microsoft.com/office/drawing/2010/main" xmlns="" w="9525">
                 <a:solidFill>
                   <a:schemeClr val="tx1"/>
                 </a:solidFill>
@@ -3897,7 +3899,7 @@
               </a14:hiddenLine>
             </a:ext>
             <a:ext uri="{AF507438-7753-43E0-B8FC-AC1667EBCBE1}">
-              <a14:hiddenEffects xmlns:a14="http://schemas.microsoft.com/office/drawing/2010/main">
+              <a14:hiddenEffects xmlns:a14="http://schemas.microsoft.com/office/drawing/2010/main" xmlns="">
                 <a:effectLst>
                   <a:outerShdw dist="35921" dir="2700000" algn="ctr" rotWithShape="0">
                     <a:schemeClr val="bg2"/>
@@ -3911,7 +3913,7 @@
     </p:spTree>
     <p:extLst>
       <p:ext uri="{BB962C8B-B14F-4D97-AF65-F5344CB8AC3E}">
-        <p14:creationId xmlns:p14="http://schemas.microsoft.com/office/powerpoint/2010/main" val="4043571853"/>
+        <p14:creationId xmlns:p14="http://schemas.microsoft.com/office/powerpoint/2010/main" xmlns="" val="4043571853"/>
       </p:ext>
     </p:extLst>
   </p:cSld>
@@ -4139,7 +4141,7 @@
     </p:spTree>
     <p:extLst>
       <p:ext uri="{BB962C8B-B14F-4D97-AF65-F5344CB8AC3E}">
-        <p14:creationId xmlns:p14="http://schemas.microsoft.com/office/powerpoint/2010/main" val="2764281191"/>
+        <p14:creationId xmlns:p14="http://schemas.microsoft.com/office/powerpoint/2010/main" xmlns="" val="2764281191"/>
       </p:ext>
     </p:extLst>
   </p:cSld>
@@ -4219,7 +4221,7 @@
     </p:spTree>
     <p:extLst>
       <p:ext uri="{BB962C8B-B14F-4D97-AF65-F5344CB8AC3E}">
-        <p14:creationId xmlns:p14="http://schemas.microsoft.com/office/powerpoint/2010/main" val="2134462054"/>
+        <p14:creationId xmlns:p14="http://schemas.microsoft.com/office/powerpoint/2010/main" xmlns="" val="2134462054"/>
       </p:ext>
     </p:extLst>
   </p:cSld>
@@ -4345,7 +4347,7 @@
     </p:spTree>
     <p:extLst>
       <p:ext uri="{BB962C8B-B14F-4D97-AF65-F5344CB8AC3E}">
-        <p14:creationId xmlns:p14="http://schemas.microsoft.com/office/powerpoint/2010/main" val="2364585716"/>
+        <p14:creationId xmlns:p14="http://schemas.microsoft.com/office/powerpoint/2010/main" xmlns="" val="2364585716"/>
       </p:ext>
     </p:extLst>
   </p:cSld>
@@ -4456,7 +4458,7 @@
           <a:blip r:embed="rId7" cstate="print">
             <a:extLst>
               <a:ext uri="{28A0092B-C50C-407E-A947-70E740481C1C}">
-                <a14:useLocalDpi xmlns:a14="http://schemas.microsoft.com/office/drawing/2010/main" val="0"/>
+                <a14:useLocalDpi xmlns:a14="http://schemas.microsoft.com/office/drawing/2010/main" xmlns="" val="0"/>
               </a:ext>
             </a:extLst>
           </a:blip>
@@ -4480,14 +4482,14 @@
           <a:effectLst/>
           <a:extLst>
             <a:ext uri="{909E8E84-426E-40DD-AFC4-6F175D3DCCD1}">
-              <a14:hiddenFill xmlns:a14="http://schemas.microsoft.com/office/drawing/2010/main">
+              <a14:hiddenFill xmlns:a14="http://schemas.microsoft.com/office/drawing/2010/main" xmlns="">
                 <a:solidFill>
                   <a:schemeClr val="accent1"/>
                 </a:solidFill>
               </a14:hiddenFill>
             </a:ext>
             <a:ext uri="{91240B29-F687-4F45-9708-019B960494DF}">
-              <a14:hiddenLine xmlns:a14="http://schemas.microsoft.com/office/drawing/2010/main" w="9525">
+              <a14:hiddenLine xmlns:a14="http://schemas.microsoft.com/office/drawing/2010/main" xmlns="" w="9525">
                 <a:solidFill>
                   <a:schemeClr val="tx1"/>
                 </a:solidFill>
@@ -4497,7 +4499,7 @@
               </a14:hiddenLine>
             </a:ext>
             <a:ext uri="{AF507438-7753-43E0-B8FC-AC1667EBCBE1}">
-              <a14:hiddenEffects xmlns:a14="http://schemas.microsoft.com/office/drawing/2010/main">
+              <a14:hiddenEffects xmlns:a14="http://schemas.microsoft.com/office/drawing/2010/main" xmlns="">
                 <a:effectLst>
                   <a:outerShdw dist="35921" dir="2700000" algn="ctr" rotWithShape="0">
                     <a:schemeClr val="bg2"/>
@@ -4616,7 +4618,7 @@
     </p:spTree>
     <p:extLst>
       <p:ext uri="{BB962C8B-B14F-4D97-AF65-F5344CB8AC3E}">
-        <p14:creationId xmlns:p14="http://schemas.microsoft.com/office/powerpoint/2010/main" val="1134370508"/>
+        <p14:creationId xmlns:p14="http://schemas.microsoft.com/office/powerpoint/2010/main" xmlns="" val="1134370508"/>
       </p:ext>
     </p:extLst>
   </p:cSld>
@@ -4739,7 +4741,7 @@
           <a:blip r:embed="rId5" cstate="print">
             <a:extLst>
               <a:ext uri="{28A0092B-C50C-407E-A947-70E740481C1C}">
-                <a14:useLocalDpi xmlns:a14="http://schemas.microsoft.com/office/drawing/2010/main" val="0"/>
+                <a14:useLocalDpi xmlns:a14="http://schemas.microsoft.com/office/drawing/2010/main" xmlns="" val="0"/>
               </a:ext>
             </a:extLst>
           </a:blip>
@@ -4763,14 +4765,14 @@
           <a:effectLst/>
           <a:extLst>
             <a:ext uri="{909E8E84-426E-40DD-AFC4-6F175D3DCCD1}">
-              <a14:hiddenFill xmlns:a14="http://schemas.microsoft.com/office/drawing/2010/main">
+              <a14:hiddenFill xmlns:a14="http://schemas.microsoft.com/office/drawing/2010/main" xmlns="">
                 <a:solidFill>
                   <a:schemeClr val="accent1"/>
                 </a:solidFill>
               </a14:hiddenFill>
             </a:ext>
             <a:ext uri="{91240B29-F687-4F45-9708-019B960494DF}">
-              <a14:hiddenLine xmlns:a14="http://schemas.microsoft.com/office/drawing/2010/main" w="9525">
+              <a14:hiddenLine xmlns:a14="http://schemas.microsoft.com/office/drawing/2010/main" xmlns="" w="9525">
                 <a:solidFill>
                   <a:schemeClr val="tx1"/>
                 </a:solidFill>
@@ -4780,7 +4782,7 @@
               </a14:hiddenLine>
             </a:ext>
             <a:ext uri="{AF507438-7753-43E0-B8FC-AC1667EBCBE1}">
-              <a14:hiddenEffects xmlns:a14="http://schemas.microsoft.com/office/drawing/2010/main">
+              <a14:hiddenEffects xmlns:a14="http://schemas.microsoft.com/office/drawing/2010/main" xmlns="">
                 <a:effectLst>
                   <a:outerShdw dist="35921" dir="2700000" algn="ctr" rotWithShape="0">
                     <a:schemeClr val="bg2"/>
@@ -4794,7 +4796,7 @@
     </p:spTree>
     <p:extLst>
       <p:ext uri="{BB962C8B-B14F-4D97-AF65-F5344CB8AC3E}">
-        <p14:creationId xmlns:p14="http://schemas.microsoft.com/office/powerpoint/2010/main" val="3352962733"/>
+        <p14:creationId xmlns:p14="http://schemas.microsoft.com/office/powerpoint/2010/main" xmlns="" val="3352962733"/>
       </p:ext>
     </p:extLst>
   </p:cSld>
@@ -4812,6 +4814,87 @@
 </file>
 
 <file path=ppt/slides/slide16.xml><?xml version="1.0" encoding="utf-8"?>
+<p:sld xmlns:a="http://schemas.openxmlformats.org/drawingml/2006/main" xmlns:r="http://schemas.openxmlformats.org/officeDocument/2006/relationships" xmlns:p="http://schemas.openxmlformats.org/presentationml/2006/main">
+  <p:cSld>
+    <p:spTree>
+      <p:nvGrpSpPr>
+        <p:cNvPr id="1" name=""/>
+        <p:cNvGrpSpPr/>
+        <p:nvPr/>
+      </p:nvGrpSpPr>
+      <p:grpSpPr>
+        <a:xfrm>
+          <a:off x="0" y="0"/>
+          <a:ext cx="0" cy="0"/>
+          <a:chOff x="0" y="0"/>
+          <a:chExt cx="0" cy="0"/>
+        </a:xfrm>
+      </p:grpSpPr>
+      <p:sp>
+        <p:nvSpPr>
+          <p:cNvPr id="2" name="Title 1"/>
+          <p:cNvSpPr>
+            <a:spLocks noGrp="1"/>
+          </p:cNvSpPr>
+          <p:nvPr>
+            <p:ph type="title"/>
+          </p:nvPr>
+        </p:nvSpPr>
+        <p:spPr/>
+        <p:txBody>
+          <a:bodyPr/>
+          <a:lstStyle/>
+          <a:p>
+            <a:r>
+              <a:rPr lang="sv-SE" dirty="0" smtClean="0"/>
+              <a:t>Hot encoded: Overview</a:t>
+            </a:r>
+            <a:endParaRPr lang="en-US" dirty="0"/>
+          </a:p>
+        </p:txBody>
+      </p:sp>
+      <p:pic>
+        <p:nvPicPr>
+          <p:cNvPr id="2050" name="Picture 2"/>
+          <p:cNvPicPr>
+            <a:picLocks noChangeAspect="1" noChangeArrowheads="1"/>
+          </p:cNvPicPr>
+          <p:nvPr/>
+        </p:nvPicPr>
+        <p:blipFill>
+          <a:blip r:embed="rId2" cstate="print"/>
+          <a:srcRect/>
+          <a:stretch>
+            <a:fillRect/>
+          </a:stretch>
+        </p:blipFill>
+        <p:spPr bwMode="auto">
+          <a:xfrm>
+            <a:off x="539552" y="2060848"/>
+            <a:ext cx="8023225" cy="1590675"/>
+          </a:xfrm>
+          <a:prstGeom prst="rect">
+            <a:avLst/>
+          </a:prstGeom>
+          <a:noFill/>
+          <a:ln w="9525">
+            <a:noFill/>
+            <a:miter lim="800000"/>
+            <a:headEnd/>
+            <a:tailEnd/>
+          </a:ln>
+          <a:effectLst/>
+        </p:spPr>
+      </p:pic>
+    </p:spTree>
+  </p:cSld>
+  <p:clrMapOvr>
+    <a:masterClrMapping/>
+  </p:clrMapOvr>
+</p:sld>
+</file>
+
+<file path=ppt/slides/slide17.xml><?xml version="1.0" encoding="utf-8"?>
 <p:sld xmlns:a="http://schemas.openxmlformats.org/drawingml/2006/main" xmlns:r="http://schemas.openxmlformats.org/officeDocument/2006/relationships" xmlns:p="http://schemas.openxmlformats.org/presentationml/2006/main">
   <p:cSld>
     <p:spTree>
@@ -4844,7 +4927,7 @@
           <a:blip r:embed="rId4" cstate="print">
             <a:extLst>
               <a:ext uri="{28A0092B-C50C-407E-A947-70E740481C1C}">
-                <a14:useLocalDpi xmlns:a14="http://schemas.microsoft.com/office/drawing/2010/main" val="0"/>
+                <a14:useLocalDpi xmlns:a14="http://schemas.microsoft.com/office/drawing/2010/main" xmlns="" val="0"/>
               </a:ext>
             </a:extLst>
           </a:blip>
@@ -4868,14 +4951,14 @@
           <a:effectLst/>
           <a:extLst>
             <a:ext uri="{909E8E84-426E-40DD-AFC4-6F175D3DCCD1}">
-              <a14:hiddenFill xmlns:a14="http://schemas.microsoft.com/office/drawing/2010/main">
+              <a14:hiddenFill xmlns:a14="http://schemas.microsoft.com/office/drawing/2010/main" xmlns="">
                 <a:solidFill>
                   <a:schemeClr val="accent1"/>
                 </a:solidFill>
               </a14:hiddenFill>
             </a:ext>
             <a:ext uri="{91240B29-F687-4F45-9708-019B960494DF}">
-              <a14:hiddenLine xmlns:a14="http://schemas.microsoft.com/office/drawing/2010/main" w="9525">
+              <a14:hiddenLine xmlns:a14="http://schemas.microsoft.com/office/drawing/2010/main" xmlns="" w="9525">
                 <a:solidFill>
                   <a:schemeClr val="tx1"/>
                 </a:solidFill>
@@ -4885,7 +4968,7 @@
               </a14:hiddenLine>
             </a:ext>
             <a:ext uri="{AF507438-7753-43E0-B8FC-AC1667EBCBE1}">
-              <a14:hiddenEffects xmlns:a14="http://schemas.microsoft.com/office/drawing/2010/main">
+              <a14:hiddenEffects xmlns:a14="http://schemas.microsoft.com/office/drawing/2010/main" xmlns="">
                 <a:effectLst>
                   <a:outerShdw dist="35921" dir="2700000" algn="ctr" rotWithShape="0">
                     <a:schemeClr val="bg2"/>
@@ -4945,7 +5028,7 @@
     </p:spTree>
     <p:extLst>
       <p:ext uri="{BB962C8B-B14F-4D97-AF65-F5344CB8AC3E}">
-        <p14:creationId xmlns:p14="http://schemas.microsoft.com/office/powerpoint/2010/main" val="2816162945"/>
+        <p14:creationId xmlns:p14="http://schemas.microsoft.com/office/powerpoint/2010/main" xmlns="" val="2816162945"/>
       </p:ext>
     </p:extLst>
   </p:cSld>
@@ -4962,7 +5045,7 @@
 </p:sld>
 </file>
 
-<file path=ppt/slides/slide17.xml><?xml version="1.0" encoding="utf-8"?>
+<file path=ppt/slides/slide18.xml><?xml version="1.0" encoding="utf-8"?>
 <p:sld xmlns:a="http://schemas.openxmlformats.org/drawingml/2006/main" xmlns:r="http://schemas.openxmlformats.org/officeDocument/2006/relationships" xmlns:p="http://schemas.openxmlformats.org/presentationml/2006/main">
   <p:cSld>
     <p:spTree>
@@ -5037,15 +5120,7 @@
             </a:r>
             <a:r>
               <a:rPr lang="fr-FR" dirty="0" smtClean="0"/>
-              <a:t> » égal au nombre de </a:t>
-            </a:r>
-            <a:r>
-              <a:rPr lang="fr-FR" dirty="0" smtClean="0"/>
-              <a:t>films </a:t>
-            </a:r>
-            <a:r>
-              <a:rPr lang="fr-FR" dirty="0" smtClean="0"/>
-              <a:t>réalisés par ce directeur</a:t>
+              <a:t> » égal au nombre de films réalisés par ce directeur</a:t>
             </a:r>
           </a:p>
         </p:txBody>
@@ -5228,151 +5303,7 @@
     </p:spTree>
     <p:extLst>
       <p:ext uri="{BB962C8B-B14F-4D97-AF65-F5344CB8AC3E}">
-        <p14:creationId xmlns:p14="http://schemas.microsoft.com/office/powerpoint/2010/main" val="2938571504"/>
-      </p:ext>
-    </p:extLst>
-  </p:cSld>
-  <p:clrMapOvr>
-    <a:masterClrMapping/>
-  </p:clrMapOvr>
-  <p:timing>
-    <p:tnLst>
-      <p:par>
-        <p:cTn id="1" dur="indefinite" restart="never" nodeType="tmRoot"/>
-      </p:par>
-    </p:tnLst>
-  </p:timing>
-</p:sld>
-</file>
-
-<file path=ppt/slides/slide18.xml><?xml version="1.0" encoding="utf-8"?>
-<p:sld xmlns:a="http://schemas.openxmlformats.org/drawingml/2006/main" xmlns:r="http://schemas.openxmlformats.org/officeDocument/2006/relationships" xmlns:p="http://schemas.openxmlformats.org/presentationml/2006/main">
-  <p:cSld>
-    <p:spTree>
-      <p:nvGrpSpPr>
-        <p:cNvPr id="1" name=""/>
-        <p:cNvGrpSpPr/>
-        <p:nvPr/>
-      </p:nvGrpSpPr>
-      <p:grpSpPr>
-        <a:xfrm>
-          <a:off x="0" y="0"/>
-          <a:ext cx="0" cy="0"/>
-          <a:chOff x="0" y="0"/>
-          <a:chExt cx="0" cy="0"/>
-        </a:xfrm>
-      </p:grpSpPr>
-      <p:sp>
-        <p:nvSpPr>
-          <p:cNvPr id="2" name="Titre 1"/>
-          <p:cNvSpPr>
-            <a:spLocks noGrp="1"/>
-          </p:cNvSpPr>
-          <p:nvPr>
-            <p:ph type="title"/>
-            <p:custDataLst>
-              <p:tags r:id="rId1"/>
-            </p:custDataLst>
-          </p:nvPr>
-        </p:nvSpPr>
-        <p:spPr>
-          <a:xfrm>
-            <a:off x="2843808" y="4437112"/>
-            <a:ext cx="7848872" cy="62880"/>
-          </a:xfrm>
-        </p:spPr>
-        <p:txBody>
-          <a:bodyPr/>
-          <a:lstStyle/>
-          <a:p>
-            <a:r>
-              <a:rPr lang="fr-FR" sz="3200" dirty="0" smtClean="0"/>
-              <a:t>4. </a:t>
-            </a:r>
-            <a:r>
-              <a:rPr lang="fr-FR" sz="3200" dirty="0" smtClean="0"/>
-              <a:t>Modélisation</a:t>
-            </a:r>
-            <a:br>
-              <a:rPr lang="fr-FR" sz="3200" dirty="0" smtClean="0"/>
-            </a:br>
-            <a:r>
-              <a:rPr lang="fr-FR" sz="3200" dirty="0" smtClean="0"/>
-              <a:t/>
-            </a:r>
-            <a:br>
-              <a:rPr lang="fr-FR" sz="3200" dirty="0" smtClean="0"/>
-            </a:br>
-            <a:r>
-              <a:rPr lang="fr-FR" sz="3200" dirty="0"/>
-              <a:t/>
-            </a:r>
-            <a:br>
-              <a:rPr lang="fr-FR" sz="3200" dirty="0"/>
-            </a:br>
-            <a:endParaRPr lang="fr-FR" dirty="0"/>
-          </a:p>
-        </p:txBody>
-      </p:sp>
-      <p:sp>
-        <p:nvSpPr>
-          <p:cNvPr id="3" name="ZoneTexte 2"/>
-          <p:cNvSpPr txBox="1"/>
-          <p:nvPr/>
-        </p:nvSpPr>
-        <p:spPr>
-          <a:xfrm>
-            <a:off x="3275856" y="3329409"/>
-            <a:ext cx="3018775" cy="1384995"/>
-          </a:xfrm>
-          <a:prstGeom prst="rect">
-            <a:avLst/>
-          </a:prstGeom>
-          <a:noFill/>
-        </p:spPr>
-        <p:txBody>
-          <a:bodyPr wrap="none" rtlCol="0">
-            <a:spAutoFit/>
-          </a:bodyPr>
-          <a:lstStyle/>
-          <a:p>
-            <a:pPr marL="457200" indent="-457200">
-              <a:buFont typeface="Arial" pitchFamily="34" charset="0"/>
-              <a:buChar char="•"/>
-            </a:pPr>
-            <a:r>
-              <a:rPr lang="fr-FR" sz="2800" dirty="0" smtClean="0"/>
-              <a:t>PCA</a:t>
-            </a:r>
-          </a:p>
-          <a:p>
-            <a:pPr marL="457200" indent="-457200">
-              <a:buFont typeface="Arial" pitchFamily="34" charset="0"/>
-              <a:buChar char="•"/>
-            </a:pPr>
-            <a:r>
-              <a:rPr lang="fr-FR" sz="2800" dirty="0" err="1" smtClean="0"/>
-              <a:t>Kmeans</a:t>
-            </a:r>
-            <a:endParaRPr lang="fr-FR" sz="2800" dirty="0" smtClean="0"/>
-          </a:p>
-          <a:p>
-            <a:pPr marL="457200" indent="-457200">
-              <a:buFont typeface="Arial" pitchFamily="34" charset="0"/>
-              <a:buChar char="•"/>
-            </a:pPr>
-            <a:r>
-              <a:rPr lang="fr-FR" sz="2800" dirty="0" err="1" smtClean="0"/>
-              <a:t>NearestNeighbors</a:t>
-            </a:r>
-            <a:endParaRPr lang="fr-FR" sz="2800" dirty="0"/>
-          </a:p>
-        </p:txBody>
-      </p:sp>
-    </p:spTree>
-    <p:extLst>
-      <p:ext uri="{BB962C8B-B14F-4D97-AF65-F5344CB8AC3E}">
-        <p14:creationId xmlns:p14="http://schemas.microsoft.com/office/powerpoint/2010/main" val="3261211585"/>
+        <p14:creationId xmlns:p14="http://schemas.microsoft.com/office/powerpoint/2010/main" xmlns="" val="2938571504"/>
       </p:ext>
     </p:extLst>
   </p:cSld>
@@ -5419,6 +5350,303 @@
             </p:custDataLst>
           </p:nvPr>
         </p:nvSpPr>
+        <p:spPr>
+          <a:xfrm>
+            <a:off x="2843808" y="4437112"/>
+            <a:ext cx="7848872" cy="62880"/>
+          </a:xfrm>
+        </p:spPr>
+        <p:txBody>
+          <a:bodyPr/>
+          <a:lstStyle/>
+          <a:p>
+            <a:r>
+              <a:rPr lang="fr-FR" sz="3200" dirty="0" smtClean="0"/>
+              <a:t>4. Modélisation</a:t>
+            </a:r>
+            <a:br>
+              <a:rPr lang="fr-FR" sz="3200" dirty="0" smtClean="0"/>
+            </a:br>
+            <a:r>
+              <a:rPr lang="fr-FR" sz="3200" dirty="0" smtClean="0"/>
+              <a:t/>
+            </a:r>
+            <a:br>
+              <a:rPr lang="fr-FR" sz="3200" dirty="0" smtClean="0"/>
+            </a:br>
+            <a:r>
+              <a:rPr lang="fr-FR" sz="3200" dirty="0"/>
+              <a:t/>
+            </a:r>
+            <a:br>
+              <a:rPr lang="fr-FR" sz="3200" dirty="0"/>
+            </a:br>
+            <a:endParaRPr lang="fr-FR" dirty="0"/>
+          </a:p>
+        </p:txBody>
+      </p:sp>
+      <p:sp>
+        <p:nvSpPr>
+          <p:cNvPr id="3" name="ZoneTexte 2"/>
+          <p:cNvSpPr txBox="1"/>
+          <p:nvPr/>
+        </p:nvSpPr>
+        <p:spPr>
+          <a:xfrm>
+            <a:off x="3275856" y="3329409"/>
+            <a:ext cx="3018775" cy="1384995"/>
+          </a:xfrm>
+          <a:prstGeom prst="rect">
+            <a:avLst/>
+          </a:prstGeom>
+          <a:noFill/>
+        </p:spPr>
+        <p:txBody>
+          <a:bodyPr wrap="none" rtlCol="0">
+            <a:spAutoFit/>
+          </a:bodyPr>
+          <a:lstStyle/>
+          <a:p>
+            <a:pPr marL="457200" indent="-457200">
+              <a:buFont typeface="Arial" pitchFamily="34" charset="0"/>
+              <a:buChar char="•"/>
+            </a:pPr>
+            <a:r>
+              <a:rPr lang="fr-FR" sz="2800" dirty="0" smtClean="0"/>
+              <a:t>PCA</a:t>
+            </a:r>
+          </a:p>
+          <a:p>
+            <a:pPr marL="457200" indent="-457200">
+              <a:buFont typeface="Arial" pitchFamily="34" charset="0"/>
+              <a:buChar char="•"/>
+            </a:pPr>
+            <a:r>
+              <a:rPr lang="fr-FR" sz="2800" dirty="0" err="1" smtClean="0"/>
+              <a:t>Kmeans</a:t>
+            </a:r>
+            <a:endParaRPr lang="fr-FR" sz="2800" dirty="0" smtClean="0"/>
+          </a:p>
+          <a:p>
+            <a:pPr marL="457200" indent="-457200">
+              <a:buFont typeface="Arial" pitchFamily="34" charset="0"/>
+              <a:buChar char="•"/>
+            </a:pPr>
+            <a:r>
+              <a:rPr lang="fr-FR" sz="2800" dirty="0" err="1" smtClean="0"/>
+              <a:t>NearestNeighbors</a:t>
+            </a:r>
+            <a:endParaRPr lang="fr-FR" sz="2800" dirty="0"/>
+          </a:p>
+        </p:txBody>
+      </p:sp>
+    </p:spTree>
+    <p:extLst>
+      <p:ext uri="{BB962C8B-B14F-4D97-AF65-F5344CB8AC3E}">
+        <p14:creationId xmlns:p14="http://schemas.microsoft.com/office/powerpoint/2010/main" xmlns="" val="3261211585"/>
+      </p:ext>
+    </p:extLst>
+  </p:cSld>
+  <p:clrMapOvr>
+    <a:masterClrMapping/>
+  </p:clrMapOvr>
+  <p:timing>
+    <p:tnLst>
+      <p:par>
+        <p:cTn id="1" dur="indefinite" restart="never" nodeType="tmRoot"/>
+      </p:par>
+    </p:tnLst>
+  </p:timing>
+</p:sld>
+</file>
+
+<file path=ppt/slides/slide2.xml><?xml version="1.0" encoding="utf-8"?>
+<p:sld xmlns:a="http://schemas.openxmlformats.org/drawingml/2006/main" xmlns:r="http://schemas.openxmlformats.org/officeDocument/2006/relationships" xmlns:p="http://schemas.openxmlformats.org/presentationml/2006/main">
+  <p:cSld>
+    <p:spTree>
+      <p:nvGrpSpPr>
+        <p:cNvPr id="1" name=""/>
+        <p:cNvGrpSpPr/>
+        <p:nvPr/>
+      </p:nvGrpSpPr>
+      <p:grpSpPr>
+        <a:xfrm>
+          <a:off x="0" y="0"/>
+          <a:ext cx="0" cy="0"/>
+          <a:chOff x="0" y="0"/>
+          <a:chExt cx="0" cy="0"/>
+        </a:xfrm>
+      </p:grpSpPr>
+      <p:sp>
+        <p:nvSpPr>
+          <p:cNvPr id="2" name="Titre 1"/>
+          <p:cNvSpPr>
+            <a:spLocks noGrp="1"/>
+          </p:cNvSpPr>
+          <p:nvPr>
+            <p:ph type="title"/>
+            <p:custDataLst>
+              <p:tags r:id="rId1"/>
+            </p:custDataLst>
+          </p:nvPr>
+        </p:nvSpPr>
+        <p:spPr/>
+        <p:txBody>
+          <a:bodyPr/>
+          <a:lstStyle/>
+          <a:p>
+            <a:r>
+              <a:rPr lang="fr-FR" dirty="0" smtClean="0"/>
+              <a:t>Objectifs</a:t>
+            </a:r>
+            <a:endParaRPr lang="fr-FR" dirty="0"/>
+          </a:p>
+        </p:txBody>
+      </p:sp>
+      <p:sp>
+        <p:nvSpPr>
+          <p:cNvPr id="3" name="Espace réservé du contenu 2"/>
+          <p:cNvSpPr>
+            <a:spLocks noGrp="1"/>
+          </p:cNvSpPr>
+          <p:nvPr>
+            <p:ph sz="quarter" idx="13"/>
+            <p:custDataLst>
+              <p:tags r:id="rId2"/>
+            </p:custDataLst>
+          </p:nvPr>
+        </p:nvSpPr>
+        <p:spPr>
+          <a:xfrm>
+            <a:off x="1979712" y="1988840"/>
+            <a:ext cx="6482680" cy="3556992"/>
+          </a:xfrm>
+        </p:spPr>
+        <p:txBody>
+          <a:bodyPr>
+            <a:normAutofit/>
+          </a:bodyPr>
+          <a:lstStyle/>
+          <a:p>
+            <a:pPr marL="525780" indent="-457200">
+              <a:buFont typeface="+mj-lt"/>
+              <a:buAutoNum type="arabicPeriod"/>
+            </a:pPr>
+            <a:r>
+              <a:rPr lang="fr-FR" sz="2400" dirty="0"/>
+              <a:t>Problématique &amp; </a:t>
+            </a:r>
+            <a:r>
+              <a:rPr lang="fr-FR" sz="2400" dirty="0" smtClean="0"/>
+              <a:t>IMDB</a:t>
+            </a:r>
+          </a:p>
+          <a:p>
+            <a:pPr marL="525780" indent="-457200">
+              <a:buFont typeface="+mj-lt"/>
+              <a:buAutoNum type="arabicPeriod"/>
+            </a:pPr>
+            <a:r>
+              <a:rPr lang="fr-FR" sz="2400" dirty="0"/>
+              <a:t>E</a:t>
+            </a:r>
+            <a:r>
+              <a:rPr lang="fr-FR" sz="2400" dirty="0" smtClean="0"/>
+              <a:t>xploration et nettoyage des données</a:t>
+            </a:r>
+            <a:endParaRPr lang="fr-FR" sz="2400" dirty="0"/>
+          </a:p>
+          <a:p>
+            <a:pPr marL="525780" indent="-457200">
+              <a:buFont typeface="+mj-lt"/>
+              <a:buAutoNum type="arabicPeriod"/>
+            </a:pPr>
+            <a:r>
+              <a:rPr lang="fr-FR" sz="2400" dirty="0" err="1"/>
+              <a:t>F</a:t>
+            </a:r>
+            <a:r>
+              <a:rPr lang="fr-FR" sz="2400" dirty="0" err="1" smtClean="0"/>
+              <a:t>eature</a:t>
+            </a:r>
+            <a:r>
+              <a:rPr lang="fr-FR" sz="2400" dirty="0" smtClean="0"/>
+              <a:t> engineering</a:t>
+            </a:r>
+          </a:p>
+          <a:p>
+            <a:pPr marL="525780" indent="-457200">
+              <a:buFont typeface="+mj-lt"/>
+              <a:buAutoNum type="arabicPeriod"/>
+            </a:pPr>
+            <a:r>
+              <a:rPr lang="fr-FR" sz="2400" dirty="0" smtClean="0"/>
+              <a:t>Modélisation</a:t>
+            </a:r>
+          </a:p>
+          <a:p>
+            <a:pPr marL="525780" indent="-457200">
+              <a:buFont typeface="+mj-lt"/>
+              <a:buAutoNum type="arabicPeriod"/>
+            </a:pPr>
+            <a:r>
+              <a:rPr lang="fr-FR" sz="2400" dirty="0" smtClean="0"/>
+              <a:t>API </a:t>
+            </a:r>
+            <a:endParaRPr lang="fr-FR" sz="2400" dirty="0"/>
+          </a:p>
+        </p:txBody>
+      </p:sp>
+    </p:spTree>
+    <p:extLst>
+      <p:ext uri="{BB962C8B-B14F-4D97-AF65-F5344CB8AC3E}">
+        <p14:creationId xmlns:p14="http://schemas.microsoft.com/office/powerpoint/2010/main" xmlns="" val="3169358650"/>
+      </p:ext>
+    </p:extLst>
+  </p:cSld>
+  <p:clrMapOvr>
+    <a:masterClrMapping/>
+  </p:clrMapOvr>
+  <p:timing>
+    <p:tnLst>
+      <p:par>
+        <p:cTn id="1" dur="indefinite" restart="never" nodeType="tmRoot"/>
+      </p:par>
+    </p:tnLst>
+  </p:timing>
+</p:sld>
+</file>
+
+<file path=ppt/slides/slide20.xml><?xml version="1.0" encoding="utf-8"?>
+<p:sld xmlns:a="http://schemas.openxmlformats.org/drawingml/2006/main" xmlns:r="http://schemas.openxmlformats.org/officeDocument/2006/relationships" xmlns:p="http://schemas.openxmlformats.org/presentationml/2006/main">
+  <p:cSld>
+    <p:spTree>
+      <p:nvGrpSpPr>
+        <p:cNvPr id="1" name=""/>
+        <p:cNvGrpSpPr/>
+        <p:nvPr/>
+      </p:nvGrpSpPr>
+      <p:grpSpPr>
+        <a:xfrm>
+          <a:off x="0" y="0"/>
+          <a:ext cx="0" cy="0"/>
+          <a:chOff x="0" y="0"/>
+          <a:chExt cx="0" cy="0"/>
+        </a:xfrm>
+      </p:grpSpPr>
+      <p:sp>
+        <p:nvSpPr>
+          <p:cNvPr id="2" name="Titre 1"/>
+          <p:cNvSpPr>
+            <a:spLocks noGrp="1"/>
+          </p:cNvSpPr>
+          <p:nvPr>
+            <p:ph type="title"/>
+            <p:custDataLst>
+              <p:tags r:id="rId1"/>
+            </p:custDataLst>
+          </p:nvPr>
+        </p:nvSpPr>
         <p:spPr/>
         <p:txBody>
           <a:bodyPr/>
@@ -5448,7 +5676,7 @@
           <a:blip r:embed="rId5" cstate="print">
             <a:extLst>
               <a:ext uri="{28A0092B-C50C-407E-A947-70E740481C1C}">
-                <a14:useLocalDpi xmlns:a14="http://schemas.microsoft.com/office/drawing/2010/main" val="0"/>
+                <a14:useLocalDpi xmlns:a14="http://schemas.microsoft.com/office/drawing/2010/main" xmlns="" val="0"/>
               </a:ext>
             </a:extLst>
           </a:blip>
@@ -5472,14 +5700,14 @@
           <a:effectLst/>
           <a:extLst>
             <a:ext uri="{909E8E84-426E-40DD-AFC4-6F175D3DCCD1}">
-              <a14:hiddenFill xmlns:a14="http://schemas.microsoft.com/office/drawing/2010/main">
+              <a14:hiddenFill xmlns:a14="http://schemas.microsoft.com/office/drawing/2010/main" xmlns="">
                 <a:solidFill>
                   <a:schemeClr val="accent1"/>
                 </a:solidFill>
               </a14:hiddenFill>
             </a:ext>
             <a:ext uri="{91240B29-F687-4F45-9708-019B960494DF}">
-              <a14:hiddenLine xmlns:a14="http://schemas.microsoft.com/office/drawing/2010/main" w="9525">
+              <a14:hiddenLine xmlns:a14="http://schemas.microsoft.com/office/drawing/2010/main" xmlns="" w="9525">
                 <a:solidFill>
                   <a:schemeClr val="tx1"/>
                 </a:solidFill>
@@ -5489,7 +5717,7 @@
               </a14:hiddenLine>
             </a:ext>
             <a:ext uri="{AF507438-7753-43E0-B8FC-AC1667EBCBE1}">
-              <a14:hiddenEffects xmlns:a14="http://schemas.microsoft.com/office/drawing/2010/main">
+              <a14:hiddenEffects xmlns:a14="http://schemas.microsoft.com/office/drawing/2010/main" xmlns="">
                 <a:effectLst>
                   <a:outerShdw dist="35921" dir="2700000" algn="ctr" rotWithShape="0">
                     <a:schemeClr val="bg2"/>
@@ -5569,7 +5797,7 @@
     </p:spTree>
     <p:extLst>
       <p:ext uri="{BB962C8B-B14F-4D97-AF65-F5344CB8AC3E}">
-        <p14:creationId xmlns:p14="http://schemas.microsoft.com/office/powerpoint/2010/main" val="1609523828"/>
+        <p14:creationId xmlns:p14="http://schemas.microsoft.com/office/powerpoint/2010/main" xmlns="" val="1609523828"/>
       </p:ext>
     </p:extLst>
   </p:cSld>
@@ -5586,7 +5814,7 @@
 </p:sld>
 </file>
 
-<file path=ppt/slides/slide2.xml><?xml version="1.0" encoding="utf-8"?>
+<file path=ppt/slides/slide21.xml><?xml version="1.0" encoding="utf-8"?>
 <p:sld xmlns:a="http://schemas.openxmlformats.org/drawingml/2006/main" xmlns:r="http://schemas.openxmlformats.org/officeDocument/2006/relationships" xmlns:p="http://schemas.openxmlformats.org/presentationml/2006/main">
   <p:cSld>
     <p:spTree>
@@ -5623,163 +5851,6 @@
           <a:p>
             <a:r>
               <a:rPr lang="fr-FR" dirty="0" smtClean="0"/>
-              <a:t>Objectifs</a:t>
-            </a:r>
-            <a:endParaRPr lang="fr-FR" dirty="0"/>
-          </a:p>
-        </p:txBody>
-      </p:sp>
-      <p:sp>
-        <p:nvSpPr>
-          <p:cNvPr id="3" name="Espace réservé du contenu 2"/>
-          <p:cNvSpPr>
-            <a:spLocks noGrp="1"/>
-          </p:cNvSpPr>
-          <p:nvPr>
-            <p:ph sz="quarter" idx="13"/>
-            <p:custDataLst>
-              <p:tags r:id="rId2"/>
-            </p:custDataLst>
-          </p:nvPr>
-        </p:nvSpPr>
-        <p:spPr>
-          <a:xfrm>
-            <a:off x="1979712" y="1988840"/>
-            <a:ext cx="6482680" cy="3556992"/>
-          </a:xfrm>
-        </p:spPr>
-        <p:txBody>
-          <a:bodyPr>
-            <a:normAutofit/>
-          </a:bodyPr>
-          <a:lstStyle/>
-          <a:p>
-            <a:pPr marL="525780" indent="-457200">
-              <a:buFont typeface="+mj-lt"/>
-              <a:buAutoNum type="arabicPeriod"/>
-            </a:pPr>
-            <a:r>
-              <a:rPr lang="fr-FR" sz="2400" dirty="0"/>
-              <a:t>Problématique &amp; </a:t>
-            </a:r>
-            <a:r>
-              <a:rPr lang="fr-FR" sz="2400" dirty="0" smtClean="0"/>
-              <a:t>IMDB</a:t>
-            </a:r>
-          </a:p>
-          <a:p>
-            <a:pPr marL="525780" indent="-457200">
-              <a:buFont typeface="+mj-lt"/>
-              <a:buAutoNum type="arabicPeriod"/>
-            </a:pPr>
-            <a:r>
-              <a:rPr lang="fr-FR" sz="2400" dirty="0"/>
-              <a:t>E</a:t>
-            </a:r>
-            <a:r>
-              <a:rPr lang="fr-FR" sz="2400" dirty="0" smtClean="0"/>
-              <a:t>xploration et nettoyage des données</a:t>
-            </a:r>
-            <a:endParaRPr lang="fr-FR" sz="2400" dirty="0"/>
-          </a:p>
-          <a:p>
-            <a:pPr marL="525780" indent="-457200">
-              <a:buFont typeface="+mj-lt"/>
-              <a:buAutoNum type="arabicPeriod"/>
-            </a:pPr>
-            <a:r>
-              <a:rPr lang="fr-FR" sz="2400" dirty="0" err="1"/>
-              <a:t>F</a:t>
-            </a:r>
-            <a:r>
-              <a:rPr lang="fr-FR" sz="2400" dirty="0" err="1" smtClean="0"/>
-              <a:t>eature</a:t>
-            </a:r>
-            <a:r>
-              <a:rPr lang="fr-FR" sz="2400" dirty="0" smtClean="0"/>
-              <a:t> engineering</a:t>
-            </a:r>
-          </a:p>
-          <a:p>
-            <a:pPr marL="525780" indent="-457200">
-              <a:buFont typeface="+mj-lt"/>
-              <a:buAutoNum type="arabicPeriod"/>
-            </a:pPr>
-            <a:r>
-              <a:rPr lang="fr-FR" sz="2400" dirty="0" smtClean="0"/>
-              <a:t>Modélisation</a:t>
-            </a:r>
-          </a:p>
-          <a:p>
-            <a:pPr marL="525780" indent="-457200">
-              <a:buFont typeface="+mj-lt"/>
-              <a:buAutoNum type="arabicPeriod"/>
-            </a:pPr>
-            <a:r>
-              <a:rPr lang="fr-FR" sz="2400" dirty="0" smtClean="0"/>
-              <a:t>API </a:t>
-            </a:r>
-            <a:endParaRPr lang="fr-FR" sz="2400" dirty="0"/>
-          </a:p>
-        </p:txBody>
-      </p:sp>
-    </p:spTree>
-    <p:extLst>
-      <p:ext uri="{BB962C8B-B14F-4D97-AF65-F5344CB8AC3E}">
-        <p14:creationId xmlns:p14="http://schemas.microsoft.com/office/powerpoint/2010/main" val="3169358650"/>
-      </p:ext>
-    </p:extLst>
-  </p:cSld>
-  <p:clrMapOvr>
-    <a:masterClrMapping/>
-  </p:clrMapOvr>
-  <p:timing>
-    <p:tnLst>
-      <p:par>
-        <p:cTn id="1" dur="indefinite" restart="never" nodeType="tmRoot"/>
-      </p:par>
-    </p:tnLst>
-  </p:timing>
-</p:sld>
-</file>
-
-<file path=ppt/slides/slide20.xml><?xml version="1.0" encoding="utf-8"?>
-<p:sld xmlns:a="http://schemas.openxmlformats.org/drawingml/2006/main" xmlns:r="http://schemas.openxmlformats.org/officeDocument/2006/relationships" xmlns:p="http://schemas.openxmlformats.org/presentationml/2006/main">
-  <p:cSld>
-    <p:spTree>
-      <p:nvGrpSpPr>
-        <p:cNvPr id="1" name=""/>
-        <p:cNvGrpSpPr/>
-        <p:nvPr/>
-      </p:nvGrpSpPr>
-      <p:grpSpPr>
-        <a:xfrm>
-          <a:off x="0" y="0"/>
-          <a:ext cx="0" cy="0"/>
-          <a:chOff x="0" y="0"/>
-          <a:chExt cx="0" cy="0"/>
-        </a:xfrm>
-      </p:grpSpPr>
-      <p:sp>
-        <p:nvSpPr>
-          <p:cNvPr id="2" name="Titre 1"/>
-          <p:cNvSpPr>
-            <a:spLocks noGrp="1"/>
-          </p:cNvSpPr>
-          <p:nvPr>
-            <p:ph type="title"/>
-            <p:custDataLst>
-              <p:tags r:id="rId1"/>
-            </p:custDataLst>
-          </p:nvPr>
-        </p:nvSpPr>
-        <p:spPr/>
-        <p:txBody>
-          <a:bodyPr/>
-          <a:lstStyle/>
-          <a:p>
-            <a:r>
-              <a:rPr lang="fr-FR" dirty="0" smtClean="0"/>
               <a:t>Projection PCA</a:t>
             </a:r>
             <a:endParaRPr lang="fr-FR" dirty="0"/>
@@ -5802,7 +5873,7 @@
           <a:blip r:embed="rId5" cstate="print">
             <a:extLst>
               <a:ext uri="{28A0092B-C50C-407E-A947-70E740481C1C}">
-                <a14:useLocalDpi xmlns:a14="http://schemas.microsoft.com/office/drawing/2010/main" val="0"/>
+                <a14:useLocalDpi xmlns:a14="http://schemas.microsoft.com/office/drawing/2010/main" xmlns="" val="0"/>
               </a:ext>
             </a:extLst>
           </a:blip>
@@ -5826,14 +5897,14 @@
           <a:effectLst/>
           <a:extLst>
             <a:ext uri="{909E8E84-426E-40DD-AFC4-6F175D3DCCD1}">
-              <a14:hiddenFill xmlns:a14="http://schemas.microsoft.com/office/drawing/2010/main">
+              <a14:hiddenFill xmlns:a14="http://schemas.microsoft.com/office/drawing/2010/main" xmlns="">
                 <a:solidFill>
                   <a:schemeClr val="accent1"/>
                 </a:solidFill>
               </a14:hiddenFill>
             </a:ext>
             <a:ext uri="{91240B29-F687-4F45-9708-019B960494DF}">
-              <a14:hiddenLine xmlns:a14="http://schemas.microsoft.com/office/drawing/2010/main" w="9525">
+              <a14:hiddenLine xmlns:a14="http://schemas.microsoft.com/office/drawing/2010/main" xmlns="" w="9525">
                 <a:solidFill>
                   <a:schemeClr val="tx1"/>
                 </a:solidFill>
@@ -5843,7 +5914,7 @@
               </a14:hiddenLine>
             </a:ext>
             <a:ext uri="{AF507438-7753-43E0-B8FC-AC1667EBCBE1}">
-              <a14:hiddenEffects xmlns:a14="http://schemas.microsoft.com/office/drawing/2010/main">
+              <a14:hiddenEffects xmlns:a14="http://schemas.microsoft.com/office/drawing/2010/main" xmlns="">
                 <a:effectLst>
                   <a:outerShdw dist="35921" dir="2700000" algn="ctr" rotWithShape="0">
                     <a:schemeClr val="bg2"/>
@@ -5870,7 +5941,7 @@
           <a:blip r:embed="rId6" cstate="print">
             <a:extLst>
               <a:ext uri="{28A0092B-C50C-407E-A947-70E740481C1C}">
-                <a14:useLocalDpi xmlns:a14="http://schemas.microsoft.com/office/drawing/2010/main" val="0"/>
+                <a14:useLocalDpi xmlns:a14="http://schemas.microsoft.com/office/drawing/2010/main" xmlns="" val="0"/>
               </a:ext>
             </a:extLst>
           </a:blip>
@@ -5894,14 +5965,14 @@
           <a:effectLst/>
           <a:extLst>
             <a:ext uri="{909E8E84-426E-40DD-AFC4-6F175D3DCCD1}">
-              <a14:hiddenFill xmlns:a14="http://schemas.microsoft.com/office/drawing/2010/main">
+              <a14:hiddenFill xmlns:a14="http://schemas.microsoft.com/office/drawing/2010/main" xmlns="">
                 <a:solidFill>
                   <a:schemeClr val="accent1"/>
                 </a:solidFill>
               </a14:hiddenFill>
             </a:ext>
             <a:ext uri="{91240B29-F687-4F45-9708-019B960494DF}">
-              <a14:hiddenLine xmlns:a14="http://schemas.microsoft.com/office/drawing/2010/main" w="9525">
+              <a14:hiddenLine xmlns:a14="http://schemas.microsoft.com/office/drawing/2010/main" xmlns="" w="9525">
                 <a:solidFill>
                   <a:schemeClr val="tx1"/>
                 </a:solidFill>
@@ -5911,7 +5982,7 @@
               </a14:hiddenLine>
             </a:ext>
             <a:ext uri="{AF507438-7753-43E0-B8FC-AC1667EBCBE1}">
-              <a14:hiddenEffects xmlns:a14="http://schemas.microsoft.com/office/drawing/2010/main">
+              <a14:hiddenEffects xmlns:a14="http://schemas.microsoft.com/office/drawing/2010/main" xmlns="">
                 <a:effectLst>
                   <a:outerShdw dist="35921" dir="2700000" algn="ctr" rotWithShape="0">
                     <a:schemeClr val="bg2"/>
@@ -5925,230 +5996,7 @@
     </p:spTree>
     <p:extLst>
       <p:ext uri="{BB962C8B-B14F-4D97-AF65-F5344CB8AC3E}">
-        <p14:creationId xmlns:p14="http://schemas.microsoft.com/office/powerpoint/2010/main" val="180601871"/>
-      </p:ext>
-    </p:extLst>
-  </p:cSld>
-  <p:clrMapOvr>
-    <a:masterClrMapping/>
-  </p:clrMapOvr>
-  <p:timing>
-    <p:tnLst>
-      <p:par>
-        <p:cTn id="1" dur="indefinite" restart="never" nodeType="tmRoot"/>
-      </p:par>
-    </p:tnLst>
-  </p:timing>
-</p:sld>
-</file>
-
-<file path=ppt/slides/slide21.xml><?xml version="1.0" encoding="utf-8"?>
-<p:sld xmlns:a="http://schemas.openxmlformats.org/drawingml/2006/main" xmlns:r="http://schemas.openxmlformats.org/officeDocument/2006/relationships" xmlns:p="http://schemas.openxmlformats.org/presentationml/2006/main">
-  <p:cSld>
-    <p:spTree>
-      <p:nvGrpSpPr>
-        <p:cNvPr id="1" name=""/>
-        <p:cNvGrpSpPr/>
-        <p:nvPr/>
-      </p:nvGrpSpPr>
-      <p:grpSpPr>
-        <a:xfrm>
-          <a:off x="0" y="0"/>
-          <a:ext cx="0" cy="0"/>
-          <a:chOff x="0" y="0"/>
-          <a:chExt cx="0" cy="0"/>
-        </a:xfrm>
-      </p:grpSpPr>
-      <p:sp>
-        <p:nvSpPr>
-          <p:cNvPr id="2" name="Titre 1"/>
-          <p:cNvSpPr>
-            <a:spLocks noGrp="1"/>
-          </p:cNvSpPr>
-          <p:nvPr>
-            <p:ph type="title"/>
-            <p:custDataLst>
-              <p:tags r:id="rId1"/>
-            </p:custDataLst>
-          </p:nvPr>
-        </p:nvSpPr>
-        <p:spPr>
-          <a:xfrm>
-            <a:off x="609600" y="274638"/>
-            <a:ext cx="7924800" cy="562074"/>
-          </a:xfrm>
-        </p:spPr>
-        <p:txBody>
-          <a:bodyPr/>
-          <a:lstStyle/>
-          <a:p>
-            <a:r>
-              <a:rPr lang="fr-FR" dirty="0" err="1" smtClean="0"/>
-              <a:t>Kmeans</a:t>
-            </a:r>
-            <a:endParaRPr lang="fr-FR" dirty="0"/>
-          </a:p>
-        </p:txBody>
-      </p:sp>
-      <p:pic>
-        <p:nvPicPr>
-          <p:cNvPr id="7170" name="Picture 2"/>
-          <p:cNvPicPr>
-            <a:picLocks noChangeAspect="1" noChangeArrowheads="1"/>
-          </p:cNvPicPr>
-          <p:nvPr>
-            <p:custDataLst>
-              <p:tags r:id="rId2"/>
-            </p:custDataLst>
-          </p:nvPr>
-        </p:nvPicPr>
-        <p:blipFill>
-          <a:blip r:embed="rId5" cstate="print">
-            <a:extLst>
-              <a:ext uri="{28A0092B-C50C-407E-A947-70E740481C1C}">
-                <a14:useLocalDpi xmlns:a14="http://schemas.microsoft.com/office/drawing/2010/main" val="0"/>
-              </a:ext>
-            </a:extLst>
-          </a:blip>
-          <a:srcRect/>
-          <a:stretch>
-            <a:fillRect/>
-          </a:stretch>
-        </p:blipFill>
-        <p:spPr bwMode="auto">
-          <a:xfrm>
-            <a:off x="2483768" y="975395"/>
-            <a:ext cx="4264198" cy="3381298"/>
-          </a:xfrm>
-          <a:prstGeom prst="rect">
-            <a:avLst/>
-          </a:prstGeom>
-          <a:noFill/>
-          <a:ln>
-            <a:noFill/>
-          </a:ln>
-          <a:effectLst/>
-          <a:extLst>
-            <a:ext uri="{909E8E84-426E-40DD-AFC4-6F175D3DCCD1}">
-              <a14:hiddenFill xmlns:a14="http://schemas.microsoft.com/office/drawing/2010/main">
-                <a:solidFill>
-                  <a:schemeClr val="accent1"/>
-                </a:solidFill>
-              </a14:hiddenFill>
-            </a:ext>
-            <a:ext uri="{91240B29-F687-4F45-9708-019B960494DF}">
-              <a14:hiddenLine xmlns:a14="http://schemas.microsoft.com/office/drawing/2010/main" w="9525">
-                <a:solidFill>
-                  <a:schemeClr val="tx1"/>
-                </a:solidFill>
-                <a:miter lim="800000"/>
-                <a:headEnd/>
-                <a:tailEnd/>
-              </a14:hiddenLine>
-            </a:ext>
-            <a:ext uri="{AF507438-7753-43E0-B8FC-AC1667EBCBE1}">
-              <a14:hiddenEffects xmlns:a14="http://schemas.microsoft.com/office/drawing/2010/main">
-                <a:effectLst>
-                  <a:outerShdw dist="35921" dir="2700000" algn="ctr" rotWithShape="0">
-                    <a:schemeClr val="bg2"/>
-                  </a:outerShdw>
-                </a:effectLst>
-              </a14:hiddenEffects>
-            </a:ext>
-          </a:extLst>
-        </p:spPr>
-      </p:pic>
-      <p:sp>
-        <p:nvSpPr>
-          <p:cNvPr id="3" name="ZoneTexte 2"/>
-          <p:cNvSpPr txBox="1"/>
-          <p:nvPr>
-            <p:custDataLst>
-              <p:tags r:id="rId3"/>
-            </p:custDataLst>
-          </p:nvPr>
-        </p:nvSpPr>
-        <p:spPr>
-          <a:xfrm>
-            <a:off x="1578016" y="4437112"/>
-            <a:ext cx="6075702" cy="1200329"/>
-          </a:xfrm>
-          <a:prstGeom prst="rect">
-            <a:avLst/>
-          </a:prstGeom>
-          <a:noFill/>
-        </p:spPr>
-        <p:txBody>
-          <a:bodyPr wrap="none" rtlCol="0">
-            <a:spAutoFit/>
-          </a:bodyPr>
-          <a:lstStyle/>
-          <a:p>
-            <a:pPr marL="285750" indent="-285750">
-              <a:buFont typeface="Arial" pitchFamily="34" charset="0"/>
-              <a:buChar char="•"/>
-            </a:pPr>
-            <a:r>
-              <a:rPr lang="fr-FR" dirty="0" smtClean="0"/>
-              <a:t>Créations de n groupes, puis sélection du top 5 avec le score </a:t>
-            </a:r>
-            <a:r>
-              <a:rPr lang="fr-FR" dirty="0" err="1" smtClean="0"/>
-              <a:t>imdb</a:t>
-            </a:r>
-            <a:endParaRPr lang="fr-FR" dirty="0" smtClean="0"/>
-          </a:p>
-          <a:p>
-            <a:pPr marL="285750" indent="-285750">
-              <a:buFont typeface="Arial" pitchFamily="34" charset="0"/>
-              <a:buChar char="•"/>
-            </a:pPr>
-            <a:r>
-              <a:rPr lang="fr-FR" dirty="0" smtClean="0"/>
-              <a:t>Pour 100 groupes:</a:t>
-            </a:r>
-          </a:p>
-          <a:p>
-            <a:pPr marL="742950" lvl="1" indent="-285750">
-              <a:buFont typeface="Arial" pitchFamily="34" charset="0"/>
-              <a:buChar char="•"/>
-            </a:pPr>
-            <a:r>
-              <a:rPr lang="fr-FR" dirty="0">
-                <a:sym typeface="Wingdings" pitchFamily="2" charset="2"/>
-              </a:rPr>
-              <a:t>E</a:t>
-            </a:r>
-            <a:r>
-              <a:rPr lang="fr-FR" dirty="0" smtClean="0">
-                <a:sym typeface="Wingdings" pitchFamily="2" charset="2"/>
-              </a:rPr>
-              <a:t>nvirons 50 éléments par groupes</a:t>
-            </a:r>
-          </a:p>
-          <a:p>
-            <a:pPr marL="742950" lvl="1" indent="-285750">
-              <a:buFont typeface="Arial" pitchFamily="34" charset="0"/>
-              <a:buChar char="•"/>
-            </a:pPr>
-            <a:r>
-              <a:rPr lang="fr-FR" dirty="0" smtClean="0">
-                <a:sym typeface="Wingdings" pitchFamily="2" charset="2"/>
-              </a:rPr>
-              <a:t>Silhouette 0.25</a:t>
-            </a:r>
-            <a:r>
-              <a:rPr lang="fr-FR" dirty="0" smtClean="0"/>
-              <a:t> </a:t>
-            </a:r>
-            <a:endParaRPr lang="fr-FR" dirty="0"/>
-          </a:p>
-        </p:txBody>
-      </p:sp>
-    </p:spTree>
-    <p:extLst>
-      <p:ext uri="{BB962C8B-B14F-4D97-AF65-F5344CB8AC3E}">
-        <p14:creationId xmlns:p14="http://schemas.microsoft.com/office/powerpoint/2010/main" val="3434015581"/>
+        <p14:creationId xmlns:p14="http://schemas.microsoft.com/office/powerpoint/2010/main" xmlns="" val="180601871"/>
       </p:ext>
     </p:extLst>
   </p:cSld>
@@ -6209,6 +6057,229 @@
               <a:rPr lang="fr-FR" dirty="0" err="1" smtClean="0"/>
               <a:t>Kmeans</a:t>
             </a:r>
+            <a:endParaRPr lang="fr-FR" dirty="0"/>
+          </a:p>
+        </p:txBody>
+      </p:sp>
+      <p:pic>
+        <p:nvPicPr>
+          <p:cNvPr id="7170" name="Picture 2"/>
+          <p:cNvPicPr>
+            <a:picLocks noChangeAspect="1" noChangeArrowheads="1"/>
+          </p:cNvPicPr>
+          <p:nvPr>
+            <p:custDataLst>
+              <p:tags r:id="rId2"/>
+            </p:custDataLst>
+          </p:nvPr>
+        </p:nvPicPr>
+        <p:blipFill>
+          <a:blip r:embed="rId5" cstate="print">
+            <a:extLst>
+              <a:ext uri="{28A0092B-C50C-407E-A947-70E740481C1C}">
+                <a14:useLocalDpi xmlns:a14="http://schemas.microsoft.com/office/drawing/2010/main" xmlns="" val="0"/>
+              </a:ext>
+            </a:extLst>
+          </a:blip>
+          <a:srcRect/>
+          <a:stretch>
+            <a:fillRect/>
+          </a:stretch>
+        </p:blipFill>
+        <p:spPr bwMode="auto">
+          <a:xfrm>
+            <a:off x="2339752" y="2132856"/>
+            <a:ext cx="4264198" cy="3381298"/>
+          </a:xfrm>
+          <a:prstGeom prst="rect">
+            <a:avLst/>
+          </a:prstGeom>
+          <a:noFill/>
+          <a:ln>
+            <a:noFill/>
+          </a:ln>
+          <a:effectLst/>
+          <a:extLst>
+            <a:ext uri="{909E8E84-426E-40DD-AFC4-6F175D3DCCD1}">
+              <a14:hiddenFill xmlns:a14="http://schemas.microsoft.com/office/drawing/2010/main" xmlns="">
+                <a:solidFill>
+                  <a:schemeClr val="accent1"/>
+                </a:solidFill>
+              </a14:hiddenFill>
+            </a:ext>
+            <a:ext uri="{91240B29-F687-4F45-9708-019B960494DF}">
+              <a14:hiddenLine xmlns:a14="http://schemas.microsoft.com/office/drawing/2010/main" xmlns="" w="9525">
+                <a:solidFill>
+                  <a:schemeClr val="tx1"/>
+                </a:solidFill>
+                <a:miter lim="800000"/>
+                <a:headEnd/>
+                <a:tailEnd/>
+              </a14:hiddenLine>
+            </a:ext>
+            <a:ext uri="{AF507438-7753-43E0-B8FC-AC1667EBCBE1}">
+              <a14:hiddenEffects xmlns:a14="http://schemas.microsoft.com/office/drawing/2010/main" xmlns="">
+                <a:effectLst>
+                  <a:outerShdw dist="35921" dir="2700000" algn="ctr" rotWithShape="0">
+                    <a:schemeClr val="bg2"/>
+                  </a:outerShdw>
+                </a:effectLst>
+              </a14:hiddenEffects>
+            </a:ext>
+          </a:extLst>
+        </p:spPr>
+      </p:pic>
+      <p:sp>
+        <p:nvSpPr>
+          <p:cNvPr id="3" name="ZoneTexte 2"/>
+          <p:cNvSpPr txBox="1"/>
+          <p:nvPr>
+            <p:custDataLst>
+              <p:tags r:id="rId3"/>
+            </p:custDataLst>
+          </p:nvPr>
+        </p:nvSpPr>
+        <p:spPr>
+          <a:xfrm>
+            <a:off x="1187624" y="836712"/>
+            <a:ext cx="6075702" cy="1200329"/>
+          </a:xfrm>
+          <a:prstGeom prst="rect">
+            <a:avLst/>
+          </a:prstGeom>
+          <a:noFill/>
+        </p:spPr>
+        <p:txBody>
+          <a:bodyPr wrap="none" rtlCol="0">
+            <a:spAutoFit/>
+          </a:bodyPr>
+          <a:lstStyle/>
+          <a:p>
+            <a:pPr marL="285750" indent="-285750">
+              <a:buFont typeface="Arial" pitchFamily="34" charset="0"/>
+              <a:buChar char="•"/>
+            </a:pPr>
+            <a:r>
+              <a:rPr lang="fr-FR" dirty="0" smtClean="0"/>
+              <a:t>Créations de n groupes, puis sélection du top 5 avec le score </a:t>
+            </a:r>
+            <a:r>
+              <a:rPr lang="fr-FR" dirty="0" err="1" smtClean="0"/>
+              <a:t>imdb</a:t>
+            </a:r>
+            <a:endParaRPr lang="fr-FR" dirty="0" smtClean="0"/>
+          </a:p>
+          <a:p>
+            <a:pPr marL="285750" indent="-285750">
+              <a:buFont typeface="Arial" pitchFamily="34" charset="0"/>
+              <a:buChar char="•"/>
+            </a:pPr>
+            <a:r>
+              <a:rPr lang="fr-FR" dirty="0" smtClean="0"/>
+              <a:t>Pour 100 groupes:</a:t>
+            </a:r>
+          </a:p>
+          <a:p>
+            <a:pPr marL="742950" lvl="1" indent="-285750">
+              <a:buFont typeface="Arial" pitchFamily="34" charset="0"/>
+              <a:buChar char="•"/>
+            </a:pPr>
+            <a:r>
+              <a:rPr lang="fr-FR" dirty="0">
+                <a:sym typeface="Wingdings" pitchFamily="2" charset="2"/>
+              </a:rPr>
+              <a:t>E</a:t>
+            </a:r>
+            <a:r>
+              <a:rPr lang="fr-FR" dirty="0" smtClean="0">
+                <a:sym typeface="Wingdings" pitchFamily="2" charset="2"/>
+              </a:rPr>
+              <a:t>nvirons 50 éléments par groupes</a:t>
+            </a:r>
+          </a:p>
+          <a:p>
+            <a:pPr marL="742950" lvl="1" indent="-285750">
+              <a:buFont typeface="Arial" pitchFamily="34" charset="0"/>
+              <a:buChar char="•"/>
+            </a:pPr>
+            <a:r>
+              <a:rPr lang="fr-FR" dirty="0" smtClean="0">
+                <a:sym typeface="Wingdings" pitchFamily="2" charset="2"/>
+              </a:rPr>
+              <a:t>Silhouette 0.25</a:t>
+            </a:r>
+            <a:r>
+              <a:rPr lang="fr-FR" dirty="0" smtClean="0"/>
+              <a:t> </a:t>
+            </a:r>
+            <a:endParaRPr lang="fr-FR" dirty="0"/>
+          </a:p>
+        </p:txBody>
+      </p:sp>
+    </p:spTree>
+    <p:extLst>
+      <p:ext uri="{BB962C8B-B14F-4D97-AF65-F5344CB8AC3E}">
+        <p14:creationId xmlns:p14="http://schemas.microsoft.com/office/powerpoint/2010/main" xmlns="" val="3434015581"/>
+      </p:ext>
+    </p:extLst>
+  </p:cSld>
+  <p:clrMapOvr>
+    <a:masterClrMapping/>
+  </p:clrMapOvr>
+  <p:timing>
+    <p:tnLst>
+      <p:par>
+        <p:cTn id="1" dur="indefinite" restart="never" nodeType="tmRoot"/>
+      </p:par>
+    </p:tnLst>
+  </p:timing>
+</p:sld>
+</file>
+
+<file path=ppt/slides/slide23.xml><?xml version="1.0" encoding="utf-8"?>
+<p:sld xmlns:a="http://schemas.openxmlformats.org/drawingml/2006/main" xmlns:r="http://schemas.openxmlformats.org/officeDocument/2006/relationships" xmlns:p="http://schemas.openxmlformats.org/presentationml/2006/main">
+  <p:cSld>
+    <p:spTree>
+      <p:nvGrpSpPr>
+        <p:cNvPr id="1" name=""/>
+        <p:cNvGrpSpPr/>
+        <p:nvPr/>
+      </p:nvGrpSpPr>
+      <p:grpSpPr>
+        <a:xfrm>
+          <a:off x="0" y="0"/>
+          <a:ext cx="0" cy="0"/>
+          <a:chOff x="0" y="0"/>
+          <a:chExt cx="0" cy="0"/>
+        </a:xfrm>
+      </p:grpSpPr>
+      <p:sp>
+        <p:nvSpPr>
+          <p:cNvPr id="2" name="Titre 1"/>
+          <p:cNvSpPr>
+            <a:spLocks noGrp="1"/>
+          </p:cNvSpPr>
+          <p:nvPr>
+            <p:ph type="title"/>
+            <p:custDataLst>
+              <p:tags r:id="rId1"/>
+            </p:custDataLst>
+          </p:nvPr>
+        </p:nvSpPr>
+        <p:spPr>
+          <a:xfrm>
+            <a:off x="609600" y="274638"/>
+            <a:ext cx="7924800" cy="562074"/>
+          </a:xfrm>
+        </p:spPr>
+        <p:txBody>
+          <a:bodyPr/>
+          <a:lstStyle/>
+          <a:p>
+            <a:r>
+              <a:rPr lang="fr-FR" dirty="0" err="1" smtClean="0"/>
+              <a:t>Kmeans</a:t>
+            </a:r>
             <a:r>
               <a:rPr lang="fr-FR" dirty="0" smtClean="0"/>
               <a:t> - 99 clusters- Tests</a:t>
@@ -6233,7 +6304,7 @@
           <a:blip r:embed="rId5" cstate="print">
             <a:extLst>
               <a:ext uri="{28A0092B-C50C-407E-A947-70E740481C1C}">
-                <a14:useLocalDpi xmlns:a14="http://schemas.microsoft.com/office/drawing/2010/main" val="0"/>
+                <a14:useLocalDpi xmlns:a14="http://schemas.microsoft.com/office/drawing/2010/main" xmlns="" val="0"/>
               </a:ext>
             </a:extLst>
           </a:blip>
@@ -6257,14 +6328,14 @@
           <a:effectLst/>
           <a:extLst>
             <a:ext uri="{909E8E84-426E-40DD-AFC4-6F175D3DCCD1}">
-              <a14:hiddenFill xmlns:a14="http://schemas.microsoft.com/office/drawing/2010/main">
+              <a14:hiddenFill xmlns:a14="http://schemas.microsoft.com/office/drawing/2010/main" xmlns="">
                 <a:solidFill>
                   <a:schemeClr val="accent1"/>
                 </a:solidFill>
               </a14:hiddenFill>
             </a:ext>
             <a:ext uri="{91240B29-F687-4F45-9708-019B960494DF}">
-              <a14:hiddenLine xmlns:a14="http://schemas.microsoft.com/office/drawing/2010/main" w="9525">
+              <a14:hiddenLine xmlns:a14="http://schemas.microsoft.com/office/drawing/2010/main" xmlns="" w="9525">
                 <a:solidFill>
                   <a:schemeClr val="tx1"/>
                 </a:solidFill>
@@ -6274,7 +6345,7 @@
               </a14:hiddenLine>
             </a:ext>
             <a:ext uri="{AF507438-7753-43E0-B8FC-AC1667EBCBE1}">
-              <a14:hiddenEffects xmlns:a14="http://schemas.microsoft.com/office/drawing/2010/main">
+              <a14:hiddenEffects xmlns:a14="http://schemas.microsoft.com/office/drawing/2010/main" xmlns="">
                 <a:effectLst>
                   <a:outerShdw dist="35921" dir="2700000" algn="ctr" rotWithShape="0">
                     <a:schemeClr val="bg2"/>
@@ -6336,136 +6407,7 @@
     </p:spTree>
     <p:extLst>
       <p:ext uri="{BB962C8B-B14F-4D97-AF65-F5344CB8AC3E}">
-        <p14:creationId xmlns:p14="http://schemas.microsoft.com/office/powerpoint/2010/main" val="4254911022"/>
-      </p:ext>
-    </p:extLst>
-  </p:cSld>
-  <p:clrMapOvr>
-    <a:masterClrMapping/>
-  </p:clrMapOvr>
-  <p:timing>
-    <p:tnLst>
-      <p:par>
-        <p:cTn id="1" dur="indefinite" restart="never" nodeType="tmRoot"/>
-      </p:par>
-    </p:tnLst>
-  </p:timing>
-</p:sld>
-</file>
-
-<file path=ppt/slides/slide23.xml><?xml version="1.0" encoding="utf-8"?>
-<p:sld xmlns:a="http://schemas.openxmlformats.org/drawingml/2006/main" xmlns:r="http://schemas.openxmlformats.org/officeDocument/2006/relationships" xmlns:p="http://schemas.openxmlformats.org/presentationml/2006/main">
-  <p:cSld>
-    <p:spTree>
-      <p:nvGrpSpPr>
-        <p:cNvPr id="1" name=""/>
-        <p:cNvGrpSpPr/>
-        <p:nvPr/>
-      </p:nvGrpSpPr>
-      <p:grpSpPr>
-        <a:xfrm>
-          <a:off x="0" y="0"/>
-          <a:ext cx="0" cy="0"/>
-          <a:chOff x="0" y="0"/>
-          <a:chExt cx="0" cy="0"/>
-        </a:xfrm>
-      </p:grpSpPr>
-      <p:sp>
-        <p:nvSpPr>
-          <p:cNvPr id="2" name="Titre 1"/>
-          <p:cNvSpPr>
-            <a:spLocks noGrp="1"/>
-          </p:cNvSpPr>
-          <p:nvPr>
-            <p:ph type="title"/>
-            <p:custDataLst>
-              <p:tags r:id="rId1"/>
-            </p:custDataLst>
-          </p:nvPr>
-        </p:nvSpPr>
-        <p:spPr>
-          <a:xfrm>
-            <a:off x="609600" y="274638"/>
-            <a:ext cx="7924800" cy="922114"/>
-          </a:xfrm>
-        </p:spPr>
-        <p:txBody>
-          <a:bodyPr/>
-          <a:lstStyle/>
-          <a:p>
-            <a:r>
-              <a:rPr lang="fr-FR" b="1" dirty="0" err="1"/>
-              <a:t>NearestNeighbors</a:t>
-            </a:r>
-            <a:r>
-              <a:rPr lang="fr-FR" b="1" dirty="0"/>
-              <a:t/>
-            </a:r>
-            <a:br>
-              <a:rPr lang="fr-FR" b="1" dirty="0"/>
-            </a:br>
-            <a:endParaRPr lang="fr-FR" dirty="0"/>
-          </a:p>
-        </p:txBody>
-      </p:sp>
-      <p:sp>
-        <p:nvSpPr>
-          <p:cNvPr id="3" name="Espace réservé du contenu 2"/>
-          <p:cNvSpPr>
-            <a:spLocks noGrp="1"/>
-          </p:cNvSpPr>
-          <p:nvPr>
-            <p:ph sz="quarter" idx="13"/>
-            <p:custDataLst>
-              <p:tags r:id="rId2"/>
-            </p:custDataLst>
-          </p:nvPr>
-        </p:nvSpPr>
-        <p:spPr/>
-        <p:txBody>
-          <a:bodyPr>
-            <a:normAutofit/>
-          </a:bodyPr>
-          <a:lstStyle/>
-          <a:p>
-            <a:pPr marL="457200" indent="-457200">
-              <a:buFont typeface="+mj-lt"/>
-              <a:buAutoNum type="arabicPeriod"/>
-            </a:pPr>
-            <a:r>
-              <a:rPr lang="fr-FR" sz="2400" dirty="0" smtClean="0"/>
-              <a:t>30 voisins les plus proches (</a:t>
-            </a:r>
-            <a:r>
-              <a:rPr lang="fr-FR" sz="2400" dirty="0"/>
-              <a:t>Distance </a:t>
-            </a:r>
-            <a:r>
-              <a:rPr lang="fr-FR" sz="2400" dirty="0" smtClean="0"/>
-              <a:t>euclidienne)</a:t>
-            </a:r>
-          </a:p>
-          <a:p>
-            <a:pPr marL="457200" indent="-457200">
-              <a:buFont typeface="+mj-lt"/>
-              <a:buAutoNum type="arabicPeriod"/>
-            </a:pPr>
-            <a:r>
-              <a:rPr lang="fr-FR" sz="2400" dirty="0" smtClean="0"/>
-              <a:t>Classement par score </a:t>
-            </a:r>
-            <a:r>
-              <a:rPr lang="fr-FR" sz="2400" dirty="0" smtClean="0"/>
-              <a:t>IMDB</a:t>
-            </a:r>
-            <a:endParaRPr lang="fr-FR" sz="2400" dirty="0" smtClean="0"/>
-          </a:p>
-        </p:txBody>
-      </p:sp>
-    </p:spTree>
-    <p:extLst>
-      <p:ext uri="{BB962C8B-B14F-4D97-AF65-F5344CB8AC3E}">
-        <p14:creationId xmlns:p14="http://schemas.microsoft.com/office/powerpoint/2010/main" val="299747357"/>
+        <p14:creationId xmlns:p14="http://schemas.microsoft.com/office/powerpoint/2010/main" xmlns="" val="4254911022"/>
       </p:ext>
     </p:extLst>
   </p:cSld>
@@ -6515,6 +6457,130 @@
         <p:spPr>
           <a:xfrm>
             <a:off x="609600" y="274638"/>
+            <a:ext cx="7924800" cy="922114"/>
+          </a:xfrm>
+        </p:spPr>
+        <p:txBody>
+          <a:bodyPr/>
+          <a:lstStyle/>
+          <a:p>
+            <a:r>
+              <a:rPr lang="fr-FR" b="1" dirty="0" err="1"/>
+              <a:t>NearestNeighbors</a:t>
+            </a:r>
+            <a:r>
+              <a:rPr lang="fr-FR" b="1" dirty="0"/>
+              <a:t/>
+            </a:r>
+            <a:br>
+              <a:rPr lang="fr-FR" b="1" dirty="0"/>
+            </a:br>
+            <a:endParaRPr lang="fr-FR" dirty="0"/>
+          </a:p>
+        </p:txBody>
+      </p:sp>
+      <p:sp>
+        <p:nvSpPr>
+          <p:cNvPr id="3" name="Espace réservé du contenu 2"/>
+          <p:cNvSpPr>
+            <a:spLocks noGrp="1"/>
+          </p:cNvSpPr>
+          <p:nvPr>
+            <p:ph sz="quarter" idx="13"/>
+            <p:custDataLst>
+              <p:tags r:id="rId2"/>
+            </p:custDataLst>
+          </p:nvPr>
+        </p:nvSpPr>
+        <p:spPr/>
+        <p:txBody>
+          <a:bodyPr>
+            <a:normAutofit/>
+          </a:bodyPr>
+          <a:lstStyle/>
+          <a:p>
+            <a:pPr marL="457200" indent="-457200">
+              <a:buFont typeface="+mj-lt"/>
+              <a:buAutoNum type="arabicPeriod"/>
+            </a:pPr>
+            <a:r>
+              <a:rPr lang="fr-FR" sz="2400" dirty="0" smtClean="0"/>
+              <a:t>30 voisins les plus proches (</a:t>
+            </a:r>
+            <a:r>
+              <a:rPr lang="fr-FR" sz="2400" dirty="0"/>
+              <a:t>Distance </a:t>
+            </a:r>
+            <a:r>
+              <a:rPr lang="fr-FR" sz="2400" dirty="0" smtClean="0"/>
+              <a:t>euclidienne)</a:t>
+            </a:r>
+          </a:p>
+          <a:p>
+            <a:pPr marL="457200" indent="-457200">
+              <a:buFont typeface="+mj-lt"/>
+              <a:buAutoNum type="arabicPeriod"/>
+            </a:pPr>
+            <a:r>
+              <a:rPr lang="fr-FR" sz="2400" dirty="0" smtClean="0"/>
+              <a:t>Classement par score IMDB</a:t>
+            </a:r>
+          </a:p>
+        </p:txBody>
+      </p:sp>
+    </p:spTree>
+    <p:extLst>
+      <p:ext uri="{BB962C8B-B14F-4D97-AF65-F5344CB8AC3E}">
+        <p14:creationId xmlns:p14="http://schemas.microsoft.com/office/powerpoint/2010/main" xmlns="" val="299747357"/>
+      </p:ext>
+    </p:extLst>
+  </p:cSld>
+  <p:clrMapOvr>
+    <a:masterClrMapping/>
+  </p:clrMapOvr>
+  <p:timing>
+    <p:tnLst>
+      <p:par>
+        <p:cTn id="1" dur="indefinite" restart="never" nodeType="tmRoot"/>
+      </p:par>
+    </p:tnLst>
+  </p:timing>
+</p:sld>
+</file>
+
+<file path=ppt/slides/slide25.xml><?xml version="1.0" encoding="utf-8"?>
+<p:sld xmlns:a="http://schemas.openxmlformats.org/drawingml/2006/main" xmlns:r="http://schemas.openxmlformats.org/officeDocument/2006/relationships" xmlns:p="http://schemas.openxmlformats.org/presentationml/2006/main">
+  <p:cSld>
+    <p:spTree>
+      <p:nvGrpSpPr>
+        <p:cNvPr id="1" name=""/>
+        <p:cNvGrpSpPr/>
+        <p:nvPr/>
+      </p:nvGrpSpPr>
+      <p:grpSpPr>
+        <a:xfrm>
+          <a:off x="0" y="0"/>
+          <a:ext cx="0" cy="0"/>
+          <a:chOff x="0" y="0"/>
+          <a:chExt cx="0" cy="0"/>
+        </a:xfrm>
+      </p:grpSpPr>
+      <p:sp>
+        <p:nvSpPr>
+          <p:cNvPr id="2" name="Titre 1"/>
+          <p:cNvSpPr>
+            <a:spLocks noGrp="1"/>
+          </p:cNvSpPr>
+          <p:nvPr>
+            <p:ph type="title"/>
+            <p:custDataLst>
+              <p:tags r:id="rId1"/>
+            </p:custDataLst>
+          </p:nvPr>
+        </p:nvSpPr>
+        <p:spPr>
+          <a:xfrm>
+            <a:off x="609600" y="274638"/>
             <a:ext cx="7924800" cy="634082"/>
           </a:xfrm>
         </p:spPr>
@@ -6543,10 +6609,10 @@
           <p:nvPr/>
         </p:nvPicPr>
         <p:blipFill>
-          <a:blip r:embed="rId3">
+          <a:blip r:embed="rId3" cstate="print">
             <a:extLst>
               <a:ext uri="{28A0092B-C50C-407E-A947-70E740481C1C}">
-                <a14:useLocalDpi xmlns:a14="http://schemas.microsoft.com/office/drawing/2010/main" val="0"/>
+                <a14:useLocalDpi xmlns:a14="http://schemas.microsoft.com/office/drawing/2010/main" xmlns="" val="0"/>
               </a:ext>
             </a:extLst>
           </a:blip>
@@ -6570,14 +6636,14 @@
           <a:effectLst/>
           <a:extLst>
             <a:ext uri="{909E8E84-426E-40DD-AFC4-6F175D3DCCD1}">
-              <a14:hiddenFill xmlns:a14="http://schemas.microsoft.com/office/drawing/2010/main">
+              <a14:hiddenFill xmlns:a14="http://schemas.microsoft.com/office/drawing/2010/main" xmlns="">
                 <a:solidFill>
                   <a:schemeClr val="accent1"/>
                 </a:solidFill>
               </a14:hiddenFill>
             </a:ext>
             <a:ext uri="{91240B29-F687-4F45-9708-019B960494DF}">
-              <a14:hiddenLine xmlns:a14="http://schemas.microsoft.com/office/drawing/2010/main" w="9525">
+              <a14:hiddenLine xmlns:a14="http://schemas.microsoft.com/office/drawing/2010/main" xmlns="" w="9525">
                 <a:solidFill>
                   <a:schemeClr val="tx1"/>
                 </a:solidFill>
@@ -6587,7 +6653,7 @@
               </a14:hiddenLine>
             </a:ext>
             <a:ext uri="{AF507438-7753-43E0-B8FC-AC1667EBCBE1}">
-              <a14:hiddenEffects xmlns:a14="http://schemas.microsoft.com/office/drawing/2010/main">
+              <a14:hiddenEffects xmlns:a14="http://schemas.microsoft.com/office/drawing/2010/main" xmlns="">
                 <a:effectLst>
                   <a:outerShdw dist="35921" dir="2700000" algn="ctr" rotWithShape="0">
                     <a:schemeClr val="bg2"/>
@@ -6601,82 +6667,7 @@
     </p:spTree>
     <p:extLst>
       <p:ext uri="{BB962C8B-B14F-4D97-AF65-F5344CB8AC3E}">
-        <p14:creationId xmlns:p14="http://schemas.microsoft.com/office/powerpoint/2010/main" val="2536859922"/>
-      </p:ext>
-    </p:extLst>
-  </p:cSld>
-  <p:clrMapOvr>
-    <a:masterClrMapping/>
-  </p:clrMapOvr>
-  <p:timing>
-    <p:tnLst>
-      <p:par>
-        <p:cTn id="1" dur="indefinite" restart="never" nodeType="tmRoot"/>
-      </p:par>
-    </p:tnLst>
-  </p:timing>
-</p:sld>
-</file>
-
-<file path=ppt/slides/slide25.xml><?xml version="1.0" encoding="utf-8"?>
-<p:sld xmlns:a="http://schemas.openxmlformats.org/drawingml/2006/main" xmlns:r="http://schemas.openxmlformats.org/officeDocument/2006/relationships" xmlns:p="http://schemas.openxmlformats.org/presentationml/2006/main">
-  <p:cSld>
-    <p:spTree>
-      <p:nvGrpSpPr>
-        <p:cNvPr id="1" name=""/>
-        <p:cNvGrpSpPr/>
-        <p:nvPr/>
-      </p:nvGrpSpPr>
-      <p:grpSpPr>
-        <a:xfrm>
-          <a:off x="0" y="0"/>
-          <a:ext cx="0" cy="0"/>
-          <a:chOff x="0" y="0"/>
-          <a:chExt cx="0" cy="0"/>
-        </a:xfrm>
-      </p:grpSpPr>
-      <p:sp>
-        <p:nvSpPr>
-          <p:cNvPr id="2" name="Titre 1"/>
-          <p:cNvSpPr>
-            <a:spLocks noGrp="1"/>
-          </p:cNvSpPr>
-          <p:nvPr>
-            <p:ph type="title"/>
-            <p:custDataLst>
-              <p:tags r:id="rId1"/>
-            </p:custDataLst>
-          </p:nvPr>
-        </p:nvSpPr>
-        <p:spPr>
-          <a:xfrm>
-            <a:off x="3707904" y="3789040"/>
-            <a:ext cx="7848872" cy="62880"/>
-          </a:xfrm>
-        </p:spPr>
-        <p:txBody>
-          <a:bodyPr/>
-          <a:lstStyle/>
-          <a:p>
-            <a:r>
-              <a:rPr lang="fr-FR" sz="3200" dirty="0" smtClean="0"/>
-              <a:t>5. API</a:t>
-            </a:r>
-            <a:r>
-              <a:rPr lang="fr-FR" sz="3200" dirty="0"/>
-              <a:t/>
-            </a:r>
-            <a:br>
-              <a:rPr lang="fr-FR" sz="3200" dirty="0"/>
-            </a:br>
-            <a:endParaRPr lang="fr-FR" dirty="0"/>
-          </a:p>
-        </p:txBody>
-      </p:sp>
-    </p:spTree>
-    <p:extLst>
-      <p:ext uri="{BB962C8B-B14F-4D97-AF65-F5344CB8AC3E}">
-        <p14:creationId xmlns:p14="http://schemas.microsoft.com/office/powerpoint/2010/main" val="738188909"/>
+        <p14:creationId xmlns:p14="http://schemas.microsoft.com/office/powerpoint/2010/main" xmlns="" val="2536859922"/>
       </p:ext>
     </p:extLst>
   </p:cSld>
@@ -6723,182 +6714,35 @@
             </p:custDataLst>
           </p:nvPr>
         </p:nvSpPr>
-        <p:spPr/>
-        <p:txBody>
-          <a:bodyPr/>
-          <a:lstStyle/>
-          <a:p>
-            <a:r>
-              <a:rPr lang="fr-FR" dirty="0" smtClean="0"/>
-              <a:t>API</a:t>
-            </a:r>
-            <a:endParaRPr lang="fr-FR" dirty="0"/>
-          </a:p>
-        </p:txBody>
-      </p:sp>
-      <p:sp>
-        <p:nvSpPr>
-          <p:cNvPr id="4" name="ZoneTexte 3"/>
-          <p:cNvSpPr txBox="1"/>
-          <p:nvPr>
-            <p:custDataLst>
-              <p:tags r:id="rId2"/>
-            </p:custDataLst>
-          </p:nvPr>
-        </p:nvSpPr>
         <p:spPr>
           <a:xfrm>
-            <a:off x="827584" y="1808946"/>
-            <a:ext cx="5976664" cy="1477328"/>
+            <a:off x="3707904" y="3789040"/>
+            <a:ext cx="7848872" cy="62880"/>
           </a:xfrm>
-          <a:prstGeom prst="rect">
-            <a:avLst/>
-          </a:prstGeom>
-          <a:noFill/>
         </p:spPr>
         <p:txBody>
-          <a:bodyPr wrap="square" rtlCol="0">
-            <a:spAutoFit/>
-          </a:bodyPr>
-          <a:lstStyle/>
-          <a:p>
-            <a:pPr marL="285750" indent="-285750">
-              <a:buFont typeface="Arial" pitchFamily="34" charset="0"/>
-              <a:buChar char="•"/>
-            </a:pPr>
-            <a:r>
-              <a:rPr lang="fr-FR" b="1" dirty="0" smtClean="0"/>
-              <a:t>Modèle: </a:t>
-            </a:r>
-            <a:r>
-              <a:rPr lang="fr-FR" dirty="0" err="1" smtClean="0"/>
-              <a:t>NearestNeighbors</a:t>
-            </a:r>
-            <a:r>
-              <a:rPr lang="fr-FR" dirty="0" smtClean="0"/>
-              <a:t> </a:t>
-            </a:r>
-          </a:p>
-          <a:p>
-            <a:pPr marL="285750" indent="-285750">
-              <a:buFont typeface="Arial" pitchFamily="34" charset="0"/>
-              <a:buChar char="•"/>
-            </a:pPr>
-            <a:endParaRPr lang="fr-FR" b="1" dirty="0" smtClean="0"/>
-          </a:p>
-          <a:p>
-            <a:pPr marL="285750" indent="-285750">
-              <a:buFont typeface="Arial" pitchFamily="34" charset="0"/>
-              <a:buChar char="•"/>
-            </a:pPr>
-            <a:r>
-              <a:rPr lang="fr-FR" dirty="0" smtClean="0">
-                <a:hlinkClick r:id="rId4"/>
-              </a:rPr>
-              <a:t>https</a:t>
-            </a:r>
-            <a:r>
-              <a:rPr lang="fr-FR" dirty="0">
-                <a:hlinkClick r:id="rId4"/>
-              </a:rPr>
-              <a:t>://</a:t>
-            </a:r>
-            <a:r>
-              <a:rPr lang="fr-FR" dirty="0" smtClean="0">
-                <a:hlinkClick r:id="rId4"/>
-              </a:rPr>
-              <a:t>www.pythonanywhere.com</a:t>
-            </a:r>
-            <a:endParaRPr lang="fr-FR" dirty="0" smtClean="0"/>
-          </a:p>
-          <a:p>
-            <a:pPr marL="285750" indent="-285750">
-              <a:buFont typeface="Arial" pitchFamily="34" charset="0"/>
-              <a:buChar char="•"/>
-            </a:pPr>
-            <a:endParaRPr lang="fr-FR" dirty="0" smtClean="0"/>
-          </a:p>
-          <a:p>
-            <a:pPr marL="285750" indent="-285750">
-              <a:buFont typeface="Arial" pitchFamily="34" charset="0"/>
-              <a:buChar char="•"/>
-            </a:pPr>
-            <a:r>
-              <a:rPr lang="fr-FR" dirty="0" smtClean="0"/>
-              <a:t>http://umercia.pythonanywhere.com/recommend/{movie_title}</a:t>
-            </a:r>
+          <a:bodyPr/>
+          <a:lstStyle/>
+          <a:p>
+            <a:r>
+              <a:rPr lang="fr-FR" sz="3200" dirty="0" smtClean="0"/>
+              <a:t>5. API</a:t>
+            </a:r>
+            <a:r>
+              <a:rPr lang="fr-FR" sz="3200" dirty="0"/>
+              <a:t/>
+            </a:r>
+            <a:br>
+              <a:rPr lang="fr-FR" sz="3200" dirty="0"/>
+            </a:br>
             <a:endParaRPr lang="fr-FR" dirty="0"/>
           </a:p>
         </p:txBody>
       </p:sp>
-      <p:pic>
-        <p:nvPicPr>
-          <p:cNvPr id="2050" name="Picture 2"/>
-          <p:cNvPicPr>
-            <a:picLocks noChangeAspect="1" noChangeArrowheads="1"/>
-          </p:cNvPicPr>
-          <p:nvPr/>
-        </p:nvPicPr>
-        <p:blipFill>
-          <a:blip r:embed="rId5">
-            <a:extLst>
-              <a:ext uri="{28A0092B-C50C-407E-A947-70E740481C1C}">
-                <a14:useLocalDpi xmlns:a14="http://schemas.microsoft.com/office/drawing/2010/main" val="0"/>
-              </a:ext>
-            </a:extLst>
-          </a:blip>
-          <a:srcRect/>
-          <a:stretch>
-            <a:fillRect/>
-          </a:stretch>
-        </p:blipFill>
-        <p:spPr bwMode="auto">
-          <a:xfrm>
-            <a:off x="611560" y="3861048"/>
-            <a:ext cx="7920880" cy="1156475"/>
-          </a:xfrm>
-          <a:prstGeom prst="rect">
-            <a:avLst/>
-          </a:prstGeom>
-          <a:noFill/>
-          <a:ln>
-            <a:noFill/>
-          </a:ln>
-          <a:effectLst/>
-          <a:extLst>
-            <a:ext uri="{909E8E84-426E-40DD-AFC4-6F175D3DCCD1}">
-              <a14:hiddenFill xmlns:a14="http://schemas.microsoft.com/office/drawing/2010/main">
-                <a:solidFill>
-                  <a:schemeClr val="accent1"/>
-                </a:solidFill>
-              </a14:hiddenFill>
-            </a:ext>
-            <a:ext uri="{91240B29-F687-4F45-9708-019B960494DF}">
-              <a14:hiddenLine xmlns:a14="http://schemas.microsoft.com/office/drawing/2010/main" w="9525">
-                <a:solidFill>
-                  <a:schemeClr val="tx1"/>
-                </a:solidFill>
-                <a:miter lim="800000"/>
-                <a:headEnd/>
-                <a:tailEnd/>
-              </a14:hiddenLine>
-            </a:ext>
-            <a:ext uri="{AF507438-7753-43E0-B8FC-AC1667EBCBE1}">
-              <a14:hiddenEffects xmlns:a14="http://schemas.microsoft.com/office/drawing/2010/main">
-                <a:effectLst>
-                  <a:outerShdw dist="35921" dir="2700000" algn="ctr" rotWithShape="0">
-                    <a:schemeClr val="bg2"/>
-                  </a:outerShdw>
-                </a:effectLst>
-              </a14:hiddenEffects>
-            </a:ext>
-          </a:extLst>
-        </p:spPr>
-      </p:pic>
     </p:spTree>
     <p:extLst>
       <p:ext uri="{BB962C8B-B14F-4D97-AF65-F5344CB8AC3E}">
-        <p14:creationId xmlns:p14="http://schemas.microsoft.com/office/powerpoint/2010/main" val="2841751922"/>
+        <p14:creationId xmlns:p14="http://schemas.microsoft.com/office/powerpoint/2010/main" xmlns="" val="738188909"/>
       </p:ext>
     </p:extLst>
   </p:cSld>
@@ -6912,6 +6756,250 @@
       </p:par>
     </p:tnLst>
   </p:timing>
+</p:sld>
+</file>
+
+<file path=ppt/slides/slide27.xml><?xml version="1.0" encoding="utf-8"?>
+<p:sld xmlns:a="http://schemas.openxmlformats.org/drawingml/2006/main" xmlns:r="http://schemas.openxmlformats.org/officeDocument/2006/relationships" xmlns:p="http://schemas.openxmlformats.org/presentationml/2006/main">
+  <p:cSld>
+    <p:spTree>
+      <p:nvGrpSpPr>
+        <p:cNvPr id="1" name=""/>
+        <p:cNvGrpSpPr/>
+        <p:nvPr/>
+      </p:nvGrpSpPr>
+      <p:grpSpPr>
+        <a:xfrm>
+          <a:off x="0" y="0"/>
+          <a:ext cx="0" cy="0"/>
+          <a:chOff x="0" y="0"/>
+          <a:chExt cx="0" cy="0"/>
+        </a:xfrm>
+      </p:grpSpPr>
+      <p:sp>
+        <p:nvSpPr>
+          <p:cNvPr id="2" name="Titre 1"/>
+          <p:cNvSpPr>
+            <a:spLocks noGrp="1"/>
+          </p:cNvSpPr>
+          <p:nvPr>
+            <p:ph type="title"/>
+            <p:custDataLst>
+              <p:tags r:id="rId1"/>
+            </p:custDataLst>
+          </p:nvPr>
+        </p:nvSpPr>
+        <p:spPr/>
+        <p:txBody>
+          <a:bodyPr/>
+          <a:lstStyle/>
+          <a:p>
+            <a:r>
+              <a:rPr lang="fr-FR" dirty="0" smtClean="0"/>
+              <a:t>API</a:t>
+            </a:r>
+            <a:endParaRPr lang="fr-FR" dirty="0"/>
+          </a:p>
+        </p:txBody>
+      </p:sp>
+      <p:sp>
+        <p:nvSpPr>
+          <p:cNvPr id="4" name="ZoneTexte 3"/>
+          <p:cNvSpPr txBox="1"/>
+          <p:nvPr>
+            <p:custDataLst>
+              <p:tags r:id="rId2"/>
+            </p:custDataLst>
+          </p:nvPr>
+        </p:nvSpPr>
+        <p:spPr>
+          <a:xfrm>
+            <a:off x="827584" y="1808946"/>
+            <a:ext cx="5976664" cy="1477328"/>
+          </a:xfrm>
+          <a:prstGeom prst="rect">
+            <a:avLst/>
+          </a:prstGeom>
+          <a:noFill/>
+        </p:spPr>
+        <p:txBody>
+          <a:bodyPr wrap="square" rtlCol="0">
+            <a:spAutoFit/>
+          </a:bodyPr>
+          <a:lstStyle/>
+          <a:p>
+            <a:pPr marL="285750" indent="-285750">
+              <a:buFont typeface="Arial" pitchFamily="34" charset="0"/>
+              <a:buChar char="•"/>
+            </a:pPr>
+            <a:r>
+              <a:rPr lang="fr-FR" b="1" dirty="0" smtClean="0"/>
+              <a:t>Modèle: </a:t>
+            </a:r>
+            <a:r>
+              <a:rPr lang="fr-FR" dirty="0" err="1" smtClean="0"/>
+              <a:t>NearestNeighbors</a:t>
+            </a:r>
+            <a:r>
+              <a:rPr lang="fr-FR" dirty="0" smtClean="0"/>
+              <a:t> </a:t>
+            </a:r>
+          </a:p>
+          <a:p>
+            <a:pPr marL="285750" indent="-285750">
+              <a:buFont typeface="Arial" pitchFamily="34" charset="0"/>
+              <a:buChar char="•"/>
+            </a:pPr>
+            <a:endParaRPr lang="fr-FR" b="1" dirty="0" smtClean="0"/>
+          </a:p>
+          <a:p>
+            <a:pPr marL="285750" indent="-285750">
+              <a:buFont typeface="Arial" pitchFamily="34" charset="0"/>
+              <a:buChar char="•"/>
+            </a:pPr>
+            <a:r>
+              <a:rPr lang="fr-FR" dirty="0" smtClean="0">
+                <a:hlinkClick r:id="rId4"/>
+              </a:rPr>
+              <a:t>https</a:t>
+            </a:r>
+            <a:r>
+              <a:rPr lang="fr-FR" dirty="0">
+                <a:hlinkClick r:id="rId4"/>
+              </a:rPr>
+              <a:t>://</a:t>
+            </a:r>
+            <a:r>
+              <a:rPr lang="fr-FR" dirty="0" smtClean="0">
+                <a:hlinkClick r:id="rId4"/>
+              </a:rPr>
+              <a:t>www.pythonanywhere.com</a:t>
+            </a:r>
+            <a:endParaRPr lang="fr-FR" dirty="0" smtClean="0"/>
+          </a:p>
+          <a:p>
+            <a:pPr marL="285750" indent="-285750">
+              <a:buFont typeface="Arial" pitchFamily="34" charset="0"/>
+              <a:buChar char="•"/>
+            </a:pPr>
+            <a:endParaRPr lang="fr-FR" dirty="0" smtClean="0"/>
+          </a:p>
+          <a:p>
+            <a:pPr marL="285750" indent="-285750">
+              <a:buFont typeface="Arial" pitchFamily="34" charset="0"/>
+              <a:buChar char="•"/>
+            </a:pPr>
+            <a:r>
+              <a:rPr lang="fr-FR" dirty="0" smtClean="0"/>
+              <a:t>http://umercia.pythonanywhere.com/recommend/{movie_title}</a:t>
+            </a:r>
+            <a:endParaRPr lang="fr-FR" dirty="0"/>
+          </a:p>
+        </p:txBody>
+      </p:sp>
+      <p:pic>
+        <p:nvPicPr>
+          <p:cNvPr id="1026" name="Picture 2"/>
+          <p:cNvPicPr>
+            <a:picLocks noChangeAspect="1" noChangeArrowheads="1"/>
+          </p:cNvPicPr>
+          <p:nvPr/>
+        </p:nvPicPr>
+        <p:blipFill>
+          <a:blip r:embed="rId5" cstate="print"/>
+          <a:srcRect/>
+          <a:stretch>
+            <a:fillRect/>
+          </a:stretch>
+        </p:blipFill>
+        <p:spPr bwMode="auto">
+          <a:xfrm>
+            <a:off x="755576" y="3861048"/>
+            <a:ext cx="7344816" cy="1275665"/>
+          </a:xfrm>
+          <a:prstGeom prst="rect">
+            <a:avLst/>
+          </a:prstGeom>
+          <a:noFill/>
+          <a:ln w="9525">
+            <a:noFill/>
+            <a:miter lim="800000"/>
+            <a:headEnd/>
+            <a:tailEnd/>
+          </a:ln>
+          <a:effectLst/>
+        </p:spPr>
+      </p:pic>
+    </p:spTree>
+    <p:extLst>
+      <p:ext uri="{BB962C8B-B14F-4D97-AF65-F5344CB8AC3E}">
+        <p14:creationId xmlns:p14="http://schemas.microsoft.com/office/powerpoint/2010/main" xmlns="" val="2841751922"/>
+      </p:ext>
+    </p:extLst>
+  </p:cSld>
+  <p:clrMapOvr>
+    <a:masterClrMapping/>
+  </p:clrMapOvr>
+  <p:timing>
+    <p:tnLst>
+      <p:par>
+        <p:cTn id="1" dur="indefinite" restart="never" nodeType="tmRoot"/>
+      </p:par>
+    </p:tnLst>
+  </p:timing>
+</p:sld>
+</file>
+
+<file path=ppt/slides/slide28.xml><?xml version="1.0" encoding="utf-8"?>
+<p:sld xmlns:a="http://schemas.openxmlformats.org/drawingml/2006/main" xmlns:r="http://schemas.openxmlformats.org/officeDocument/2006/relationships" xmlns:p="http://schemas.openxmlformats.org/presentationml/2006/main">
+  <p:cSld>
+    <p:spTree>
+      <p:nvGrpSpPr>
+        <p:cNvPr id="1" name=""/>
+        <p:cNvGrpSpPr/>
+        <p:nvPr/>
+      </p:nvGrpSpPr>
+      <p:grpSpPr>
+        <a:xfrm>
+          <a:off x="0" y="0"/>
+          <a:ext cx="0" cy="0"/>
+          <a:chOff x="0" y="0"/>
+          <a:chExt cx="0" cy="0"/>
+        </a:xfrm>
+      </p:grpSpPr>
+      <p:sp>
+        <p:nvSpPr>
+          <p:cNvPr id="2" name="Title 1"/>
+          <p:cNvSpPr>
+            <a:spLocks noGrp="1"/>
+          </p:cNvSpPr>
+          <p:nvPr>
+            <p:ph type="title"/>
+          </p:nvPr>
+        </p:nvSpPr>
+        <p:spPr>
+          <a:xfrm>
+            <a:off x="3275856" y="2780928"/>
+            <a:ext cx="2592288" cy="1143000"/>
+          </a:xfrm>
+        </p:spPr>
+        <p:txBody>
+          <a:bodyPr/>
+          <a:lstStyle/>
+          <a:p>
+            <a:r>
+              <a:rPr lang="sv-SE" sz="8000" dirty="0" smtClean="0"/>
+              <a:t>Q &amp; A</a:t>
+            </a:r>
+            <a:endParaRPr lang="en-US" sz="8000" dirty="0"/>
+          </a:p>
+        </p:txBody>
+      </p:sp>
+    </p:spTree>
+  </p:cSld>
+  <p:clrMapOvr>
+    <a:masterClrMapping/>
+  </p:clrMapOvr>
 </p:sld>
 </file>
 
@@ -6973,7 +7061,7 @@
     </p:spTree>
     <p:extLst>
       <p:ext uri="{BB962C8B-B14F-4D97-AF65-F5344CB8AC3E}">
-        <p14:creationId xmlns:p14="http://schemas.microsoft.com/office/powerpoint/2010/main" val="240067617"/>
+        <p14:creationId xmlns:p14="http://schemas.microsoft.com/office/powerpoint/2010/main" xmlns="" val="240067617"/>
       </p:ext>
     </p:extLst>
   </p:cSld>
@@ -7143,7 +7231,7 @@
     </p:spTree>
     <p:extLst>
       <p:ext uri="{BB962C8B-B14F-4D97-AF65-F5344CB8AC3E}">
-        <p14:creationId xmlns:p14="http://schemas.microsoft.com/office/powerpoint/2010/main" val="2609009839"/>
+        <p14:creationId xmlns:p14="http://schemas.microsoft.com/office/powerpoint/2010/main" xmlns="" val="2609009839"/>
       </p:ext>
     </p:extLst>
   </p:cSld>
@@ -7194,7 +7282,7 @@
           <a:blip r:embed="rId3" cstate="print">
             <a:extLst>
               <a:ext uri="{28A0092B-C50C-407E-A947-70E740481C1C}">
-                <a14:useLocalDpi xmlns:a14="http://schemas.microsoft.com/office/drawing/2010/main" val="0"/>
+                <a14:useLocalDpi xmlns:a14="http://schemas.microsoft.com/office/drawing/2010/main" xmlns="" val="0"/>
               </a:ext>
             </a:extLst>
           </a:blip>
@@ -7218,14 +7306,14 @@
           <a:effectLst/>
           <a:extLst>
             <a:ext uri="{909E8E84-426E-40DD-AFC4-6F175D3DCCD1}">
-              <a14:hiddenFill xmlns:a14="http://schemas.microsoft.com/office/drawing/2010/main">
+              <a14:hiddenFill xmlns:a14="http://schemas.microsoft.com/office/drawing/2010/main" xmlns="">
                 <a:solidFill>
                   <a:schemeClr val="accent1"/>
                 </a:solidFill>
               </a14:hiddenFill>
             </a:ext>
             <a:ext uri="{91240B29-F687-4F45-9708-019B960494DF}">
-              <a14:hiddenLine xmlns:a14="http://schemas.microsoft.com/office/drawing/2010/main" w="9525">
+              <a14:hiddenLine xmlns:a14="http://schemas.microsoft.com/office/drawing/2010/main" xmlns="" w="9525">
                 <a:solidFill>
                   <a:schemeClr val="tx1"/>
                 </a:solidFill>
@@ -7235,7 +7323,7 @@
               </a14:hiddenLine>
             </a:ext>
             <a:ext uri="{AF507438-7753-43E0-B8FC-AC1667EBCBE1}">
-              <a14:hiddenEffects xmlns:a14="http://schemas.microsoft.com/office/drawing/2010/main">
+              <a14:hiddenEffects xmlns:a14="http://schemas.microsoft.com/office/drawing/2010/main" xmlns="">
                 <a:effectLst>
                   <a:outerShdw dist="35921" dir="2700000" algn="ctr" rotWithShape="0">
                     <a:schemeClr val="bg2"/>
@@ -7365,7 +7453,6 @@
               <a:rPr lang="fr-FR" dirty="0"/>
               <a:t> Ltd</a:t>
             </a:r>
-            <a:endParaRPr lang="fr-FR" dirty="0"/>
           </a:p>
           <a:p>
             <a:pPr marL="742950" lvl="1" indent="-285750">
@@ -7383,7 +7470,7 @@
     </p:spTree>
     <p:extLst>
       <p:ext uri="{BB962C8B-B14F-4D97-AF65-F5344CB8AC3E}">
-        <p14:creationId xmlns:p14="http://schemas.microsoft.com/office/powerpoint/2010/main" val="4234735141"/>
+        <p14:creationId xmlns:p14="http://schemas.microsoft.com/office/powerpoint/2010/main" xmlns="" val="4234735141"/>
       </p:ext>
     </p:extLst>
   </p:cSld>
@@ -7466,7 +7553,7 @@
     </p:spTree>
     <p:extLst>
       <p:ext uri="{BB962C8B-B14F-4D97-AF65-F5344CB8AC3E}">
-        <p14:creationId xmlns:p14="http://schemas.microsoft.com/office/powerpoint/2010/main" val="1211952375"/>
+        <p14:creationId xmlns:p14="http://schemas.microsoft.com/office/powerpoint/2010/main" xmlns="" val="1211952375"/>
       </p:ext>
     </p:extLst>
   </p:cSld>
@@ -7516,7 +7603,7 @@
           <a:blip r:embed="rId5" cstate="print">
             <a:extLst>
               <a:ext uri="{28A0092B-C50C-407E-A947-70E740481C1C}">
-                <a14:useLocalDpi xmlns:a14="http://schemas.microsoft.com/office/drawing/2010/main" val="0"/>
+                <a14:useLocalDpi xmlns:a14="http://schemas.microsoft.com/office/drawing/2010/main" xmlns="" val="0"/>
               </a:ext>
             </a:extLst>
           </a:blip>
@@ -7540,14 +7627,14 @@
           <a:effectLst/>
           <a:extLst>
             <a:ext uri="{909E8E84-426E-40DD-AFC4-6F175D3DCCD1}">
-              <a14:hiddenFill xmlns:a14="http://schemas.microsoft.com/office/drawing/2010/main">
+              <a14:hiddenFill xmlns:a14="http://schemas.microsoft.com/office/drawing/2010/main" xmlns="">
                 <a:solidFill>
                   <a:schemeClr val="accent1"/>
                 </a:solidFill>
               </a14:hiddenFill>
             </a:ext>
             <a:ext uri="{91240B29-F687-4F45-9708-019B960494DF}">
-              <a14:hiddenLine xmlns:a14="http://schemas.microsoft.com/office/drawing/2010/main" w="9525">
+              <a14:hiddenLine xmlns:a14="http://schemas.microsoft.com/office/drawing/2010/main" xmlns="" w="9525">
                 <a:solidFill>
                   <a:schemeClr val="tx1"/>
                 </a:solidFill>
@@ -7557,7 +7644,7 @@
               </a14:hiddenLine>
             </a:ext>
             <a:ext uri="{AF507438-7753-43E0-B8FC-AC1667EBCBE1}">
-              <a14:hiddenEffects xmlns:a14="http://schemas.microsoft.com/office/drawing/2010/main">
+              <a14:hiddenEffects xmlns:a14="http://schemas.microsoft.com/office/drawing/2010/main" xmlns="">
                 <a:effectLst>
                   <a:outerShdw dist="35921" dir="2700000" algn="ctr" rotWithShape="0">
                     <a:schemeClr val="bg2"/>
@@ -7670,7 +7757,7 @@
     </p:spTree>
     <p:extLst>
       <p:ext uri="{BB962C8B-B14F-4D97-AF65-F5344CB8AC3E}">
-        <p14:creationId xmlns:p14="http://schemas.microsoft.com/office/powerpoint/2010/main" val="4095174797"/>
+        <p14:creationId xmlns:p14="http://schemas.microsoft.com/office/powerpoint/2010/main" xmlns="" val="4095174797"/>
       </p:ext>
     </p:extLst>
   </p:cSld>
@@ -7755,7 +7842,7 @@
           <a:blip r:embed="rId6" cstate="print">
             <a:extLst>
               <a:ext uri="{28A0092B-C50C-407E-A947-70E740481C1C}">
-                <a14:useLocalDpi xmlns:a14="http://schemas.microsoft.com/office/drawing/2010/main" val="0"/>
+                <a14:useLocalDpi xmlns:a14="http://schemas.microsoft.com/office/drawing/2010/main" xmlns="" val="0"/>
               </a:ext>
             </a:extLst>
           </a:blip>
@@ -7779,14 +7866,14 @@
           <a:effectLst/>
           <a:extLst>
             <a:ext uri="{909E8E84-426E-40DD-AFC4-6F175D3DCCD1}">
-              <a14:hiddenFill xmlns:a14="http://schemas.microsoft.com/office/drawing/2010/main">
+              <a14:hiddenFill xmlns:a14="http://schemas.microsoft.com/office/drawing/2010/main" xmlns="">
                 <a:solidFill>
                   <a:schemeClr val="accent1"/>
                 </a:solidFill>
               </a14:hiddenFill>
             </a:ext>
             <a:ext uri="{91240B29-F687-4F45-9708-019B960494DF}">
-              <a14:hiddenLine xmlns:a14="http://schemas.microsoft.com/office/drawing/2010/main" w="9525">
+              <a14:hiddenLine xmlns:a14="http://schemas.microsoft.com/office/drawing/2010/main" xmlns="" w="9525">
                 <a:solidFill>
                   <a:schemeClr val="tx1"/>
                 </a:solidFill>
@@ -7796,7 +7883,7 @@
               </a14:hiddenLine>
             </a:ext>
             <a:ext uri="{AF507438-7753-43E0-B8FC-AC1667EBCBE1}">
-              <a14:hiddenEffects xmlns:a14="http://schemas.microsoft.com/office/drawing/2010/main">
+              <a14:hiddenEffects xmlns:a14="http://schemas.microsoft.com/office/drawing/2010/main" xmlns="">
                 <a:effectLst>
                   <a:outerShdw dist="35921" dir="2700000" algn="ctr" rotWithShape="0">
                     <a:schemeClr val="bg2"/>
@@ -7824,7 +7911,7 @@
           <a:blip r:embed="rId7" cstate="print">
             <a:extLst>
               <a:ext uri="{28A0092B-C50C-407E-A947-70E740481C1C}">
-                <a14:useLocalDpi xmlns:a14="http://schemas.microsoft.com/office/drawing/2010/main" val="0"/>
+                <a14:useLocalDpi xmlns:a14="http://schemas.microsoft.com/office/drawing/2010/main" xmlns="" val="0"/>
               </a:ext>
             </a:extLst>
           </a:blip>
@@ -7848,14 +7935,14 @@
           <a:effectLst/>
           <a:extLst>
             <a:ext uri="{909E8E84-426E-40DD-AFC4-6F175D3DCCD1}">
-              <a14:hiddenFill xmlns:a14="http://schemas.microsoft.com/office/drawing/2010/main">
+              <a14:hiddenFill xmlns:a14="http://schemas.microsoft.com/office/drawing/2010/main" xmlns="">
                 <a:solidFill>
                   <a:schemeClr val="accent1"/>
                 </a:solidFill>
               </a14:hiddenFill>
             </a:ext>
             <a:ext uri="{91240B29-F687-4F45-9708-019B960494DF}">
-              <a14:hiddenLine xmlns:a14="http://schemas.microsoft.com/office/drawing/2010/main" w="9525">
+              <a14:hiddenLine xmlns:a14="http://schemas.microsoft.com/office/drawing/2010/main" xmlns="" w="9525">
                 <a:solidFill>
                   <a:schemeClr val="tx1"/>
                 </a:solidFill>
@@ -7865,7 +7952,7 @@
               </a14:hiddenLine>
             </a:ext>
             <a:ext uri="{AF507438-7753-43E0-B8FC-AC1667EBCBE1}">
-              <a14:hiddenEffects xmlns:a14="http://schemas.microsoft.com/office/drawing/2010/main">
+              <a14:hiddenEffects xmlns:a14="http://schemas.microsoft.com/office/drawing/2010/main" xmlns="">
                 <a:effectLst>
                   <a:outerShdw dist="35921" dir="2700000" algn="ctr" rotWithShape="0">
                     <a:schemeClr val="bg2"/>
@@ -7938,7 +8025,7 @@
     </p:spTree>
     <p:extLst>
       <p:ext uri="{BB962C8B-B14F-4D97-AF65-F5344CB8AC3E}">
-        <p14:creationId xmlns:p14="http://schemas.microsoft.com/office/powerpoint/2010/main" val="3670035473"/>
+        <p14:creationId xmlns:p14="http://schemas.microsoft.com/office/powerpoint/2010/main" xmlns="" val="3670035473"/>
       </p:ext>
     </p:extLst>
   </p:cSld>
@@ -8108,7 +8195,7 @@
           <a:blip r:embed="rId6" cstate="print">
             <a:extLst>
               <a:ext uri="{28A0092B-C50C-407E-A947-70E740481C1C}">
-                <a14:useLocalDpi xmlns:a14="http://schemas.microsoft.com/office/drawing/2010/main" val="0"/>
+                <a14:useLocalDpi xmlns:a14="http://schemas.microsoft.com/office/drawing/2010/main" xmlns="" val="0"/>
               </a:ext>
             </a:extLst>
           </a:blip>
@@ -8132,14 +8219,14 @@
           <a:effectLst/>
           <a:extLst>
             <a:ext uri="{909E8E84-426E-40DD-AFC4-6F175D3DCCD1}">
-              <a14:hiddenFill xmlns:a14="http://schemas.microsoft.com/office/drawing/2010/main">
+              <a14:hiddenFill xmlns:a14="http://schemas.microsoft.com/office/drawing/2010/main" xmlns="">
                 <a:solidFill>
                   <a:schemeClr val="accent1"/>
                 </a:solidFill>
               </a14:hiddenFill>
             </a:ext>
             <a:ext uri="{91240B29-F687-4F45-9708-019B960494DF}">
-              <a14:hiddenLine xmlns:a14="http://schemas.microsoft.com/office/drawing/2010/main" w="9525">
+              <a14:hiddenLine xmlns:a14="http://schemas.microsoft.com/office/drawing/2010/main" xmlns="" w="9525">
                 <a:solidFill>
                   <a:schemeClr val="tx1"/>
                 </a:solidFill>
@@ -8149,7 +8236,7 @@
               </a14:hiddenLine>
             </a:ext>
             <a:ext uri="{AF507438-7753-43E0-B8FC-AC1667EBCBE1}">
-              <a14:hiddenEffects xmlns:a14="http://schemas.microsoft.com/office/drawing/2010/main">
+              <a14:hiddenEffects xmlns:a14="http://schemas.microsoft.com/office/drawing/2010/main" xmlns="">
                 <a:effectLst>
                   <a:outerShdw dist="35921" dir="2700000" algn="ctr" rotWithShape="0">
                     <a:schemeClr val="bg2"/>
@@ -8176,7 +8263,7 @@
           <a:blip r:embed="rId7" cstate="print">
             <a:extLst>
               <a:ext uri="{28A0092B-C50C-407E-A947-70E740481C1C}">
-                <a14:useLocalDpi xmlns:a14="http://schemas.microsoft.com/office/drawing/2010/main" val="0"/>
+                <a14:useLocalDpi xmlns:a14="http://schemas.microsoft.com/office/drawing/2010/main" xmlns="" val="0"/>
               </a:ext>
             </a:extLst>
           </a:blip>
@@ -8200,14 +8287,14 @@
           <a:effectLst/>
           <a:extLst>
             <a:ext uri="{909E8E84-426E-40DD-AFC4-6F175D3DCCD1}">
-              <a14:hiddenFill xmlns:a14="http://schemas.microsoft.com/office/drawing/2010/main">
+              <a14:hiddenFill xmlns:a14="http://schemas.microsoft.com/office/drawing/2010/main" xmlns="">
                 <a:solidFill>
                   <a:schemeClr val="accent1"/>
                 </a:solidFill>
               </a14:hiddenFill>
             </a:ext>
             <a:ext uri="{91240B29-F687-4F45-9708-019B960494DF}">
-              <a14:hiddenLine xmlns:a14="http://schemas.microsoft.com/office/drawing/2010/main" w="9525">
+              <a14:hiddenLine xmlns:a14="http://schemas.microsoft.com/office/drawing/2010/main" xmlns="" w="9525">
                 <a:solidFill>
                   <a:schemeClr val="tx1"/>
                 </a:solidFill>
@@ -8217,7 +8304,7 @@
               </a14:hiddenLine>
             </a:ext>
             <a:ext uri="{AF507438-7753-43E0-B8FC-AC1667EBCBE1}">
-              <a14:hiddenEffects xmlns:a14="http://schemas.microsoft.com/office/drawing/2010/main">
+              <a14:hiddenEffects xmlns:a14="http://schemas.microsoft.com/office/drawing/2010/main" xmlns="">
                 <a:effectLst>
                   <a:outerShdw dist="35921" dir="2700000" algn="ctr" rotWithShape="0">
                     <a:schemeClr val="bg2"/>
@@ -8231,7 +8318,7 @@
     </p:spTree>
     <p:extLst>
       <p:ext uri="{BB962C8B-B14F-4D97-AF65-F5344CB8AC3E}">
-        <p14:creationId xmlns:p14="http://schemas.microsoft.com/office/powerpoint/2010/main" val="830870510"/>
+        <p14:creationId xmlns:p14="http://schemas.microsoft.com/office/powerpoint/2010/main" xmlns="" val="830870510"/>
       </p:ext>
     </p:extLst>
   </p:cSld>
